--- a/[BeAMathematician].pptx
+++ b/[BeAMathematician].pptx
@@ -5,7 +5,8 @@
     <p:sldMasterId id="2147483648" r:id="rId1"/>
   </p:sldMasterIdLst>
   <p:sldIdLst>
-    <p:sldId id="256" r:id="rId2"/>
+    <p:sldId id="257" r:id="rId2"/>
+    <p:sldId id="256" r:id="rId3"/>
   </p:sldIdLst>
   <p:sldSz cx="6858000" cy="9144000" type="screen4x3"/>
   <p:notesSz cx="6858000" cy="9144000"/>
@@ -288,7 +289,7 @@
           <a:p>
             <a:fld id="{E90ED720-0104-4369-84BC-D37694168613}" type="datetimeFigureOut">
               <a:rPr kumimoji="1" lang="ja-JP" altLang="en-US" smtClean="0"/>
-              <a:t>2018/8/1</a:t>
+              <a:t>2018/8/27</a:t>
             </a:fld>
             <a:endParaRPr kumimoji="1" lang="ja-JP" altLang="en-US"/>
           </a:p>
@@ -485,7 +486,7 @@
           <a:p>
             <a:fld id="{E90ED720-0104-4369-84BC-D37694168613}" type="datetimeFigureOut">
               <a:rPr kumimoji="1" lang="ja-JP" altLang="en-US" smtClean="0"/>
-              <a:t>2018/8/1</a:t>
+              <a:t>2018/8/27</a:t>
             </a:fld>
             <a:endParaRPr kumimoji="1" lang="ja-JP" altLang="en-US"/>
           </a:p>
@@ -692,7 +693,7 @@
           <a:p>
             <a:fld id="{E90ED720-0104-4369-84BC-D37694168613}" type="datetimeFigureOut">
               <a:rPr kumimoji="1" lang="ja-JP" altLang="en-US" smtClean="0"/>
-              <a:t>2018/8/1</a:t>
+              <a:t>2018/8/27</a:t>
             </a:fld>
             <a:endParaRPr kumimoji="1" lang="ja-JP" altLang="en-US"/>
           </a:p>
@@ -889,7 +890,7 @@
           <a:p>
             <a:fld id="{E90ED720-0104-4369-84BC-D37694168613}" type="datetimeFigureOut">
               <a:rPr kumimoji="1" lang="ja-JP" altLang="en-US" smtClean="0"/>
-              <a:t>2018/8/1</a:t>
+              <a:t>2018/8/27</a:t>
             </a:fld>
             <a:endParaRPr kumimoji="1" lang="ja-JP" altLang="en-US"/>
           </a:p>
@@ -1130,7 +1131,7 @@
           <a:p>
             <a:fld id="{E90ED720-0104-4369-84BC-D37694168613}" type="datetimeFigureOut">
               <a:rPr kumimoji="1" lang="ja-JP" altLang="en-US" smtClean="0"/>
-              <a:t>2018/8/1</a:t>
+              <a:t>2018/8/27</a:t>
             </a:fld>
             <a:endParaRPr kumimoji="1" lang="ja-JP" altLang="en-US"/>
           </a:p>
@@ -1477,7 +1478,7 @@
           <a:p>
             <a:fld id="{E90ED720-0104-4369-84BC-D37694168613}" type="datetimeFigureOut">
               <a:rPr kumimoji="1" lang="ja-JP" altLang="en-US" smtClean="0"/>
-              <a:t>2018/8/1</a:t>
+              <a:t>2018/8/27</a:t>
             </a:fld>
             <a:endParaRPr kumimoji="1" lang="ja-JP" altLang="en-US"/>
           </a:p>
@@ -1958,7 +1959,7 @@
           <a:p>
             <a:fld id="{E90ED720-0104-4369-84BC-D37694168613}" type="datetimeFigureOut">
               <a:rPr kumimoji="1" lang="ja-JP" altLang="en-US" smtClean="0"/>
-              <a:t>2018/8/1</a:t>
+              <a:t>2018/8/27</a:t>
             </a:fld>
             <a:endParaRPr kumimoji="1" lang="ja-JP" altLang="en-US"/>
           </a:p>
@@ -2071,7 +2072,7 @@
           <a:p>
             <a:fld id="{E90ED720-0104-4369-84BC-D37694168613}" type="datetimeFigureOut">
               <a:rPr kumimoji="1" lang="ja-JP" altLang="en-US" smtClean="0"/>
-              <a:t>2018/8/1</a:t>
+              <a:t>2018/8/27</a:t>
             </a:fld>
             <a:endParaRPr kumimoji="1" lang="ja-JP" altLang="en-US"/>
           </a:p>
@@ -2161,7 +2162,7 @@
           <a:p>
             <a:fld id="{E90ED720-0104-4369-84BC-D37694168613}" type="datetimeFigureOut">
               <a:rPr kumimoji="1" lang="ja-JP" altLang="en-US" smtClean="0"/>
-              <a:t>2018/8/1</a:t>
+              <a:t>2018/8/27</a:t>
             </a:fld>
             <a:endParaRPr kumimoji="1" lang="ja-JP" altLang="en-US"/>
           </a:p>
@@ -2465,7 +2466,7 @@
           <a:p>
             <a:fld id="{E90ED720-0104-4369-84BC-D37694168613}" type="datetimeFigureOut">
               <a:rPr kumimoji="1" lang="ja-JP" altLang="en-US" smtClean="0"/>
-              <a:t>2018/8/1</a:t>
+              <a:t>2018/8/27</a:t>
             </a:fld>
             <a:endParaRPr kumimoji="1" lang="ja-JP" altLang="en-US"/>
           </a:p>
@@ -2713,7 +2714,7 @@
           <a:p>
             <a:fld id="{E90ED720-0104-4369-84BC-D37694168613}" type="datetimeFigureOut">
               <a:rPr kumimoji="1" lang="ja-JP" altLang="en-US" smtClean="0"/>
-              <a:t>2018/8/1</a:t>
+              <a:t>2018/8/27</a:t>
             </a:fld>
             <a:endParaRPr kumimoji="1" lang="ja-JP" altLang="en-US"/>
           </a:p>
@@ -2953,7 +2954,7 @@
           <a:p>
             <a:fld id="{E90ED720-0104-4369-84BC-D37694168613}" type="datetimeFigureOut">
               <a:rPr kumimoji="1" lang="ja-JP" altLang="en-US" smtClean="0"/>
-              <a:t>2018/8/1</a:t>
+              <a:t>2018/8/27</a:t>
             </a:fld>
             <a:endParaRPr kumimoji="1" lang="ja-JP" altLang="en-US"/>
           </a:p>
@@ -3331,8 +3332,8 @@
         </p:nvSpPr>
         <p:spPr>
           <a:xfrm>
-            <a:off x="0" y="9348"/>
-            <a:ext cx="4793685" cy="2246769"/>
+            <a:off x="0" y="2699792"/>
+            <a:ext cx="4832798" cy="369332"/>
           </a:xfrm>
           <a:prstGeom prst="rect">
             <a:avLst/>
@@ -3346,6 +3347,74 @@
           <a:lstStyle/>
           <a:p>
             <a:r>
+              <a:rPr kumimoji="1" lang="en-US" altLang="ja-JP" dirty="0" smtClean="0"/>
+              <a:t>This </a:t>
+            </a:r>
+            <a:r>
+              <a:rPr kumimoji="1" lang="en-US" altLang="ja-JP" dirty="0" err="1" smtClean="0"/>
+              <a:t>ppt</a:t>
+            </a:r>
+            <a:r>
+              <a:rPr kumimoji="1" lang="en-US" altLang="ja-JP" dirty="0" smtClean="0"/>
+              <a:t> is to summarize knowledge about math.</a:t>
+            </a:r>
+            <a:endParaRPr kumimoji="1" lang="ja-JP" altLang="en-US" dirty="0"/>
+          </a:p>
+        </p:txBody>
+      </p:sp>
+    </p:spTree>
+    <p:extLst>
+      <p:ext uri="{BB962C8B-B14F-4D97-AF65-F5344CB8AC3E}">
+        <p14:creationId xmlns:p14="http://schemas.microsoft.com/office/powerpoint/2010/main" val="2620539542"/>
+      </p:ext>
+    </p:extLst>
+  </p:cSld>
+  <p:clrMapOvr>
+    <a:masterClrMapping/>
+  </p:clrMapOvr>
+</p:sld>
+</file>
+
+<file path=ppt/slides/slide2.xml><?xml version="1.0" encoding="utf-8"?>
+<p:sld xmlns:a="http://schemas.openxmlformats.org/drawingml/2006/main" xmlns:r="http://schemas.openxmlformats.org/officeDocument/2006/relationships" xmlns:p="http://schemas.openxmlformats.org/presentationml/2006/main">
+  <p:cSld>
+    <p:spTree>
+      <p:nvGrpSpPr>
+        <p:cNvPr id="1" name=""/>
+        <p:cNvGrpSpPr/>
+        <p:nvPr/>
+      </p:nvGrpSpPr>
+      <p:grpSpPr>
+        <a:xfrm>
+          <a:off x="0" y="0"/>
+          <a:ext cx="0" cy="0"/>
+          <a:chOff x="0" y="0"/>
+          <a:chExt cx="0" cy="0"/>
+        </a:xfrm>
+      </p:grpSpPr>
+      <p:sp>
+        <p:nvSpPr>
+          <p:cNvPr id="2" name="テキスト ボックス 1"/>
+          <p:cNvSpPr txBox="1"/>
+          <p:nvPr/>
+        </p:nvSpPr>
+        <p:spPr>
+          <a:xfrm>
+            <a:off x="0" y="9348"/>
+            <a:ext cx="4793685" cy="5047536"/>
+          </a:xfrm>
+          <a:prstGeom prst="rect">
+            <a:avLst/>
+          </a:prstGeom>
+          <a:noFill/>
+        </p:spPr>
+        <p:txBody>
+          <a:bodyPr wrap="none" rtlCol="0">
+            <a:spAutoFit/>
+          </a:bodyPr>
+          <a:lstStyle/>
+          <a:p>
+            <a:r>
               <a:rPr kumimoji="1" lang="en-US" altLang="ja-JP" sz="1400" b="1" dirty="0" smtClean="0">
                 <a:solidFill>
                   <a:srgbClr val="FF0000"/>
@@ -3429,8 +3498,43 @@
             </a:pPr>
             <a:r>
               <a:rPr lang="en-US" altLang="ja-JP" sz="1400" dirty="0" smtClean="0"/>
-              <a:t>Meaning: the average of the squared difference from mean</a:t>
-            </a:r>
+              <a:t>Meaning: the average of the squared difference from </a:t>
+            </a:r>
+            <a:r>
+              <a:rPr lang="en-US" altLang="ja-JP" sz="1400" dirty="0" smtClean="0"/>
+              <a:t>mean</a:t>
+            </a:r>
+          </a:p>
+          <a:p>
+            <a:pPr marL="742950" lvl="1" indent="-285750">
+              <a:buFont typeface="Arial" panose="020B0604020202020204" pitchFamily="34" charset="0"/>
+              <a:buChar char="•"/>
+            </a:pPr>
+            <a:r>
+              <a:rPr lang="en-US" altLang="ja-JP" sz="1400" dirty="0" smtClean="0"/>
+              <a:t>If =0, </a:t>
+            </a:r>
+            <a:r>
+              <a:rPr lang="zh-CN" altLang="en-US" sz="1400" dirty="0" smtClean="0"/>
+              <a:t>就说明一个</a:t>
+            </a:r>
+            <a:r>
+              <a:rPr lang="en-US" altLang="zh-CN" sz="1400" dirty="0" smtClean="0"/>
+              <a:t>array</a:t>
+            </a:r>
+            <a:r>
+              <a:rPr lang="zh-CN" altLang="en-US" sz="1400" dirty="0" smtClean="0"/>
+              <a:t>中所有元素都是</a:t>
+            </a:r>
+            <a:r>
+              <a:rPr lang="en-US" altLang="zh-CN" sz="1400" dirty="0" smtClean="0"/>
+              <a:t>identical</a:t>
+            </a:r>
+            <a:r>
+              <a:rPr lang="zh-CN" altLang="en-US" sz="1400" dirty="0" smtClean="0"/>
+              <a:t>的</a:t>
+            </a:r>
+            <a:endParaRPr lang="en-US" altLang="ja-JP" sz="1400" dirty="0" smtClean="0"/>
           </a:p>
           <a:p>
             <a:pPr marL="285750" indent="-285750">
@@ -3457,8 +3561,77 @@
             </a:pPr>
             <a:r>
               <a:rPr lang="en-US" altLang="ja-JP" sz="1400" dirty="0" smtClean="0"/>
-              <a:t>Symbol: σ**2</a:t>
-            </a:r>
+              <a:t>Symbol: σ**</a:t>
+            </a:r>
+            <a:r>
+              <a:rPr lang="en-US" altLang="ja-JP" sz="1400" dirty="0" smtClean="0"/>
+              <a:t>2</a:t>
+            </a:r>
+          </a:p>
+          <a:p>
+            <a:r>
+              <a:rPr lang="en-US" altLang="zh-CN" sz="1400" b="1" dirty="0">
+                <a:solidFill>
+                  <a:srgbClr val="FF0000"/>
+                </a:solidFill>
+              </a:rPr>
+              <a:t>Covariance</a:t>
+            </a:r>
+            <a:r>
+              <a:rPr lang="en-US" altLang="zh-CN" sz="1400" dirty="0" smtClean="0"/>
+              <a:t>: (</a:t>
+            </a:r>
+            <a:r>
+              <a:rPr lang="zh-CN" altLang="en-US" sz="1400" dirty="0" smtClean="0"/>
+              <a:t>共分散</a:t>
+            </a:r>
+            <a:r>
+              <a:rPr lang="en-US" altLang="zh-CN" sz="1400" dirty="0" smtClean="0"/>
+              <a:t>)</a:t>
+            </a:r>
+            <a:endParaRPr lang="en-US" altLang="ja-JP" sz="1400" dirty="0"/>
+          </a:p>
+          <a:p>
+            <a:pPr marL="285750" indent="-285750">
+              <a:buFont typeface="Arial" panose="020B0604020202020204" pitchFamily="34" charset="0"/>
+              <a:buChar char="•"/>
+            </a:pPr>
+            <a:r>
+              <a:rPr lang="zh-CN" altLang="en-US" sz="1400" dirty="0" smtClean="0"/>
+              <a:t>用来比较两个</a:t>
+            </a:r>
+            <a:r>
+              <a:rPr lang="en-US" altLang="zh-CN" sz="1400" dirty="0" smtClean="0"/>
+              <a:t>array</a:t>
+            </a:r>
+            <a:r>
+              <a:rPr lang="zh-CN" altLang="en-US" sz="1400" dirty="0" smtClean="0"/>
+              <a:t>的离散程度</a:t>
+            </a:r>
+            <a:endParaRPr lang="en-US" altLang="zh-CN" sz="1400" dirty="0" smtClean="0"/>
+          </a:p>
+          <a:p>
+            <a:pPr marL="285750" indent="-285750">
+              <a:buFont typeface="Arial" panose="020B0604020202020204" pitchFamily="34" charset="0"/>
+              <a:buChar char="•"/>
+            </a:pPr>
+            <a:r>
+              <a:rPr lang="en-US" altLang="ja-JP" sz="1400" dirty="0" smtClean="0"/>
+              <a:t>Array1</a:t>
+            </a:r>
+            <a:r>
+              <a:rPr lang="zh-CN" altLang="en-US" sz="1400" dirty="0" smtClean="0"/>
+              <a:t>相对于</a:t>
+            </a:r>
+            <a:r>
+              <a:rPr lang="en-US" altLang="zh-CN" sz="1400" dirty="0" smtClean="0"/>
+              <a:t>array2</a:t>
+            </a:r>
+            <a:r>
+              <a:rPr lang="zh-CN" altLang="en-US" sz="1400" dirty="0" smtClean="0"/>
+              <a:t>元素的变化程度更大</a:t>
+            </a:r>
+            <a:endParaRPr lang="en-US" altLang="ja-JP" sz="1400" dirty="0" smtClean="0"/>
           </a:p>
           <a:p>
             <a:r>
@@ -3504,10 +3677,158 @@
               <a:t>Symbol: </a:t>
             </a:r>
             <a:r>
-              <a:rPr lang="el-GR" altLang="ja-JP" sz="1400" dirty="0"/>
+              <a:rPr lang="el-GR" altLang="ja-JP" sz="1400" dirty="0" smtClean="0"/>
               <a:t>μ</a:t>
             </a:r>
-            <a:endParaRPr kumimoji="1" lang="ja-JP" altLang="en-US" sz="1400" dirty="0"/>
+            <a:endParaRPr lang="en-US" altLang="ja-JP" sz="1400" dirty="0" smtClean="0"/>
+          </a:p>
+          <a:p>
+            <a:r>
+              <a:rPr kumimoji="1" lang="en-US" altLang="ja-JP" sz="1400" b="1" dirty="0" smtClean="0">
+                <a:solidFill>
+                  <a:srgbClr val="FF0000"/>
+                </a:solidFill>
+              </a:rPr>
+              <a:t>Differentiation</a:t>
+            </a:r>
+            <a:r>
+              <a:rPr kumimoji="1" lang="en-US" altLang="ja-JP" sz="1400" dirty="0" smtClean="0"/>
+              <a:t>: (calculus)</a:t>
+            </a:r>
+          </a:p>
+          <a:p>
+            <a:pPr marL="285750" indent="-285750">
+              <a:buFont typeface="Arial" panose="020B0604020202020204" pitchFamily="34" charset="0"/>
+              <a:buChar char="•"/>
+            </a:pPr>
+            <a:r>
+              <a:rPr kumimoji="1" lang="zh-CN" altLang="en-US" sz="1400" dirty="0" smtClean="0"/>
+              <a:t>微分，计算斜率</a:t>
+            </a:r>
+            <a:r>
+              <a:rPr kumimoji="1" lang="en-US" altLang="zh-CN" sz="1400" dirty="0" smtClean="0"/>
+              <a:t>(slope)</a:t>
+            </a:r>
+            <a:r>
+              <a:rPr kumimoji="1" lang="zh-CN" altLang="en-US" sz="1400" dirty="0" smtClean="0"/>
+              <a:t>的</a:t>
+            </a:r>
+            <a:endParaRPr kumimoji="1" lang="en-US" altLang="zh-CN" sz="1400" dirty="0" smtClean="0"/>
+          </a:p>
+          <a:p>
+            <a:pPr marL="285750" indent="-285750">
+              <a:buFont typeface="Arial" panose="020B0604020202020204" pitchFamily="34" charset="0"/>
+              <a:buChar char="•"/>
+            </a:pPr>
+            <a:r>
+              <a:rPr lang="en-US" altLang="ja-JP" sz="1400" b="1" dirty="0" smtClean="0">
+                <a:solidFill>
+                  <a:srgbClr val="FF0000"/>
+                </a:solidFill>
+              </a:rPr>
+              <a:t>Derivative</a:t>
+            </a:r>
+            <a:r>
+              <a:rPr lang="en-US" altLang="ja-JP" sz="1400" dirty="0" smtClean="0"/>
+              <a:t>, </a:t>
+            </a:r>
+            <a:r>
+              <a:rPr lang="zh-CN" altLang="en-US" sz="1400" dirty="0" smtClean="0"/>
+              <a:t>别名</a:t>
+            </a:r>
+            <a:endParaRPr lang="en-US" altLang="zh-CN" sz="1400" dirty="0" smtClean="0"/>
+          </a:p>
+          <a:p>
+            <a:r>
+              <a:rPr kumimoji="1" lang="en-US" altLang="ja-JP" sz="1400" dirty="0" smtClean="0"/>
+              <a:t>Partial derivative:</a:t>
+            </a:r>
+          </a:p>
+          <a:p>
+            <a:pPr marL="285750" indent="-285750">
+              <a:buFont typeface="Arial" panose="020B0604020202020204" pitchFamily="34" charset="0"/>
+              <a:buChar char="•"/>
+            </a:pPr>
+            <a:r>
+              <a:rPr lang="zh-CN" altLang="en-US" sz="1400" dirty="0"/>
+              <a:t>偏</a:t>
+            </a:r>
+            <a:r>
+              <a:rPr lang="zh-CN" altLang="en-US" sz="1400" dirty="0" smtClean="0"/>
+              <a:t>微分，比如一个</a:t>
+            </a:r>
+            <a:r>
+              <a:rPr lang="en-US" altLang="zh-CN" sz="1400" dirty="0" err="1" smtClean="0"/>
+              <a:t>x,y</a:t>
+            </a:r>
+            <a:r>
+              <a:rPr lang="zh-CN" altLang="en-US" sz="1400" dirty="0" smtClean="0"/>
+              <a:t>方程对</a:t>
+            </a:r>
+            <a:r>
+              <a:rPr lang="en-US" altLang="zh-CN" sz="1400" dirty="0" smtClean="0"/>
+              <a:t>x</a:t>
+            </a:r>
+            <a:r>
+              <a:rPr lang="zh-CN" altLang="en-US" sz="1400" dirty="0" smtClean="0"/>
+              <a:t>求微分</a:t>
+            </a:r>
+            <a:endParaRPr kumimoji="1" lang="en-US" altLang="ja-JP" sz="1400" dirty="0"/>
+          </a:p>
+          <a:p>
+            <a:r>
+              <a:rPr kumimoji="1" lang="en-US" altLang="ja-JP" sz="1400" b="1" dirty="0" smtClean="0">
+                <a:solidFill>
+                  <a:srgbClr val="FF0000"/>
+                </a:solidFill>
+              </a:rPr>
+              <a:t>Integration</a:t>
+            </a:r>
+            <a:r>
+              <a:rPr lang="en-US" altLang="ja-JP" sz="1400" dirty="0"/>
+              <a:t>: (calculus</a:t>
+            </a:r>
+            <a:r>
+              <a:rPr lang="en-US" altLang="ja-JP" sz="1400" dirty="0" smtClean="0"/>
+              <a:t>)</a:t>
+            </a:r>
+            <a:endParaRPr kumimoji="1" lang="en-US" altLang="ja-JP" sz="1400" dirty="0" smtClean="0"/>
+          </a:p>
+          <a:p>
+            <a:pPr marL="285750" indent="-285750">
+              <a:buFont typeface="Arial" panose="020B0604020202020204" pitchFamily="34" charset="0"/>
+              <a:buChar char="•"/>
+            </a:pPr>
+            <a:r>
+              <a:rPr lang="zh-CN" altLang="en-US" sz="1400" dirty="0" smtClean="0"/>
+              <a:t>积分</a:t>
+            </a:r>
+            <a:endParaRPr lang="en-US" altLang="zh-CN" sz="1400" dirty="0" smtClean="0"/>
+          </a:p>
+          <a:p>
+            <a:r>
+              <a:rPr kumimoji="1" lang="en-US" altLang="zh-CN" sz="1400" b="1" dirty="0" smtClean="0">
+                <a:solidFill>
+                  <a:srgbClr val="FF0000"/>
+                </a:solidFill>
+              </a:rPr>
+              <a:t>Diagonal</a:t>
+            </a:r>
+            <a:r>
+              <a:rPr kumimoji="1" lang="en-US" altLang="zh-CN" sz="1400" dirty="0" smtClean="0"/>
+              <a:t>:</a:t>
+            </a:r>
+          </a:p>
+          <a:p>
+            <a:pPr marL="285750" indent="-285750">
+              <a:buFont typeface="Arial" panose="020B0604020202020204" pitchFamily="34" charset="0"/>
+              <a:buChar char="•"/>
+            </a:pPr>
+            <a:r>
+              <a:rPr kumimoji="1" lang="zh-CN" altLang="en-US" sz="1400" dirty="0" smtClean="0"/>
+              <a:t>对角线</a:t>
+            </a:r>
+            <a:endParaRPr kumimoji="1" lang="en-US" altLang="zh-CN" sz="1400" dirty="0" smtClean="0"/>
           </a:p>
         </p:txBody>
       </p:sp>
@@ -3552,6 +3873,287 @@
           </a:extLst>
         </p:spPr>
       </p:pic>
+      <p:sp>
+        <p:nvSpPr>
+          <p:cNvPr id="3" name="AutoShape 2" descr="{\displaystyle S(x)={\frac {1}{1+e^{-x}}}={\frac {e^{x}}{e^{x}+1}}.}"/>
+          <p:cNvSpPr>
+            <a:spLocks noChangeAspect="1" noChangeArrowheads="1"/>
+          </p:cNvSpPr>
+          <p:nvPr/>
+        </p:nvSpPr>
+        <p:spPr bwMode="auto">
+          <a:xfrm>
+            <a:off x="155575" y="-144463"/>
+            <a:ext cx="304800" cy="304801"/>
+          </a:xfrm>
+          <a:prstGeom prst="rect">
+            <a:avLst/>
+          </a:prstGeom>
+          <a:noFill/>
+          <a:extLst>
+            <a:ext uri="{909E8E84-426E-40DD-AFC4-6F175D3DCCD1}">
+              <a14:hiddenFill xmlns:a14="http://schemas.microsoft.com/office/drawing/2010/main">
+                <a:solidFill>
+                  <a:srgbClr val="FFFFFF"/>
+                </a:solidFill>
+              </a14:hiddenFill>
+            </a:ext>
+          </a:extLst>
+        </p:spPr>
+        <p:txBody>
+          <a:bodyPr vert="horz" wrap="square" lIns="91440" tIns="45720" rIns="91440" bIns="45720" numCol="1" anchor="t" anchorCtr="0" compatLnSpc="1">
+            <a:prstTxWarp prst="textNoShape">
+              <a:avLst/>
+            </a:prstTxWarp>
+          </a:bodyPr>
+          <a:lstStyle/>
+          <a:p>
+            <a:endParaRPr lang="ja-JP" altLang="en-US"/>
+          </a:p>
+        </p:txBody>
+      </p:sp>
+      <p:sp>
+        <p:nvSpPr>
+          <p:cNvPr id="4" name="AutoShape 4" descr="{\displaystyle S(x)={\frac {1}{1+e^{-x}}}={\frac {e^{x}}{e^{x}+1}}.}"/>
+          <p:cNvSpPr>
+            <a:spLocks noChangeAspect="1" noChangeArrowheads="1"/>
+          </p:cNvSpPr>
+          <p:nvPr/>
+        </p:nvSpPr>
+        <p:spPr bwMode="auto">
+          <a:xfrm>
+            <a:off x="307975" y="7937"/>
+            <a:ext cx="304800" cy="304801"/>
+          </a:xfrm>
+          <a:prstGeom prst="rect">
+            <a:avLst/>
+          </a:prstGeom>
+          <a:noFill/>
+          <a:extLst>
+            <a:ext uri="{909E8E84-426E-40DD-AFC4-6F175D3DCCD1}">
+              <a14:hiddenFill xmlns:a14="http://schemas.microsoft.com/office/drawing/2010/main">
+                <a:solidFill>
+                  <a:srgbClr val="FFFFFF"/>
+                </a:solidFill>
+              </a14:hiddenFill>
+            </a:ext>
+          </a:extLst>
+        </p:spPr>
+        <p:txBody>
+          <a:bodyPr vert="horz" wrap="square" lIns="91440" tIns="45720" rIns="91440" bIns="45720" numCol="1" anchor="t" anchorCtr="0" compatLnSpc="1">
+            <a:prstTxWarp prst="textNoShape">
+              <a:avLst/>
+            </a:prstTxWarp>
+          </a:bodyPr>
+          <a:lstStyle/>
+          <a:p>
+            <a:endParaRPr lang="ja-JP" altLang="en-US"/>
+          </a:p>
+        </p:txBody>
+      </p:sp>
+      <p:sp>
+        <p:nvSpPr>
+          <p:cNvPr id="5" name="テキスト ボックス 4"/>
+          <p:cNvSpPr txBox="1"/>
+          <p:nvPr/>
+        </p:nvSpPr>
+        <p:spPr>
+          <a:xfrm>
+            <a:off x="0" y="5292080"/>
+            <a:ext cx="4639603" cy="1200329"/>
+          </a:xfrm>
+          <a:prstGeom prst="rect">
+            <a:avLst/>
+          </a:prstGeom>
+          <a:noFill/>
+        </p:spPr>
+        <p:txBody>
+          <a:bodyPr wrap="none" rtlCol="0">
+            <a:spAutoFit/>
+          </a:bodyPr>
+          <a:lstStyle/>
+          <a:p>
+            <a:r>
+              <a:rPr kumimoji="1" lang="en-US" altLang="zh-CN" b="1" dirty="0" smtClean="0">
+                <a:solidFill>
+                  <a:srgbClr val="FF0000"/>
+                </a:solidFill>
+              </a:rPr>
+              <a:t>Sigmoid</a:t>
+            </a:r>
+            <a:r>
+              <a:rPr kumimoji="1" lang="en-US" altLang="zh-CN" dirty="0" smtClean="0">
+                <a:solidFill>
+                  <a:srgbClr val="FF0000"/>
+                </a:solidFill>
+              </a:rPr>
+              <a:t> </a:t>
+            </a:r>
+            <a:r>
+              <a:rPr kumimoji="1" lang="en-US" altLang="zh-CN" dirty="0" smtClean="0"/>
+              <a:t>function: </a:t>
+            </a:r>
+          </a:p>
+          <a:p>
+            <a:pPr marL="285750" indent="-285750">
+              <a:buFont typeface="Arial" panose="020B0604020202020204" pitchFamily="34" charset="0"/>
+              <a:buChar char="•"/>
+            </a:pPr>
+            <a:r>
+              <a:rPr lang="zh-CN" altLang="en-US" dirty="0" smtClean="0"/>
+              <a:t>一类</a:t>
+            </a:r>
+            <a:r>
+              <a:rPr lang="en-US" altLang="zh-CN" dirty="0" smtClean="0"/>
+              <a:t>function</a:t>
+            </a:r>
+            <a:r>
+              <a:rPr lang="zh-CN" altLang="en-US" dirty="0" smtClean="0"/>
+              <a:t>的总称，</a:t>
+            </a:r>
+            <a:r>
+              <a:rPr lang="zh-CN" altLang="en-US" dirty="0"/>
+              <a:t>图见左</a:t>
+            </a:r>
+            <a:endParaRPr lang="ja-JP" altLang="en-US" dirty="0"/>
+          </a:p>
+          <a:p>
+            <a:pPr marL="285750" indent="-285750">
+              <a:buFont typeface="Arial" panose="020B0604020202020204" pitchFamily="34" charset="0"/>
+              <a:buChar char="•"/>
+            </a:pPr>
+            <a:r>
+              <a:rPr lang="zh-CN" altLang="en-US" dirty="0" smtClean="0"/>
+              <a:t>最常用的是 </a:t>
+            </a:r>
+            <a:r>
+              <a:rPr lang="en-US" altLang="zh-CN" dirty="0" smtClean="0"/>
+              <a:t>fun(x) = 1/(1+e**(-x))</a:t>
+            </a:r>
+          </a:p>
+          <a:p>
+            <a:pPr marL="285750" indent="-285750">
+              <a:buFont typeface="Arial" panose="020B0604020202020204" pitchFamily="34" charset="0"/>
+              <a:buChar char="•"/>
+            </a:pPr>
+            <a:r>
+              <a:rPr lang="zh-CN" altLang="en-US" dirty="0" smtClean="0"/>
+              <a:t>在</a:t>
+            </a:r>
+            <a:r>
+              <a:rPr lang="en-US" altLang="zh-CN" dirty="0" smtClean="0"/>
+              <a:t>machine learning/deep learning</a:t>
+            </a:r>
+            <a:r>
+              <a:rPr lang="zh-CN" altLang="en-US" dirty="0" smtClean="0"/>
+              <a:t>中经常用</a:t>
+            </a:r>
+            <a:endParaRPr lang="en-US" altLang="zh-CN" dirty="0" smtClean="0"/>
+          </a:p>
+        </p:txBody>
+      </p:sp>
+      <p:pic>
+        <p:nvPicPr>
+          <p:cNvPr id="1034" name="Picture 10" descr="https://upload.wikimedia.org/wikipedia/commons/thumb/6/6f/Gjl-t%28x%29.svg/700px-Gjl-t%28x%29.svg.png"/>
+          <p:cNvPicPr>
+            <a:picLocks noChangeAspect="1" noChangeArrowheads="1"/>
+          </p:cNvPicPr>
+          <p:nvPr/>
+        </p:nvPicPr>
+        <p:blipFill>
+          <a:blip r:embed="rId3">
+            <a:extLst>
+              <a:ext uri="{28A0092B-C50C-407E-A947-70E740481C1C}">
+                <a14:useLocalDpi xmlns:a14="http://schemas.microsoft.com/office/drawing/2010/main" val="0"/>
+              </a:ext>
+            </a:extLst>
+          </a:blip>
+          <a:srcRect/>
+          <a:stretch>
+            <a:fillRect/>
+          </a:stretch>
+        </p:blipFill>
+        <p:spPr bwMode="auto">
+          <a:xfrm>
+            <a:off x="-4219228" y="4932040"/>
+            <a:ext cx="4219228" cy="2109614"/>
+          </a:xfrm>
+          <a:prstGeom prst="rect">
+            <a:avLst/>
+          </a:prstGeom>
+          <a:noFill/>
+          <a:extLst>
+            <a:ext uri="{909E8E84-426E-40DD-AFC4-6F175D3DCCD1}">
+              <a14:hiddenFill xmlns:a14="http://schemas.microsoft.com/office/drawing/2010/main">
+                <a:solidFill>
+                  <a:srgbClr val="FFFFFF"/>
+                </a:solidFill>
+              </a14:hiddenFill>
+            </a:ext>
+          </a:extLst>
+        </p:spPr>
+      </p:pic>
+      <p:sp>
+        <p:nvSpPr>
+          <p:cNvPr id="7" name="テキスト ボックス 6"/>
+          <p:cNvSpPr txBox="1"/>
+          <p:nvPr/>
+        </p:nvSpPr>
+        <p:spPr>
+          <a:xfrm>
+            <a:off x="0" y="7452320"/>
+            <a:ext cx="3135795" cy="646331"/>
+          </a:xfrm>
+          <a:prstGeom prst="rect">
+            <a:avLst/>
+          </a:prstGeom>
+          <a:noFill/>
+        </p:spPr>
+        <p:txBody>
+          <a:bodyPr wrap="none" rtlCol="0">
+            <a:spAutoFit/>
+          </a:bodyPr>
+          <a:lstStyle/>
+          <a:p>
+            <a:r>
+              <a:rPr kumimoji="1" lang="en-US" altLang="zh-CN" b="1" dirty="0" err="1" smtClean="0">
+                <a:solidFill>
+                  <a:srgbClr val="FF0000"/>
+                </a:solidFill>
+              </a:rPr>
+              <a:t>Baye’s</a:t>
+            </a:r>
+            <a:r>
+              <a:rPr kumimoji="1" lang="en-US" altLang="zh-CN" b="1" dirty="0" smtClean="0">
+                <a:solidFill>
+                  <a:srgbClr val="FF0000"/>
+                </a:solidFill>
+              </a:rPr>
+              <a:t> theorem</a:t>
+            </a:r>
+            <a:r>
+              <a:rPr kumimoji="1" lang="en-US" altLang="zh-CN" dirty="0" smtClean="0"/>
+              <a:t>: </a:t>
+            </a:r>
+            <a:r>
+              <a:rPr kumimoji="1" lang="zh-CN" altLang="en-US" dirty="0" smtClean="0"/>
+              <a:t>条件概率</a:t>
+            </a:r>
+            <a:endParaRPr kumimoji="1" lang="en-US" altLang="zh-CN" dirty="0" smtClean="0"/>
+          </a:p>
+          <a:p>
+            <a:pPr marL="285750" indent="-285750">
+              <a:buFont typeface="Arial" panose="020B0604020202020204" pitchFamily="34" charset="0"/>
+              <a:buChar char="•"/>
+            </a:pPr>
+            <a:r>
+              <a:rPr lang="en-US" altLang="ja-JP" dirty="0" smtClean="0"/>
+              <a:t>P(A|B) = P(B|A) * P(A) / P(B)</a:t>
+            </a:r>
+            <a:endParaRPr kumimoji="1" lang="ja-JP" altLang="en-US" dirty="0"/>
+          </a:p>
+        </p:txBody>
+      </p:sp>
     </p:spTree>
     <p:extLst>
       <p:ext uri="{BB962C8B-B14F-4D97-AF65-F5344CB8AC3E}">

--- a/[BeAMathematician].pptx
+++ b/[BeAMathematician].pptx
@@ -7,6 +7,7 @@
   <p:sldIdLst>
     <p:sldId id="257" r:id="rId2"/>
     <p:sldId id="256" r:id="rId3"/>
+    <p:sldId id="258" r:id="rId4"/>
   </p:sldIdLst>
   <p:sldSz cx="6858000" cy="9144000" type="screen4x3"/>
   <p:notesSz cx="6858000" cy="9144000"/>
@@ -289,7 +290,7 @@
           <a:p>
             <a:fld id="{E90ED720-0104-4369-84BC-D37694168613}" type="datetimeFigureOut">
               <a:rPr kumimoji="1" lang="ja-JP" altLang="en-US" smtClean="0"/>
-              <a:t>2018/8/27</a:t>
+              <a:t>2018/8/31</a:t>
             </a:fld>
             <a:endParaRPr kumimoji="1" lang="ja-JP" altLang="en-US"/>
           </a:p>
@@ -486,7 +487,7 @@
           <a:p>
             <a:fld id="{E90ED720-0104-4369-84BC-D37694168613}" type="datetimeFigureOut">
               <a:rPr kumimoji="1" lang="ja-JP" altLang="en-US" smtClean="0"/>
-              <a:t>2018/8/27</a:t>
+              <a:t>2018/8/31</a:t>
             </a:fld>
             <a:endParaRPr kumimoji="1" lang="ja-JP" altLang="en-US"/>
           </a:p>
@@ -693,7 +694,7 @@
           <a:p>
             <a:fld id="{E90ED720-0104-4369-84BC-D37694168613}" type="datetimeFigureOut">
               <a:rPr kumimoji="1" lang="ja-JP" altLang="en-US" smtClean="0"/>
-              <a:t>2018/8/27</a:t>
+              <a:t>2018/8/31</a:t>
             </a:fld>
             <a:endParaRPr kumimoji="1" lang="ja-JP" altLang="en-US"/>
           </a:p>
@@ -890,7 +891,7 @@
           <a:p>
             <a:fld id="{E90ED720-0104-4369-84BC-D37694168613}" type="datetimeFigureOut">
               <a:rPr kumimoji="1" lang="ja-JP" altLang="en-US" smtClean="0"/>
-              <a:t>2018/8/27</a:t>
+              <a:t>2018/8/31</a:t>
             </a:fld>
             <a:endParaRPr kumimoji="1" lang="ja-JP" altLang="en-US"/>
           </a:p>
@@ -1131,7 +1132,7 @@
           <a:p>
             <a:fld id="{E90ED720-0104-4369-84BC-D37694168613}" type="datetimeFigureOut">
               <a:rPr kumimoji="1" lang="ja-JP" altLang="en-US" smtClean="0"/>
-              <a:t>2018/8/27</a:t>
+              <a:t>2018/8/31</a:t>
             </a:fld>
             <a:endParaRPr kumimoji="1" lang="ja-JP" altLang="en-US"/>
           </a:p>
@@ -1478,7 +1479,7 @@
           <a:p>
             <a:fld id="{E90ED720-0104-4369-84BC-D37694168613}" type="datetimeFigureOut">
               <a:rPr kumimoji="1" lang="ja-JP" altLang="en-US" smtClean="0"/>
-              <a:t>2018/8/27</a:t>
+              <a:t>2018/8/31</a:t>
             </a:fld>
             <a:endParaRPr kumimoji="1" lang="ja-JP" altLang="en-US"/>
           </a:p>
@@ -1959,7 +1960,7 @@
           <a:p>
             <a:fld id="{E90ED720-0104-4369-84BC-D37694168613}" type="datetimeFigureOut">
               <a:rPr kumimoji="1" lang="ja-JP" altLang="en-US" smtClean="0"/>
-              <a:t>2018/8/27</a:t>
+              <a:t>2018/8/31</a:t>
             </a:fld>
             <a:endParaRPr kumimoji="1" lang="ja-JP" altLang="en-US"/>
           </a:p>
@@ -2072,7 +2073,7 @@
           <a:p>
             <a:fld id="{E90ED720-0104-4369-84BC-D37694168613}" type="datetimeFigureOut">
               <a:rPr kumimoji="1" lang="ja-JP" altLang="en-US" smtClean="0"/>
-              <a:t>2018/8/27</a:t>
+              <a:t>2018/8/31</a:t>
             </a:fld>
             <a:endParaRPr kumimoji="1" lang="ja-JP" altLang="en-US"/>
           </a:p>
@@ -2162,7 +2163,7 @@
           <a:p>
             <a:fld id="{E90ED720-0104-4369-84BC-D37694168613}" type="datetimeFigureOut">
               <a:rPr kumimoji="1" lang="ja-JP" altLang="en-US" smtClean="0"/>
-              <a:t>2018/8/27</a:t>
+              <a:t>2018/8/31</a:t>
             </a:fld>
             <a:endParaRPr kumimoji="1" lang="ja-JP" altLang="en-US"/>
           </a:p>
@@ -2466,7 +2467,7 @@
           <a:p>
             <a:fld id="{E90ED720-0104-4369-84BC-D37694168613}" type="datetimeFigureOut">
               <a:rPr kumimoji="1" lang="ja-JP" altLang="en-US" smtClean="0"/>
-              <a:t>2018/8/27</a:t>
+              <a:t>2018/8/31</a:t>
             </a:fld>
             <a:endParaRPr kumimoji="1" lang="ja-JP" altLang="en-US"/>
           </a:p>
@@ -2714,7 +2715,7 @@
           <a:p>
             <a:fld id="{E90ED720-0104-4369-84BC-D37694168613}" type="datetimeFigureOut">
               <a:rPr kumimoji="1" lang="ja-JP" altLang="en-US" smtClean="0"/>
-              <a:t>2018/8/27</a:t>
+              <a:t>2018/8/31</a:t>
             </a:fld>
             <a:endParaRPr kumimoji="1" lang="ja-JP" altLang="en-US"/>
           </a:p>
@@ -2954,7 +2955,7 @@
           <a:p>
             <a:fld id="{E90ED720-0104-4369-84BC-D37694168613}" type="datetimeFigureOut">
               <a:rPr kumimoji="1" lang="ja-JP" altLang="en-US" smtClean="0"/>
-              <a:t>2018/8/27</a:t>
+              <a:t>2018/8/31</a:t>
             </a:fld>
             <a:endParaRPr kumimoji="1" lang="ja-JP" altLang="en-US"/>
           </a:p>
@@ -3498,11 +3499,7 @@
             </a:pPr>
             <a:r>
               <a:rPr lang="en-US" altLang="ja-JP" sz="1400" dirty="0" smtClean="0"/>
-              <a:t>Meaning: the average of the squared difference from </a:t>
-            </a:r>
-            <a:r>
-              <a:rPr lang="en-US" altLang="ja-JP" sz="1400" dirty="0" smtClean="0"/>
-              <a:t>mean</a:t>
+              <a:t>Meaning: the average of the squared difference from mean</a:t>
             </a:r>
           </a:p>
           <a:p>
@@ -3561,11 +3558,7 @@
             </a:pPr>
             <a:r>
               <a:rPr lang="en-US" altLang="ja-JP" sz="1400" dirty="0" smtClean="0"/>
-              <a:t>Symbol: σ**</a:t>
-            </a:r>
-            <a:r>
-              <a:rPr lang="en-US" altLang="ja-JP" sz="1400" dirty="0" smtClean="0"/>
-              <a:t>2</a:t>
+              <a:t>Symbol: σ**2</a:t>
             </a:r>
           </a:p>
           <a:p>
@@ -4158,6 +4151,385 @@
     <p:extLst>
       <p:ext uri="{BB962C8B-B14F-4D97-AF65-F5344CB8AC3E}">
         <p14:creationId xmlns:p14="http://schemas.microsoft.com/office/powerpoint/2010/main" val="3150315236"/>
+      </p:ext>
+    </p:extLst>
+  </p:cSld>
+  <p:clrMapOvr>
+    <a:masterClrMapping/>
+  </p:clrMapOvr>
+</p:sld>
+</file>
+
+<file path=ppt/slides/slide3.xml><?xml version="1.0" encoding="utf-8"?>
+<p:sld xmlns:a="http://schemas.openxmlformats.org/drawingml/2006/main" xmlns:r="http://schemas.openxmlformats.org/officeDocument/2006/relationships" xmlns:p="http://schemas.openxmlformats.org/presentationml/2006/main">
+  <p:cSld>
+    <p:spTree>
+      <p:nvGrpSpPr>
+        <p:cNvPr id="1" name=""/>
+        <p:cNvGrpSpPr/>
+        <p:nvPr/>
+      </p:nvGrpSpPr>
+      <p:grpSpPr>
+        <a:xfrm>
+          <a:off x="0" y="0"/>
+          <a:ext cx="0" cy="0"/>
+          <a:chOff x="0" y="0"/>
+          <a:chExt cx="0" cy="0"/>
+        </a:xfrm>
+      </p:grpSpPr>
+      <p:sp>
+        <p:nvSpPr>
+          <p:cNvPr id="2" name="テキスト ボックス 1"/>
+          <p:cNvSpPr txBox="1"/>
+          <p:nvPr/>
+        </p:nvSpPr>
+        <p:spPr>
+          <a:xfrm>
+            <a:off x="-1" y="-20376"/>
+            <a:ext cx="6858001" cy="3693319"/>
+          </a:xfrm>
+          <a:prstGeom prst="rect">
+            <a:avLst/>
+          </a:prstGeom>
+          <a:noFill/>
+        </p:spPr>
+        <p:txBody>
+          <a:bodyPr wrap="square" rtlCol="0">
+            <a:spAutoFit/>
+          </a:bodyPr>
+          <a:lstStyle/>
+          <a:p>
+            <a:r>
+              <a:rPr kumimoji="1" lang="en-US" altLang="ja-JP" dirty="0" smtClean="0"/>
+              <a:t>Kind of ironic, but TAX and income calculation is really one of the hardest math problem~</a:t>
+            </a:r>
+          </a:p>
+          <a:p>
+            <a:r>
+              <a:rPr lang="zh-CN" altLang="en-US" dirty="0" smtClean="0"/>
+              <a:t>需要搞懂一下日本的</a:t>
+            </a:r>
+            <a:r>
+              <a:rPr lang="en-US" altLang="zh-CN" dirty="0" smtClean="0"/>
+              <a:t>tax system</a:t>
+            </a:r>
+            <a:r>
+              <a:rPr lang="zh-CN" altLang="en-US" dirty="0" smtClean="0"/>
+              <a:t>，以及自己的钱到底都跑哪去了</a:t>
+            </a:r>
+            <a:endParaRPr lang="en-US" altLang="zh-CN" dirty="0" smtClean="0"/>
+          </a:p>
+          <a:p>
+            <a:pPr marL="285750" indent="-285750">
+              <a:buFont typeface="Arial" panose="020B0604020202020204" pitchFamily="34" charset="0"/>
+              <a:buChar char="•"/>
+            </a:pPr>
+            <a:r>
+              <a:rPr kumimoji="1" lang="zh-CN" altLang="en-US" dirty="0" smtClean="0"/>
+              <a:t>计算每个月的</a:t>
+            </a:r>
+            <a:r>
+              <a:rPr kumimoji="1" lang="ja-JP" altLang="en-US" dirty="0" smtClean="0"/>
+              <a:t>手取り</a:t>
+            </a:r>
+            <a:r>
+              <a:rPr kumimoji="1" lang="zh-CN" altLang="en-US" dirty="0" smtClean="0"/>
+              <a:t>有多少</a:t>
+            </a:r>
+            <a:endParaRPr kumimoji="1" lang="en-US" altLang="zh-CN" dirty="0" smtClean="0"/>
+          </a:p>
+          <a:p>
+            <a:pPr marL="800100" lvl="1" indent="-342900">
+              <a:buFont typeface="+mj-lt"/>
+              <a:buAutoNum type="arabicPeriod"/>
+            </a:pPr>
+            <a:r>
+              <a:rPr kumimoji="1" lang="zh-CN" altLang="en-US" dirty="0" smtClean="0"/>
+              <a:t>基本工资</a:t>
+            </a:r>
+            <a:r>
+              <a:rPr kumimoji="1" lang="en-US" altLang="zh-CN" dirty="0" smtClean="0"/>
+              <a:t>+</a:t>
+            </a:r>
+            <a:r>
+              <a:rPr kumimoji="1" lang="zh-CN" altLang="en-US" dirty="0" smtClean="0"/>
+              <a:t>加班费</a:t>
+            </a:r>
+            <a:r>
+              <a:rPr kumimoji="1" lang="en-US" altLang="zh-CN" dirty="0" smtClean="0"/>
+              <a:t>+</a:t>
+            </a:r>
+            <a:r>
+              <a:rPr kumimoji="1" lang="zh-CN" altLang="en-US" dirty="0" smtClean="0"/>
+              <a:t>跟中其他公司给的钱 </a:t>
+            </a:r>
+            <a:r>
+              <a:rPr kumimoji="1" lang="en-US" altLang="zh-CN" dirty="0" smtClean="0"/>
+              <a:t>= </a:t>
+            </a:r>
+            <a:r>
+              <a:rPr lang="zh-CN" altLang="en-US" u="sng" dirty="0" smtClean="0"/>
+              <a:t>税前收入</a:t>
+            </a:r>
+            <a:endParaRPr lang="en-US" altLang="zh-CN" u="sng" dirty="0" smtClean="0"/>
+          </a:p>
+          <a:p>
+            <a:pPr marL="800100" lvl="1" indent="-342900">
+              <a:buFont typeface="+mj-lt"/>
+              <a:buAutoNum type="arabicPeriod"/>
+            </a:pPr>
+            <a:r>
+              <a:rPr kumimoji="1" lang="en-US" altLang="zh-CN" dirty="0" smtClean="0"/>
+              <a:t>Tax</a:t>
+            </a:r>
+            <a:r>
+              <a:rPr kumimoji="1" lang="zh-CN" altLang="en-US" dirty="0" smtClean="0"/>
+              <a:t>中先计算</a:t>
+            </a:r>
+            <a:r>
+              <a:rPr kumimoji="1" lang="en-US" altLang="zh-CN" dirty="0" smtClean="0"/>
+              <a:t>【</a:t>
+            </a:r>
+            <a:r>
+              <a:rPr kumimoji="1" lang="ja-JP" altLang="en-US" dirty="0" smtClean="0">
+                <a:solidFill>
+                  <a:srgbClr val="FF0000"/>
+                </a:solidFill>
+              </a:rPr>
+              <a:t>健康保険</a:t>
+            </a:r>
+            <a:r>
+              <a:rPr kumimoji="1" lang="en-US" altLang="zh-CN" dirty="0" smtClean="0"/>
+              <a:t>】【</a:t>
+            </a:r>
+            <a:r>
+              <a:rPr kumimoji="1" lang="ja-JP" altLang="en-US" dirty="0" smtClean="0">
+                <a:solidFill>
+                  <a:srgbClr val="FF0000"/>
+                </a:solidFill>
+              </a:rPr>
+              <a:t>厚生年金保険</a:t>
+            </a:r>
+            <a:r>
+              <a:rPr kumimoji="1" lang="en-US" altLang="zh-CN" dirty="0" smtClean="0"/>
+              <a:t>】【</a:t>
+            </a:r>
+            <a:r>
+              <a:rPr kumimoji="1" lang="ja-JP" altLang="en-US" dirty="0" smtClean="0">
+                <a:solidFill>
+                  <a:srgbClr val="FF0000"/>
+                </a:solidFill>
+              </a:rPr>
+              <a:t>雇用保険</a:t>
+            </a:r>
+            <a:r>
+              <a:rPr kumimoji="1" lang="en-US" altLang="zh-CN" dirty="0" smtClean="0"/>
+              <a:t>】3</a:t>
+            </a:r>
+            <a:r>
+              <a:rPr kumimoji="1" lang="zh-CN" altLang="en-US" dirty="0" smtClean="0"/>
+              <a:t>个；</a:t>
+            </a:r>
+            <a:r>
+              <a:rPr kumimoji="1" lang="en-US" altLang="zh-CN" dirty="0" smtClean="0"/>
+              <a:t>(</a:t>
+            </a:r>
+            <a:r>
+              <a:rPr kumimoji="1" lang="zh-CN" altLang="en-US" dirty="0" smtClean="0"/>
+              <a:t>注意这些都是根据月收入</a:t>
+            </a:r>
+            <a:r>
+              <a:rPr lang="zh-CN" altLang="en-US" dirty="0" smtClean="0"/>
+              <a:t>的</a:t>
+            </a:r>
+            <a:r>
+              <a:rPr lang="en-US" altLang="zh-CN" dirty="0" smtClean="0"/>
+              <a:t>%</a:t>
+            </a:r>
+            <a:r>
+              <a:rPr lang="zh-CN" altLang="en-US" dirty="0" smtClean="0"/>
+              <a:t>来定的，有些公司也会</a:t>
+            </a:r>
+            <a:r>
+              <a:rPr lang="zh-CN" altLang="en-US" dirty="0"/>
+              <a:t>规定</a:t>
+            </a:r>
+            <a:r>
+              <a:rPr lang="en-US" altLang="zh-CN" dirty="0" smtClean="0"/>
+              <a:t>employee</a:t>
+            </a:r>
+            <a:r>
+              <a:rPr lang="zh-CN" altLang="en-US" dirty="0" smtClean="0"/>
+              <a:t>负担多少，公司补助多少等</a:t>
+            </a:r>
+            <a:r>
+              <a:rPr kumimoji="1" lang="en-US" altLang="zh-CN" dirty="0" smtClean="0"/>
+              <a:t>)</a:t>
+            </a:r>
+            <a:r>
+              <a:rPr kumimoji="1" lang="zh-CN" altLang="en-US" dirty="0" smtClean="0"/>
+              <a:t>，计算方法</a:t>
+            </a:r>
+            <a:endParaRPr kumimoji="1" lang="en-US" altLang="zh-CN" dirty="0" smtClean="0"/>
+          </a:p>
+          <a:p>
+            <a:pPr marL="1257300" lvl="2" indent="-342900">
+              <a:buFont typeface="Arial" panose="020B0604020202020204" pitchFamily="34" charset="0"/>
+              <a:buChar char="•"/>
+            </a:pPr>
+            <a:r>
+              <a:rPr lang="zh-CN" altLang="en-US" dirty="0" smtClean="0"/>
+              <a:t>税前收入 </a:t>
+            </a:r>
+            <a:r>
+              <a:rPr lang="en-US" altLang="zh-CN" dirty="0" smtClean="0"/>
+              <a:t>x (1-</a:t>
+            </a:r>
+            <a:r>
+              <a:rPr lang="ja-JP" altLang="en-US" dirty="0" smtClean="0"/>
+              <a:t>健</a:t>
+            </a:r>
+            <a:r>
+              <a:rPr lang="en-US" altLang="ja-JP" dirty="0" smtClean="0"/>
+              <a:t>%-</a:t>
+            </a:r>
+            <a:r>
+              <a:rPr lang="ja-JP" altLang="en-US" dirty="0" smtClean="0"/>
+              <a:t>厚</a:t>
+            </a:r>
+            <a:r>
+              <a:rPr lang="en-US" altLang="ja-JP" dirty="0" smtClean="0"/>
+              <a:t>%-</a:t>
+            </a:r>
+            <a:r>
+              <a:rPr lang="ja-JP" altLang="en-US" dirty="0" smtClean="0"/>
+              <a:t>雇</a:t>
+            </a:r>
+            <a:r>
+              <a:rPr lang="en-US" altLang="ja-JP" dirty="0" smtClean="0"/>
+              <a:t>%</a:t>
+            </a:r>
+            <a:r>
+              <a:rPr lang="en-US" altLang="zh-CN" dirty="0" smtClean="0"/>
+              <a:t>) = </a:t>
+            </a:r>
+            <a:r>
+              <a:rPr lang="zh-CN" altLang="en-US" u="sng" dirty="0" smtClean="0"/>
+              <a:t>税后收入</a:t>
+            </a:r>
+            <a:r>
+              <a:rPr lang="en-US" altLang="zh-CN" u="sng" dirty="0" smtClean="0"/>
+              <a:t>1</a:t>
+            </a:r>
+          </a:p>
+          <a:p>
+            <a:pPr marL="800100" lvl="1" indent="-342900">
+              <a:buFont typeface="+mj-lt"/>
+              <a:buAutoNum type="arabicPeriod"/>
+            </a:pPr>
+            <a:r>
+              <a:rPr lang="en-US" altLang="zh-CN" dirty="0" smtClean="0"/>
+              <a:t>Tax</a:t>
+            </a:r>
+            <a:r>
+              <a:rPr lang="zh-CN" altLang="en-US" dirty="0" smtClean="0"/>
+              <a:t>中还要再计算</a:t>
+            </a:r>
+            <a:r>
+              <a:rPr lang="en-US" altLang="zh-CN" dirty="0" smtClean="0"/>
+              <a:t>【</a:t>
+            </a:r>
+            <a:r>
+              <a:rPr lang="ja-JP" altLang="en-US" dirty="0" smtClean="0">
+                <a:solidFill>
+                  <a:srgbClr val="FF0000"/>
+                </a:solidFill>
+              </a:rPr>
+              <a:t>所得税</a:t>
+            </a:r>
+            <a:r>
+              <a:rPr lang="en-US" altLang="zh-CN" dirty="0" smtClean="0"/>
+              <a:t>】</a:t>
+            </a:r>
+            <a:r>
+              <a:rPr lang="zh-CN" altLang="en-US" dirty="0" smtClean="0"/>
+              <a:t>，根据收入不同而不同，</a:t>
+            </a:r>
+            <a:endParaRPr lang="en-US" altLang="zh-CN" dirty="0" smtClean="0"/>
+          </a:p>
+          <a:p>
+            <a:pPr marL="1257300" lvl="2" indent="-342900">
+              <a:buFont typeface="Arial" panose="020B0604020202020204" pitchFamily="34" charset="0"/>
+              <a:buChar char="•"/>
+            </a:pPr>
+            <a:r>
+              <a:rPr lang="zh-CN" altLang="en-US" dirty="0"/>
+              <a:t>税后收入</a:t>
+            </a:r>
+            <a:r>
+              <a:rPr lang="en-US" altLang="zh-CN" dirty="0" smtClean="0"/>
+              <a:t>1 -</a:t>
+            </a:r>
+            <a:r>
+              <a:rPr lang="ja-JP" altLang="en-US" dirty="0" smtClean="0"/>
+              <a:t>所得税 </a:t>
+            </a:r>
+            <a:r>
+              <a:rPr lang="en-US" altLang="ja-JP" dirty="0" smtClean="0"/>
+              <a:t>=</a:t>
+            </a:r>
+            <a:r>
+              <a:rPr lang="zh-CN" altLang="en-US" u="sng" dirty="0" smtClean="0"/>
+              <a:t>税后收入</a:t>
+            </a:r>
+            <a:r>
+              <a:rPr lang="en-US" altLang="zh-CN" u="sng" dirty="0" smtClean="0"/>
+              <a:t>2</a:t>
+            </a:r>
+          </a:p>
+          <a:p>
+            <a:pPr marL="800100" lvl="1" indent="-342900">
+              <a:buFont typeface="+mj-lt"/>
+              <a:buAutoNum type="arabicPeriod"/>
+            </a:pPr>
+            <a:r>
+              <a:rPr lang="en-US" altLang="zh-CN" dirty="0" smtClean="0"/>
+              <a:t>Tax</a:t>
+            </a:r>
+            <a:r>
+              <a:rPr lang="zh-CN" altLang="en-US" dirty="0" smtClean="0"/>
+              <a:t>中，从第二年开始要收</a:t>
+            </a:r>
+            <a:r>
+              <a:rPr lang="en-US" altLang="zh-CN" dirty="0" smtClean="0"/>
+              <a:t>【</a:t>
+            </a:r>
+            <a:r>
+              <a:rPr lang="ja-JP" altLang="en-US" dirty="0" smtClean="0">
+                <a:solidFill>
+                  <a:srgbClr val="FF0000"/>
+                </a:solidFill>
+              </a:rPr>
+              <a:t>住民税</a:t>
+            </a:r>
+            <a:r>
+              <a:rPr lang="en-US" altLang="zh-CN" dirty="0" smtClean="0"/>
+              <a:t>】</a:t>
+            </a:r>
+          </a:p>
+          <a:p>
+            <a:pPr marL="1257300" lvl="2" indent="-342900">
+              <a:buFont typeface="Arial" panose="020B0604020202020204" pitchFamily="34" charset="0"/>
+              <a:buChar char="•"/>
+            </a:pPr>
+            <a:endParaRPr kumimoji="1" lang="ja-JP" altLang="en-US" dirty="0"/>
+          </a:p>
+        </p:txBody>
+      </p:sp>
+    </p:spTree>
+    <p:extLst>
+      <p:ext uri="{BB962C8B-B14F-4D97-AF65-F5344CB8AC3E}">
+        <p14:creationId xmlns:p14="http://schemas.microsoft.com/office/powerpoint/2010/main" val="658817526"/>
       </p:ext>
     </p:extLst>
   </p:cSld>

--- a/[BeAMathematician].pptx
+++ b/[BeAMathematician].pptx
@@ -290,7 +290,7 @@
           <a:p>
             <a:fld id="{E90ED720-0104-4369-84BC-D37694168613}" type="datetimeFigureOut">
               <a:rPr kumimoji="1" lang="ja-JP" altLang="en-US" smtClean="0"/>
-              <a:t>2018/8/31</a:t>
+              <a:t>2018/9/3</a:t>
             </a:fld>
             <a:endParaRPr kumimoji="1" lang="ja-JP" altLang="en-US"/>
           </a:p>
@@ -487,7 +487,7 @@
           <a:p>
             <a:fld id="{E90ED720-0104-4369-84BC-D37694168613}" type="datetimeFigureOut">
               <a:rPr kumimoji="1" lang="ja-JP" altLang="en-US" smtClean="0"/>
-              <a:t>2018/8/31</a:t>
+              <a:t>2018/9/3</a:t>
             </a:fld>
             <a:endParaRPr kumimoji="1" lang="ja-JP" altLang="en-US"/>
           </a:p>
@@ -694,7 +694,7 @@
           <a:p>
             <a:fld id="{E90ED720-0104-4369-84BC-D37694168613}" type="datetimeFigureOut">
               <a:rPr kumimoji="1" lang="ja-JP" altLang="en-US" smtClean="0"/>
-              <a:t>2018/8/31</a:t>
+              <a:t>2018/9/3</a:t>
             </a:fld>
             <a:endParaRPr kumimoji="1" lang="ja-JP" altLang="en-US"/>
           </a:p>
@@ -891,7 +891,7 @@
           <a:p>
             <a:fld id="{E90ED720-0104-4369-84BC-D37694168613}" type="datetimeFigureOut">
               <a:rPr kumimoji="1" lang="ja-JP" altLang="en-US" smtClean="0"/>
-              <a:t>2018/8/31</a:t>
+              <a:t>2018/9/3</a:t>
             </a:fld>
             <a:endParaRPr kumimoji="1" lang="ja-JP" altLang="en-US"/>
           </a:p>
@@ -1132,7 +1132,7 @@
           <a:p>
             <a:fld id="{E90ED720-0104-4369-84BC-D37694168613}" type="datetimeFigureOut">
               <a:rPr kumimoji="1" lang="ja-JP" altLang="en-US" smtClean="0"/>
-              <a:t>2018/8/31</a:t>
+              <a:t>2018/9/3</a:t>
             </a:fld>
             <a:endParaRPr kumimoji="1" lang="ja-JP" altLang="en-US"/>
           </a:p>
@@ -1479,7 +1479,7 @@
           <a:p>
             <a:fld id="{E90ED720-0104-4369-84BC-D37694168613}" type="datetimeFigureOut">
               <a:rPr kumimoji="1" lang="ja-JP" altLang="en-US" smtClean="0"/>
-              <a:t>2018/8/31</a:t>
+              <a:t>2018/9/3</a:t>
             </a:fld>
             <a:endParaRPr kumimoji="1" lang="ja-JP" altLang="en-US"/>
           </a:p>
@@ -1960,7 +1960,7 @@
           <a:p>
             <a:fld id="{E90ED720-0104-4369-84BC-D37694168613}" type="datetimeFigureOut">
               <a:rPr kumimoji="1" lang="ja-JP" altLang="en-US" smtClean="0"/>
-              <a:t>2018/8/31</a:t>
+              <a:t>2018/9/3</a:t>
             </a:fld>
             <a:endParaRPr kumimoji="1" lang="ja-JP" altLang="en-US"/>
           </a:p>
@@ -2073,7 +2073,7 @@
           <a:p>
             <a:fld id="{E90ED720-0104-4369-84BC-D37694168613}" type="datetimeFigureOut">
               <a:rPr kumimoji="1" lang="ja-JP" altLang="en-US" smtClean="0"/>
-              <a:t>2018/8/31</a:t>
+              <a:t>2018/9/3</a:t>
             </a:fld>
             <a:endParaRPr kumimoji="1" lang="ja-JP" altLang="en-US"/>
           </a:p>
@@ -2163,7 +2163,7 @@
           <a:p>
             <a:fld id="{E90ED720-0104-4369-84BC-D37694168613}" type="datetimeFigureOut">
               <a:rPr kumimoji="1" lang="ja-JP" altLang="en-US" smtClean="0"/>
-              <a:t>2018/8/31</a:t>
+              <a:t>2018/9/3</a:t>
             </a:fld>
             <a:endParaRPr kumimoji="1" lang="ja-JP" altLang="en-US"/>
           </a:p>
@@ -2467,7 +2467,7 @@
           <a:p>
             <a:fld id="{E90ED720-0104-4369-84BC-D37694168613}" type="datetimeFigureOut">
               <a:rPr kumimoji="1" lang="ja-JP" altLang="en-US" smtClean="0"/>
-              <a:t>2018/8/31</a:t>
+              <a:t>2018/9/3</a:t>
             </a:fld>
             <a:endParaRPr kumimoji="1" lang="ja-JP" altLang="en-US"/>
           </a:p>
@@ -2715,7 +2715,7 @@
           <a:p>
             <a:fld id="{E90ED720-0104-4369-84BC-D37694168613}" type="datetimeFigureOut">
               <a:rPr kumimoji="1" lang="ja-JP" altLang="en-US" smtClean="0"/>
-              <a:t>2018/8/31</a:t>
+              <a:t>2018/9/3</a:t>
             </a:fld>
             <a:endParaRPr kumimoji="1" lang="ja-JP" altLang="en-US"/>
           </a:p>
@@ -2955,7 +2955,7 @@
           <a:p>
             <a:fld id="{E90ED720-0104-4369-84BC-D37694168613}" type="datetimeFigureOut">
               <a:rPr kumimoji="1" lang="ja-JP" altLang="en-US" smtClean="0"/>
-              <a:t>2018/8/31</a:t>
+              <a:t>2018/9/3</a:t>
             </a:fld>
             <a:endParaRPr kumimoji="1" lang="ja-JP" altLang="en-US"/>
           </a:p>
@@ -3848,7 +3848,7 @@
         </p:blipFill>
         <p:spPr bwMode="auto">
           <a:xfrm>
-            <a:off x="2544946" y="-3229152"/>
+            <a:off x="4293096" y="2029272"/>
             <a:ext cx="2171700" cy="3238500"/>
           </a:xfrm>
           <a:prstGeom prst="rect">
@@ -4185,8 +4185,8 @@
         </p:nvSpPr>
         <p:spPr>
           <a:xfrm>
-            <a:off x="-1" y="-20376"/>
-            <a:ext cx="6858001" cy="3693319"/>
+            <a:off x="-25402" y="-20376"/>
+            <a:ext cx="6858001" cy="10064294"/>
           </a:xfrm>
           <a:prstGeom prst="rect">
             <a:avLst/>
@@ -4234,7 +4234,19 @@
             </a:r>
             <a:r>
               <a:rPr kumimoji="1" lang="zh-CN" altLang="en-US" dirty="0" smtClean="0"/>
-              <a:t>有多少</a:t>
+              <a:t>有</a:t>
+            </a:r>
+            <a:r>
+              <a:rPr kumimoji="1" lang="zh-CN" altLang="en-US" dirty="0" smtClean="0"/>
+              <a:t>多少</a:t>
+            </a:r>
+            <a:r>
+              <a:rPr kumimoji="1" lang="en-US" altLang="zh-CN" dirty="0" smtClean="0"/>
+              <a:t>/Bonus</a:t>
+            </a:r>
+            <a:r>
+              <a:rPr kumimoji="1" lang="zh-CN" altLang="en-US" dirty="0" smtClean="0"/>
+              <a:t>也可以和每月工资一样算</a:t>
             </a:r>
             <a:endParaRPr kumimoji="1" lang="en-US" altLang="zh-CN" dirty="0" smtClean="0"/>
           </a:p>
@@ -4265,13 +4277,37 @@
             </a:r>
             <a:r>
               <a:rPr kumimoji="1" lang="en-US" altLang="zh-CN" dirty="0" smtClean="0"/>
-              <a:t>= </a:t>
-            </a:r>
-            <a:r>
-              <a:rPr lang="zh-CN" altLang="en-US" u="sng" dirty="0" smtClean="0"/>
-              <a:t>税前收入</a:t>
-            </a:r>
-            <a:endParaRPr lang="en-US" altLang="zh-CN" u="sng" dirty="0" smtClean="0"/>
+              <a:t>=</a:t>
+            </a:r>
+            <a:r>
+              <a:rPr lang="zh-TW" altLang="en-US" dirty="0">
+                <a:solidFill>
+                  <a:srgbClr val="FF0000"/>
+                </a:solidFill>
+              </a:rPr>
+              <a:t>所得金額（</a:t>
+            </a:r>
+            <a:r>
+              <a:rPr lang="en-US" altLang="zh-TW" dirty="0">
+                <a:solidFill>
+                  <a:srgbClr val="FF0000"/>
+                </a:solidFill>
+              </a:rPr>
+              <a:t>A</a:t>
+            </a:r>
+            <a:r>
+              <a:rPr lang="zh-TW" altLang="en-US" dirty="0">
+                <a:solidFill>
+                  <a:srgbClr val="FF0000"/>
+                </a:solidFill>
+              </a:rPr>
+              <a:t>） </a:t>
+            </a:r>
+            <a:endParaRPr lang="en-US" altLang="zh-TW" dirty="0" smtClean="0">
+              <a:solidFill>
+                <a:srgbClr val="FF0000"/>
+              </a:solidFill>
+            </a:endParaRPr>
           </a:p>
           <a:p>
             <a:pPr marL="800100" lvl="1" indent="-342900">
@@ -4279,12 +4315,32 @@
               <a:buAutoNum type="arabicPeriod"/>
             </a:pPr>
             <a:r>
-              <a:rPr kumimoji="1" lang="en-US" altLang="zh-CN" dirty="0" smtClean="0"/>
-              <a:t>Tax</a:t>
-            </a:r>
-            <a:r>
-              <a:rPr kumimoji="1" lang="zh-CN" altLang="en-US" dirty="0" smtClean="0"/>
-              <a:t>中先计算</a:t>
+              <a:rPr lang="zh-TW" altLang="en-US" dirty="0">
+                <a:solidFill>
+                  <a:srgbClr val="FF0000"/>
+                </a:solidFill>
+              </a:rPr>
+              <a:t>所得金額（</a:t>
+            </a:r>
+            <a:r>
+              <a:rPr lang="en-US" altLang="zh-TW" dirty="0">
+                <a:solidFill>
+                  <a:srgbClr val="FF0000"/>
+                </a:solidFill>
+              </a:rPr>
+              <a:t>A</a:t>
+            </a:r>
+            <a:r>
+              <a:rPr lang="zh-TW" altLang="en-US" dirty="0">
+                <a:solidFill>
+                  <a:srgbClr val="FF0000"/>
+                </a:solidFill>
+              </a:rPr>
+              <a:t>） </a:t>
+            </a:r>
+            <a:r>
+              <a:rPr lang="zh-CN" altLang="en-US" dirty="0" smtClean="0"/>
+              <a:t>中先扣掉</a:t>
             </a:r>
             <a:r>
               <a:rPr kumimoji="1" lang="en-US" altLang="zh-CN" dirty="0" smtClean="0"/>
@@ -4324,7 +4380,56 @@
             </a:r>
             <a:r>
               <a:rPr kumimoji="1" lang="en-US" altLang="zh-CN" dirty="0" smtClean="0"/>
-              <a:t>】3</a:t>
+              <a:t>】</a:t>
+            </a:r>
+            <a:r>
+              <a:rPr lang="en-US" altLang="zh-CN" dirty="0" smtClean="0"/>
+              <a:t>(</a:t>
+            </a:r>
+            <a:r>
+              <a:rPr lang="zh-CN" altLang="en-US" dirty="0" smtClean="0"/>
+              <a:t>就是</a:t>
+            </a:r>
+            <a:r>
+              <a:rPr lang="zh-TW" altLang="en-US" dirty="0">
+                <a:solidFill>
+                  <a:schemeClr val="tx2">
+                    <a:lumMod val="60000"/>
+                    <a:lumOff val="40000"/>
+                  </a:schemeClr>
+                </a:solidFill>
+              </a:rPr>
+              <a:t>所得控除額（</a:t>
+            </a:r>
+            <a:r>
+              <a:rPr lang="en-US" altLang="zh-TW" dirty="0">
+                <a:solidFill>
+                  <a:schemeClr val="tx2">
+                    <a:lumMod val="60000"/>
+                    <a:lumOff val="40000"/>
+                  </a:schemeClr>
+                </a:solidFill>
+              </a:rPr>
+              <a:t>B</a:t>
+            </a:r>
+            <a:r>
+              <a:rPr lang="zh-TW" altLang="en-US" dirty="0" smtClean="0">
+                <a:solidFill>
+                  <a:schemeClr val="tx2">
+                    <a:lumMod val="60000"/>
+                    <a:lumOff val="40000"/>
+                  </a:schemeClr>
+                </a:solidFill>
+              </a:rPr>
+              <a:t>）</a:t>
+            </a:r>
+            <a:r>
+              <a:rPr lang="en-US" altLang="zh-CN" dirty="0" smtClean="0"/>
+              <a:t>)</a:t>
+            </a:r>
+            <a:r>
+              <a:rPr kumimoji="1" lang="en-US" altLang="zh-CN" dirty="0" smtClean="0"/>
+              <a:t>3</a:t>
             </a:r>
             <a:r>
               <a:rPr kumimoji="1" lang="zh-CN" altLang="en-US" dirty="0" smtClean="0"/>
@@ -4336,7 +4441,7 @@
             </a:r>
             <a:r>
               <a:rPr kumimoji="1" lang="zh-CN" altLang="en-US" dirty="0" smtClean="0"/>
-              <a:t>注意这些都是根据月收入</a:t>
+              <a:t>注意有些根据月收入</a:t>
             </a:r>
             <a:r>
               <a:rPr lang="zh-CN" altLang="en-US" dirty="0" smtClean="0"/>
@@ -4348,11 +4453,11 @@
             </a:r>
             <a:r>
               <a:rPr lang="zh-CN" altLang="en-US" dirty="0" smtClean="0"/>
-              <a:t>来定的，有些公司也会</a:t>
+              <a:t>来定也有些固定，还有公司也可能会规</a:t>
             </a:r>
             <a:r>
               <a:rPr lang="zh-CN" altLang="en-US" dirty="0"/>
-              <a:t>规定</a:t>
+              <a:t>定</a:t>
             </a:r>
             <a:r>
               <a:rPr lang="en-US" altLang="zh-CN" dirty="0" smtClean="0"/>
@@ -4378,49 +4483,67 @@
               <a:buChar char="•"/>
             </a:pPr>
             <a:r>
-              <a:rPr lang="zh-CN" altLang="en-US" dirty="0" smtClean="0"/>
-              <a:t>税前收入 </a:t>
-            </a:r>
-            <a:r>
-              <a:rPr lang="en-US" altLang="zh-CN" dirty="0" smtClean="0"/>
-              <a:t>x (1-</a:t>
-            </a:r>
-            <a:r>
-              <a:rPr lang="ja-JP" altLang="en-US" dirty="0" smtClean="0"/>
-              <a:t>健</a:t>
-            </a:r>
-            <a:r>
-              <a:rPr lang="en-US" altLang="ja-JP" dirty="0" smtClean="0"/>
-              <a:t>%-</a:t>
-            </a:r>
-            <a:r>
-              <a:rPr lang="ja-JP" altLang="en-US" dirty="0" smtClean="0"/>
-              <a:t>厚</a:t>
-            </a:r>
-            <a:r>
-              <a:rPr lang="en-US" altLang="ja-JP" dirty="0" smtClean="0"/>
-              <a:t>%-</a:t>
-            </a:r>
-            <a:r>
-              <a:rPr lang="ja-JP" altLang="en-US" dirty="0" smtClean="0"/>
-              <a:t>雇</a:t>
-            </a:r>
-            <a:r>
-              <a:rPr lang="en-US" altLang="ja-JP" dirty="0" smtClean="0"/>
-              <a:t>%</a:t>
-            </a:r>
-            <a:r>
-              <a:rPr lang="en-US" altLang="zh-CN" dirty="0" smtClean="0"/>
-              <a:t>) = </a:t>
-            </a:r>
-            <a:r>
-              <a:rPr lang="zh-CN" altLang="en-US" u="sng" dirty="0" smtClean="0"/>
-              <a:t>税后收入</a:t>
-            </a:r>
-            <a:r>
-              <a:rPr lang="en-US" altLang="zh-CN" u="sng" dirty="0" smtClean="0"/>
-              <a:t>1</a:t>
-            </a:r>
+              <a:rPr lang="zh-TW" altLang="en-US" dirty="0">
+                <a:solidFill>
+                  <a:srgbClr val="FF0000"/>
+                </a:solidFill>
+              </a:rPr>
+              <a:t>所得金額（</a:t>
+            </a:r>
+            <a:r>
+              <a:rPr lang="en-US" altLang="zh-TW" dirty="0">
+                <a:solidFill>
+                  <a:srgbClr val="FF0000"/>
+                </a:solidFill>
+              </a:rPr>
+              <a:t>A</a:t>
+            </a:r>
+            <a:r>
+              <a:rPr lang="zh-TW" altLang="en-US" dirty="0">
+                <a:solidFill>
+                  <a:srgbClr val="FF0000"/>
+                </a:solidFill>
+              </a:rPr>
+              <a:t>） </a:t>
+            </a:r>
+            <a:r>
+              <a:rPr lang="zh-TW" altLang="en-US" dirty="0"/>
+              <a:t>－ </a:t>
+            </a:r>
+            <a:r>
+              <a:rPr lang="zh-TW" altLang="en-US" dirty="0">
+                <a:solidFill>
+                  <a:schemeClr val="tx2">
+                    <a:lumMod val="60000"/>
+                    <a:lumOff val="40000"/>
+                  </a:schemeClr>
+                </a:solidFill>
+              </a:rPr>
+              <a:t>所得控除額（</a:t>
+            </a:r>
+            <a:r>
+              <a:rPr lang="en-US" altLang="zh-TW" dirty="0">
+                <a:solidFill>
+                  <a:schemeClr val="tx2">
+                    <a:lumMod val="60000"/>
+                    <a:lumOff val="40000"/>
+                  </a:schemeClr>
+                </a:solidFill>
+              </a:rPr>
+              <a:t>B</a:t>
+            </a:r>
+            <a:r>
+              <a:rPr lang="zh-TW" altLang="en-US" dirty="0">
+                <a:solidFill>
+                  <a:schemeClr val="tx2">
+                    <a:lumMod val="60000"/>
+                    <a:lumOff val="40000"/>
+                  </a:schemeClr>
+                </a:solidFill>
+              </a:rPr>
+              <a:t>）</a:t>
+            </a:r>
+            <a:endParaRPr lang="en-US" altLang="zh-CN" u="sng" dirty="0" smtClean="0"/>
           </a:p>
           <a:p>
             <a:pPr marL="800100" lvl="1" indent="-342900">
@@ -4433,7 +4556,7 @@
             </a:r>
             <a:r>
               <a:rPr lang="zh-CN" altLang="en-US" dirty="0" smtClean="0"/>
-              <a:t>中还要再计算</a:t>
+              <a:t>中计算</a:t>
             </a:r>
             <a:r>
               <a:rPr lang="en-US" altLang="zh-CN" dirty="0" smtClean="0"/>
@@ -4453,7 +4576,15 @@
             </a:r>
             <a:r>
               <a:rPr lang="zh-CN" altLang="en-US" dirty="0" smtClean="0"/>
-              <a:t>，根据收入不同而不同，</a:t>
+              <a:t>，根据收入不同而不同</a:t>
+            </a:r>
+            <a:r>
+              <a:rPr lang="zh-CN" altLang="en-US" dirty="0" smtClean="0"/>
+              <a:t>，计算</a:t>
+            </a:r>
+            <a:r>
+              <a:rPr lang="zh-CN" altLang="en-US" dirty="0" smtClean="0"/>
+              <a:t>方法，税率见上表</a:t>
             </a:r>
             <a:endParaRPr lang="en-US" altLang="zh-CN" dirty="0" smtClean="0"/>
           </a:p>
@@ -4463,29 +4594,125 @@
               <a:buChar char="•"/>
             </a:pPr>
             <a:r>
-              <a:rPr lang="zh-CN" altLang="en-US" dirty="0"/>
-              <a:t>税后收入</a:t>
-            </a:r>
-            <a:r>
-              <a:rPr lang="en-US" altLang="zh-CN" dirty="0" smtClean="0"/>
-              <a:t>1 -</a:t>
-            </a:r>
-            <a:r>
-              <a:rPr lang="ja-JP" altLang="en-US" dirty="0" smtClean="0"/>
-              <a:t>所得税 </a:t>
-            </a:r>
-            <a:r>
-              <a:rPr lang="en-US" altLang="ja-JP" dirty="0" smtClean="0"/>
-              <a:t>=</a:t>
-            </a:r>
-            <a:r>
-              <a:rPr lang="zh-CN" altLang="en-US" u="sng" dirty="0" smtClean="0"/>
-              <a:t>税后收入</a:t>
-            </a:r>
-            <a:r>
-              <a:rPr lang="en-US" altLang="zh-CN" u="sng" dirty="0" smtClean="0"/>
-              <a:t>2</a:t>
-            </a:r>
+              <a:rPr lang="zh-TW" altLang="en-US" dirty="0"/>
+              <a:t>所得税額 </a:t>
+            </a:r>
+            <a:r>
+              <a:rPr lang="en-US" altLang="zh-TW" dirty="0"/>
+              <a:t>= </a:t>
+            </a:r>
+            <a:r>
+              <a:rPr lang="zh-TW" altLang="en-US" dirty="0"/>
+              <a:t>（</a:t>
+            </a:r>
+            <a:r>
+              <a:rPr lang="zh-TW" altLang="en-US" dirty="0">
+                <a:solidFill>
+                  <a:srgbClr val="FF0000"/>
+                </a:solidFill>
+              </a:rPr>
+              <a:t>所得金額（</a:t>
+            </a:r>
+            <a:r>
+              <a:rPr lang="en-US" altLang="zh-TW" dirty="0">
+                <a:solidFill>
+                  <a:srgbClr val="FF0000"/>
+                </a:solidFill>
+              </a:rPr>
+              <a:t>A</a:t>
+            </a:r>
+            <a:r>
+              <a:rPr lang="zh-TW" altLang="en-US" dirty="0">
+                <a:solidFill>
+                  <a:srgbClr val="FF0000"/>
+                </a:solidFill>
+              </a:rPr>
+              <a:t>） </a:t>
+            </a:r>
+            <a:r>
+              <a:rPr lang="zh-TW" altLang="en-US" dirty="0"/>
+              <a:t>－ </a:t>
+            </a:r>
+            <a:r>
+              <a:rPr lang="zh-TW" altLang="en-US" dirty="0">
+                <a:solidFill>
+                  <a:schemeClr val="tx2">
+                    <a:lumMod val="60000"/>
+                    <a:lumOff val="40000"/>
+                  </a:schemeClr>
+                </a:solidFill>
+              </a:rPr>
+              <a:t>所得控除額（</a:t>
+            </a:r>
+            <a:r>
+              <a:rPr lang="en-US" altLang="zh-TW" dirty="0">
+                <a:solidFill>
+                  <a:schemeClr val="tx2">
+                    <a:lumMod val="60000"/>
+                    <a:lumOff val="40000"/>
+                  </a:schemeClr>
+                </a:solidFill>
+              </a:rPr>
+              <a:t>B</a:t>
+            </a:r>
+            <a:r>
+              <a:rPr lang="zh-TW" altLang="en-US" dirty="0">
+                <a:solidFill>
+                  <a:schemeClr val="tx2">
+                    <a:lumMod val="60000"/>
+                    <a:lumOff val="40000"/>
+                  </a:schemeClr>
+                </a:solidFill>
+              </a:rPr>
+              <a:t>）</a:t>
+            </a:r>
+            <a:r>
+              <a:rPr lang="zh-TW" altLang="en-US" dirty="0"/>
+              <a:t>） </a:t>
+            </a:r>
+            <a:r>
+              <a:rPr lang="en-US" altLang="zh-TW" dirty="0"/>
+              <a:t>× </a:t>
+            </a:r>
+            <a:r>
+              <a:rPr lang="zh-TW" altLang="en-US" dirty="0"/>
+              <a:t>税率 </a:t>
+            </a:r>
+            <a:r>
+              <a:rPr lang="en-US" altLang="zh-TW" dirty="0"/>
+              <a:t>- </a:t>
+            </a:r>
+            <a:r>
+              <a:rPr lang="zh-TW" altLang="en-US" dirty="0">
+                <a:solidFill>
+                  <a:schemeClr val="accent6">
+                    <a:lumMod val="75000"/>
+                  </a:schemeClr>
+                </a:solidFill>
+              </a:rPr>
+              <a:t>税額控除額（</a:t>
+            </a:r>
+            <a:r>
+              <a:rPr lang="en-US" altLang="zh-TW" dirty="0">
+                <a:solidFill>
+                  <a:schemeClr val="accent6">
+                    <a:lumMod val="75000"/>
+                  </a:schemeClr>
+                </a:solidFill>
+              </a:rPr>
+              <a:t>C</a:t>
+            </a:r>
+            <a:r>
+              <a:rPr lang="zh-TW" altLang="en-US" dirty="0" smtClean="0">
+                <a:solidFill>
+                  <a:schemeClr val="accent6">
+                    <a:lumMod val="75000"/>
+                  </a:schemeClr>
+                </a:solidFill>
+              </a:rPr>
+              <a:t>）</a:t>
+            </a:r>
+            <a:endParaRPr lang="en-US" altLang="zh-CN" dirty="0" smtClean="0"/>
           </a:p>
           <a:p>
             <a:pPr marL="800100" lvl="1" indent="-342900">
@@ -4516,13 +4743,4272 @@
               <a:rPr lang="en-US" altLang="zh-CN" dirty="0" smtClean="0"/>
               <a:t>】</a:t>
             </a:r>
+            <a:r>
+              <a:rPr lang="zh-CN" altLang="en-US" dirty="0" smtClean="0"/>
+              <a:t>，这个包括</a:t>
+            </a:r>
+            <a:r>
+              <a:rPr lang="en-US" altLang="zh-CN" dirty="0" smtClean="0"/>
+              <a:t>【</a:t>
+            </a:r>
+            <a:r>
+              <a:rPr lang="ja-JP" altLang="en-US" dirty="0">
+                <a:solidFill>
+                  <a:srgbClr val="FF0000"/>
+                </a:solidFill>
+              </a:rPr>
+              <a:t>均等割額</a:t>
+            </a:r>
+            <a:r>
+              <a:rPr lang="en-US" altLang="zh-CN" dirty="0" smtClean="0"/>
+              <a:t>】(</a:t>
+            </a:r>
+            <a:r>
+              <a:rPr lang="zh-CN" altLang="en-US" dirty="0" smtClean="0"/>
+              <a:t>固定</a:t>
+            </a:r>
+            <a:r>
+              <a:rPr lang="en-US" altLang="zh-CN" dirty="0" smtClean="0"/>
+              <a:t>)</a:t>
+            </a:r>
+            <a:r>
+              <a:rPr lang="zh-CN" altLang="en-US" dirty="0" smtClean="0"/>
+              <a:t>和</a:t>
+            </a:r>
+            <a:r>
+              <a:rPr lang="en-US" altLang="zh-CN" dirty="0" smtClean="0"/>
+              <a:t>【</a:t>
+            </a:r>
+            <a:r>
+              <a:rPr lang="ja-JP" altLang="en-US" dirty="0">
+                <a:solidFill>
+                  <a:srgbClr val="FF0000"/>
+                </a:solidFill>
+              </a:rPr>
+              <a:t>所得割額</a:t>
+            </a:r>
+            <a:r>
+              <a:rPr lang="en-US" altLang="zh-CN" dirty="0" smtClean="0"/>
+              <a:t>】(</a:t>
+            </a:r>
+            <a:r>
+              <a:rPr lang="zh-CN" altLang="en-US" dirty="0" smtClean="0"/>
+              <a:t>根据收入</a:t>
+            </a:r>
+            <a:r>
+              <a:rPr lang="en-US" altLang="zh-CN" dirty="0" smtClean="0"/>
+              <a:t>/</a:t>
+            </a:r>
+            <a:r>
+              <a:rPr lang="zh-CN" altLang="en-US" dirty="0"/>
+              <a:t>居住地</a:t>
+            </a:r>
+            <a:r>
+              <a:rPr lang="zh-CN" altLang="en-US" dirty="0" smtClean="0"/>
+              <a:t>变动，税率一般是</a:t>
+            </a:r>
+            <a:r>
+              <a:rPr lang="en-US" altLang="zh-CN" dirty="0" smtClean="0"/>
+              <a:t>10%)</a:t>
+            </a:r>
+            <a:r>
+              <a:rPr lang="zh-CN" altLang="en-US" dirty="0" smtClean="0"/>
+              <a:t>，然后每个还包括</a:t>
+            </a:r>
+            <a:r>
+              <a:rPr lang="en-US" altLang="zh-CN" dirty="0" smtClean="0"/>
+              <a:t>【</a:t>
+            </a:r>
+            <a:r>
+              <a:rPr lang="zh-CN" altLang="en-US" b="1" dirty="0"/>
+              <a:t>道府県民税</a:t>
+            </a:r>
+            <a:r>
+              <a:rPr lang="en-US" altLang="zh-CN" b="1" dirty="0"/>
+              <a:t>】</a:t>
+            </a:r>
+            <a:r>
+              <a:rPr lang="zh-CN" altLang="en-US" b="1" dirty="0"/>
+              <a:t>＋</a:t>
+            </a:r>
+            <a:r>
+              <a:rPr lang="en-US" altLang="zh-CN" b="1" dirty="0"/>
+              <a:t>【</a:t>
+            </a:r>
+            <a:r>
+              <a:rPr lang="zh-CN" altLang="en-US" b="1" dirty="0"/>
+              <a:t>市町村民税</a:t>
+            </a:r>
+            <a:r>
+              <a:rPr lang="en-US" altLang="zh-CN" b="1" dirty="0" smtClean="0"/>
+              <a:t>】</a:t>
+            </a:r>
+            <a:endParaRPr lang="en-US" altLang="zh-CN" dirty="0" smtClean="0"/>
           </a:p>
           <a:p>
             <a:pPr marL="1257300" lvl="2" indent="-342900">
               <a:buFont typeface="Arial" panose="020B0604020202020204" pitchFamily="34" charset="0"/>
               <a:buChar char="•"/>
             </a:pPr>
+            <a:r>
+              <a:rPr lang="zh-CN" altLang="en-US" dirty="0" smtClean="0"/>
+              <a:t>其中</a:t>
+            </a:r>
+            <a:r>
+              <a:rPr lang="zh-TW" altLang="en-US" dirty="0"/>
+              <a:t>所得割</a:t>
+            </a:r>
+            <a:r>
+              <a:rPr lang="zh-TW" altLang="en-US" dirty="0" smtClean="0"/>
+              <a:t>額</a:t>
+            </a:r>
+            <a:r>
+              <a:rPr lang="zh-CN" altLang="en-US" dirty="0" smtClean="0"/>
+              <a:t>的计算和</a:t>
+            </a:r>
+            <a:r>
+              <a:rPr lang="zh-TW" altLang="en-US" dirty="0"/>
+              <a:t>所得税額 </a:t>
+            </a:r>
+            <a:r>
+              <a:rPr lang="zh-CN" altLang="en-US" dirty="0" smtClean="0"/>
+              <a:t>基本一样，</a:t>
+            </a:r>
+            <a:r>
+              <a:rPr lang="zh-TW" altLang="en-US" dirty="0" smtClean="0"/>
+              <a:t>所得割</a:t>
+            </a:r>
+            <a:r>
+              <a:rPr lang="zh-TW" altLang="en-US" dirty="0"/>
+              <a:t>額 </a:t>
+            </a:r>
+            <a:r>
+              <a:rPr lang="en-US" altLang="zh-TW" dirty="0"/>
+              <a:t>=</a:t>
+            </a:r>
+            <a:r>
+              <a:rPr lang="zh-TW" altLang="en-US" dirty="0"/>
+              <a:t>（</a:t>
+            </a:r>
+            <a:r>
+              <a:rPr lang="zh-TW" altLang="en-US" dirty="0">
+                <a:solidFill>
+                  <a:srgbClr val="FF0000"/>
+                </a:solidFill>
+              </a:rPr>
+              <a:t>所得金額（</a:t>
+            </a:r>
+            <a:r>
+              <a:rPr lang="en-US" altLang="zh-TW" dirty="0">
+                <a:solidFill>
+                  <a:srgbClr val="FF0000"/>
+                </a:solidFill>
+              </a:rPr>
+              <a:t>A</a:t>
+            </a:r>
+            <a:r>
+              <a:rPr lang="zh-TW" altLang="en-US" dirty="0">
+                <a:solidFill>
+                  <a:srgbClr val="FF0000"/>
+                </a:solidFill>
+              </a:rPr>
+              <a:t>） </a:t>
+            </a:r>
+            <a:r>
+              <a:rPr lang="zh-TW" altLang="en-US" dirty="0"/>
+              <a:t>－ </a:t>
+            </a:r>
+            <a:r>
+              <a:rPr lang="zh-TW" altLang="en-US" dirty="0">
+                <a:solidFill>
+                  <a:schemeClr val="tx2">
+                    <a:lumMod val="60000"/>
+                    <a:lumOff val="40000"/>
+                  </a:schemeClr>
+                </a:solidFill>
+              </a:rPr>
+              <a:t>所得控除額（</a:t>
+            </a:r>
+            <a:r>
+              <a:rPr lang="en-US" altLang="zh-TW" dirty="0">
+                <a:solidFill>
+                  <a:schemeClr val="tx2">
+                    <a:lumMod val="60000"/>
+                    <a:lumOff val="40000"/>
+                  </a:schemeClr>
+                </a:solidFill>
+              </a:rPr>
+              <a:t>B</a:t>
+            </a:r>
+            <a:r>
+              <a:rPr lang="zh-TW" altLang="en-US" dirty="0">
+                <a:solidFill>
+                  <a:schemeClr val="tx2">
+                    <a:lumMod val="60000"/>
+                    <a:lumOff val="40000"/>
+                  </a:schemeClr>
+                </a:solidFill>
+              </a:rPr>
+              <a:t>）</a:t>
+            </a:r>
+            <a:r>
+              <a:rPr lang="zh-TW" altLang="en-US" dirty="0"/>
+              <a:t>） </a:t>
+            </a:r>
+            <a:r>
+              <a:rPr lang="en-US" altLang="zh-TW" dirty="0"/>
+              <a:t>× </a:t>
+            </a:r>
+            <a:r>
+              <a:rPr lang="zh-TW" altLang="en-US" dirty="0"/>
+              <a:t>税率</a:t>
+            </a:r>
+            <a:r>
+              <a:rPr lang="en-US" altLang="zh-TW" dirty="0"/>
+              <a:t>(10%) - </a:t>
+            </a:r>
+            <a:r>
+              <a:rPr lang="zh-TW" altLang="en-US" dirty="0">
+                <a:solidFill>
+                  <a:schemeClr val="accent6">
+                    <a:lumMod val="75000"/>
+                  </a:schemeClr>
+                </a:solidFill>
+              </a:rPr>
+              <a:t>税額控除額（</a:t>
+            </a:r>
+            <a:r>
+              <a:rPr lang="en-US" altLang="zh-TW" dirty="0">
+                <a:solidFill>
+                  <a:schemeClr val="accent6">
+                    <a:lumMod val="75000"/>
+                  </a:schemeClr>
+                </a:solidFill>
+              </a:rPr>
+              <a:t>C</a:t>
+            </a:r>
+            <a:r>
+              <a:rPr lang="zh-TW" altLang="en-US" dirty="0" smtClean="0">
+                <a:solidFill>
+                  <a:schemeClr val="accent6">
+                    <a:lumMod val="75000"/>
+                  </a:schemeClr>
+                </a:solidFill>
+              </a:rPr>
+              <a:t>）</a:t>
+            </a:r>
+            <a:endParaRPr lang="en-US" altLang="zh-TW" dirty="0" smtClean="0">
+              <a:solidFill>
+                <a:schemeClr val="accent6">
+                  <a:lumMod val="75000"/>
+                </a:schemeClr>
+              </a:solidFill>
+            </a:endParaRPr>
+          </a:p>
+          <a:p>
+            <a:pPr marL="800100" lvl="1" indent="-342900">
+              <a:buFont typeface="+mj-lt"/>
+              <a:buAutoNum type="arabicPeriod"/>
+            </a:pPr>
+            <a:r>
+              <a:rPr lang="zh-CN" altLang="en-US" dirty="0" smtClean="0"/>
+              <a:t>结论，</a:t>
+            </a:r>
+            <a:r>
+              <a:rPr lang="ja-JP" altLang="en-US" dirty="0" smtClean="0"/>
+              <a:t>手取り</a:t>
+            </a:r>
+            <a:r>
+              <a:rPr lang="en-US" altLang="ja-JP" dirty="0" smtClean="0"/>
+              <a:t>=</a:t>
+            </a:r>
+            <a:r>
+              <a:rPr lang="zh-TW" altLang="en-US" dirty="0" smtClean="0">
+                <a:solidFill>
+                  <a:srgbClr val="FF0000"/>
+                </a:solidFill>
+              </a:rPr>
+              <a:t>所得</a:t>
+            </a:r>
+            <a:r>
+              <a:rPr lang="zh-TW" altLang="en-US" dirty="0">
+                <a:solidFill>
+                  <a:srgbClr val="FF0000"/>
+                </a:solidFill>
+              </a:rPr>
+              <a:t>金額（</a:t>
+            </a:r>
+            <a:r>
+              <a:rPr lang="en-US" altLang="zh-TW" dirty="0">
+                <a:solidFill>
+                  <a:srgbClr val="FF0000"/>
+                </a:solidFill>
+              </a:rPr>
+              <a:t>A</a:t>
+            </a:r>
+            <a:r>
+              <a:rPr lang="zh-TW" altLang="en-US" dirty="0">
+                <a:solidFill>
+                  <a:srgbClr val="FF0000"/>
+                </a:solidFill>
+              </a:rPr>
+              <a:t>） </a:t>
+            </a:r>
+            <a:r>
+              <a:rPr lang="en-US" altLang="zh-TW" dirty="0" smtClean="0">
+                <a:solidFill>
+                  <a:srgbClr val="FF0000"/>
+                </a:solidFill>
+              </a:rPr>
+              <a:t>- </a:t>
+            </a:r>
+            <a:r>
+              <a:rPr lang="zh-TW" altLang="en-US" dirty="0" smtClean="0">
+                <a:solidFill>
+                  <a:schemeClr val="tx2">
+                    <a:lumMod val="60000"/>
+                    <a:lumOff val="40000"/>
+                  </a:schemeClr>
+                </a:solidFill>
+              </a:rPr>
+              <a:t>所得</a:t>
+            </a:r>
+            <a:r>
+              <a:rPr lang="zh-TW" altLang="en-US" dirty="0">
+                <a:solidFill>
+                  <a:schemeClr val="tx2">
+                    <a:lumMod val="60000"/>
+                    <a:lumOff val="40000"/>
+                  </a:schemeClr>
+                </a:solidFill>
+              </a:rPr>
+              <a:t>控除額（</a:t>
+            </a:r>
+            <a:r>
+              <a:rPr lang="en-US" altLang="zh-TW" dirty="0">
+                <a:solidFill>
+                  <a:schemeClr val="tx2">
+                    <a:lumMod val="60000"/>
+                    <a:lumOff val="40000"/>
+                  </a:schemeClr>
+                </a:solidFill>
+              </a:rPr>
+              <a:t>B</a:t>
+            </a:r>
+            <a:r>
+              <a:rPr lang="zh-TW" altLang="en-US" dirty="0" smtClean="0">
+                <a:solidFill>
+                  <a:schemeClr val="tx2">
+                    <a:lumMod val="60000"/>
+                    <a:lumOff val="40000"/>
+                  </a:schemeClr>
+                </a:solidFill>
+              </a:rPr>
+              <a:t>）</a:t>
+            </a:r>
+            <a:r>
+              <a:rPr lang="en-US" altLang="zh-TW" dirty="0" smtClean="0"/>
+              <a:t>- </a:t>
+            </a:r>
+            <a:r>
+              <a:rPr lang="en-US" altLang="zh-CN" dirty="0"/>
+              <a:t>【</a:t>
+            </a:r>
+            <a:r>
+              <a:rPr lang="ja-JP" altLang="en-US" dirty="0">
+                <a:solidFill>
+                  <a:srgbClr val="FF0000"/>
+                </a:solidFill>
+              </a:rPr>
+              <a:t>所得税</a:t>
+            </a:r>
+            <a:r>
+              <a:rPr lang="en-US" altLang="zh-CN" dirty="0" smtClean="0"/>
+              <a:t>】 - </a:t>
+            </a:r>
+            <a:r>
+              <a:rPr lang="en-US" altLang="zh-CN" dirty="0"/>
+              <a:t>【</a:t>
+            </a:r>
+            <a:r>
+              <a:rPr lang="ja-JP" altLang="en-US" dirty="0">
+                <a:solidFill>
+                  <a:srgbClr val="FF0000"/>
+                </a:solidFill>
+              </a:rPr>
+              <a:t>住民税</a:t>
+            </a:r>
+            <a:r>
+              <a:rPr lang="en-US" altLang="zh-CN" dirty="0" smtClean="0"/>
+              <a:t>】</a:t>
+            </a:r>
+            <a:r>
+              <a:rPr lang="ja-JP" altLang="en-US" dirty="0" smtClean="0"/>
+              <a:t>の</a:t>
+            </a:r>
+            <a:r>
+              <a:rPr lang="ja-JP" altLang="en-US" dirty="0">
+                <a:solidFill>
+                  <a:srgbClr val="FF0000"/>
+                </a:solidFill>
+              </a:rPr>
+              <a:t>均等割</a:t>
+            </a:r>
+            <a:r>
+              <a:rPr lang="ja-JP" altLang="en-US" dirty="0" smtClean="0">
+                <a:solidFill>
+                  <a:srgbClr val="FF0000"/>
+                </a:solidFill>
+              </a:rPr>
+              <a:t>額</a:t>
+            </a:r>
+            <a:r>
+              <a:rPr lang="ja-JP" altLang="en-US" dirty="0">
+                <a:solidFill>
+                  <a:srgbClr val="FF0000"/>
+                </a:solidFill>
+              </a:rPr>
+              <a:t> </a:t>
+            </a:r>
+            <a:r>
+              <a:rPr lang="en-US" altLang="ja-JP" dirty="0" smtClean="0"/>
+              <a:t>-</a:t>
+            </a:r>
+            <a:r>
+              <a:rPr lang="en-US" altLang="zh-CN" dirty="0" smtClean="0"/>
+              <a:t>【</a:t>
+            </a:r>
+            <a:r>
+              <a:rPr lang="ja-JP" altLang="en-US" dirty="0">
+                <a:solidFill>
+                  <a:srgbClr val="FF0000"/>
+                </a:solidFill>
+              </a:rPr>
+              <a:t>住民税</a:t>
+            </a:r>
+            <a:r>
+              <a:rPr lang="en-US" altLang="zh-CN" dirty="0"/>
+              <a:t>】</a:t>
+            </a:r>
+            <a:r>
+              <a:rPr lang="ja-JP" altLang="en-US" dirty="0" smtClean="0"/>
+              <a:t>の</a:t>
+            </a:r>
+            <a:r>
+              <a:rPr lang="ja-JP" altLang="en-US" dirty="0">
+                <a:solidFill>
+                  <a:srgbClr val="FF0000"/>
+                </a:solidFill>
+              </a:rPr>
+              <a:t>所得割額</a:t>
+            </a:r>
+            <a:endParaRPr lang="en-US" altLang="zh-TW" dirty="0" smtClean="0"/>
+          </a:p>
+          <a:p>
+            <a:pPr marL="342900" indent="-342900">
+              <a:buFont typeface="Arial" panose="020B0604020202020204" pitchFamily="34" charset="0"/>
+              <a:buChar char="•"/>
+            </a:pPr>
+            <a:endParaRPr kumimoji="1" lang="en-US" altLang="ja-JP" dirty="0">
+              <a:solidFill>
+                <a:schemeClr val="accent6">
+                  <a:lumMod val="75000"/>
+                </a:schemeClr>
+              </a:solidFill>
+            </a:endParaRPr>
+          </a:p>
+          <a:p>
+            <a:pPr marL="342900" indent="-342900">
+              <a:buFont typeface="Arial" panose="020B0604020202020204" pitchFamily="34" charset="0"/>
+              <a:buChar char="•"/>
+            </a:pPr>
+            <a:r>
+              <a:rPr lang="zh-CN" altLang="en-US" dirty="0" smtClean="0"/>
+              <a:t>怎样利用 </a:t>
+            </a:r>
+            <a:r>
+              <a:rPr lang="en-US" altLang="zh-CN" dirty="0" smtClean="0"/>
+              <a:t>【</a:t>
+            </a:r>
+            <a:r>
+              <a:rPr lang="ja-JP" altLang="en-US" b="1" u="sng" dirty="0"/>
+              <a:t>扶養</a:t>
+            </a:r>
+            <a:r>
+              <a:rPr lang="ja-JP" altLang="en-US" b="1" u="sng" dirty="0" smtClean="0"/>
+              <a:t>控除</a:t>
+            </a:r>
+            <a:r>
+              <a:rPr lang="en-US" altLang="zh-CN" dirty="0" smtClean="0"/>
+              <a:t>】,</a:t>
+            </a:r>
+            <a:r>
+              <a:rPr lang="zh-CN" altLang="en-US" dirty="0" smtClean="0"/>
+              <a:t>就是提升</a:t>
+            </a:r>
+            <a:r>
+              <a:rPr lang="zh-TW" altLang="en-US" dirty="0">
+                <a:solidFill>
+                  <a:schemeClr val="tx2">
+                    <a:lumMod val="60000"/>
+                    <a:lumOff val="40000"/>
+                  </a:schemeClr>
+                </a:solidFill>
+              </a:rPr>
+              <a:t>所得控除額（</a:t>
+            </a:r>
+            <a:r>
+              <a:rPr lang="en-US" altLang="zh-TW" dirty="0">
+                <a:solidFill>
+                  <a:schemeClr val="tx2">
+                    <a:lumMod val="60000"/>
+                    <a:lumOff val="40000"/>
+                  </a:schemeClr>
+                </a:solidFill>
+              </a:rPr>
+              <a:t>B</a:t>
+            </a:r>
+            <a:r>
+              <a:rPr lang="zh-TW" altLang="en-US" dirty="0" smtClean="0">
+                <a:solidFill>
+                  <a:schemeClr val="tx2">
+                    <a:lumMod val="60000"/>
+                    <a:lumOff val="40000"/>
+                  </a:schemeClr>
+                </a:solidFill>
+              </a:rPr>
+              <a:t>）</a:t>
+            </a:r>
+            <a:r>
+              <a:rPr lang="zh-CN" altLang="en-US" dirty="0" smtClean="0"/>
+              <a:t>从而降低</a:t>
+            </a:r>
+            <a:r>
+              <a:rPr lang="en-US" altLang="zh-CN" dirty="0" smtClean="0"/>
+              <a:t>【</a:t>
+            </a:r>
+            <a:r>
+              <a:rPr lang="ja-JP" altLang="en-US" dirty="0">
+                <a:solidFill>
+                  <a:srgbClr val="FF0000"/>
+                </a:solidFill>
+              </a:rPr>
+              <a:t>所得税</a:t>
+            </a:r>
+            <a:r>
+              <a:rPr lang="en-US" altLang="zh-CN" dirty="0" smtClean="0"/>
+              <a:t>】</a:t>
+            </a:r>
+            <a:r>
+              <a:rPr lang="zh-CN" altLang="en-US" dirty="0" smtClean="0"/>
+              <a:t>和</a:t>
+            </a:r>
+            <a:r>
+              <a:rPr lang="en-US" altLang="zh-CN" dirty="0" smtClean="0"/>
+              <a:t>【</a:t>
+            </a:r>
+            <a:r>
+              <a:rPr lang="ja-JP" altLang="en-US" dirty="0">
+                <a:solidFill>
+                  <a:srgbClr val="FF0000"/>
+                </a:solidFill>
+              </a:rPr>
+              <a:t>住民税</a:t>
+            </a:r>
+            <a:r>
+              <a:rPr lang="en-US" altLang="zh-CN" dirty="0"/>
+              <a:t>】</a:t>
+            </a:r>
+            <a:r>
+              <a:rPr lang="ja-JP" altLang="en-US" dirty="0"/>
+              <a:t>の</a:t>
+            </a:r>
+            <a:r>
+              <a:rPr lang="ja-JP" altLang="en-US" dirty="0">
+                <a:solidFill>
+                  <a:srgbClr val="FF0000"/>
+                </a:solidFill>
+              </a:rPr>
+              <a:t>所得割</a:t>
+            </a:r>
+            <a:r>
+              <a:rPr lang="ja-JP" altLang="en-US" dirty="0" smtClean="0">
+                <a:solidFill>
+                  <a:srgbClr val="FF0000"/>
+                </a:solidFill>
+              </a:rPr>
+              <a:t>額</a:t>
+            </a:r>
+            <a:r>
+              <a:rPr lang="zh-CN" altLang="en-US" dirty="0" smtClean="0"/>
+              <a:t>，来提升</a:t>
+            </a:r>
+            <a:r>
+              <a:rPr lang="ja-JP" altLang="en-US" dirty="0" smtClean="0"/>
+              <a:t>手取り</a:t>
+            </a:r>
+            <a:endParaRPr lang="en-US" altLang="zh-CN" dirty="0"/>
+          </a:p>
+          <a:p>
+            <a:pPr marL="800100" lvl="1" indent="-342900">
+              <a:buFont typeface="Arial" panose="020B0604020202020204" pitchFamily="34" charset="0"/>
+              <a:buChar char="•"/>
+            </a:pPr>
+            <a:r>
+              <a:rPr kumimoji="1" lang="zh-CN" altLang="en-US" dirty="0" smtClean="0"/>
+              <a:t>首先要证明亲属是</a:t>
+            </a:r>
+            <a:r>
+              <a:rPr lang="en-US" altLang="zh-CN" dirty="0" smtClean="0"/>
+              <a:t>【</a:t>
+            </a:r>
+            <a:r>
+              <a:rPr lang="ja-JP" altLang="en-US" dirty="0" smtClean="0"/>
+              <a:t> </a:t>
+            </a:r>
+            <a:r>
+              <a:rPr lang="en-US" altLang="ja-JP" dirty="0"/>
+              <a:t>6</a:t>
+            </a:r>
+            <a:r>
+              <a:rPr lang="ja-JP" altLang="en-US" dirty="0"/>
+              <a:t>親等内の血族及び</a:t>
+            </a:r>
+            <a:r>
+              <a:rPr lang="en-US" altLang="ja-JP" dirty="0"/>
+              <a:t>3</a:t>
+            </a:r>
+            <a:r>
+              <a:rPr lang="ja-JP" altLang="en-US" dirty="0"/>
+              <a:t>親等内の姻族</a:t>
+            </a:r>
+            <a:r>
+              <a:rPr lang="en-US" altLang="zh-CN" dirty="0" smtClean="0"/>
+              <a:t>】</a:t>
+            </a:r>
+            <a:r>
+              <a:rPr lang="zh-CN" altLang="en-US" dirty="0" smtClean="0"/>
+              <a:t>，并且</a:t>
+            </a:r>
+            <a:r>
+              <a:rPr lang="en-US" altLang="zh-CN" dirty="0" smtClean="0"/>
+              <a:t>【</a:t>
+            </a:r>
+            <a:r>
+              <a:rPr lang="ja-JP" altLang="en-US" dirty="0"/>
+              <a:t>納税者と生計を一にしていること</a:t>
+            </a:r>
+            <a:r>
+              <a:rPr lang="en-US" altLang="zh-CN" dirty="0" smtClean="0"/>
+              <a:t>】(</a:t>
+            </a:r>
+            <a:r>
+              <a:rPr lang="zh-CN" altLang="en-US" dirty="0" smtClean="0"/>
+              <a:t>通过每年往国内打钱</a:t>
+            </a:r>
+            <a:r>
+              <a:rPr lang="en-US" altLang="zh-CN" dirty="0" smtClean="0"/>
+              <a:t>)</a:t>
+            </a:r>
+            <a:r>
+              <a:rPr lang="zh-CN" altLang="en-US" dirty="0" smtClean="0"/>
+              <a:t>，以及那个亲属</a:t>
+            </a:r>
+            <a:r>
+              <a:rPr lang="en-US" altLang="zh-CN" dirty="0" smtClean="0"/>
+              <a:t>【</a:t>
+            </a:r>
+            <a:r>
+              <a:rPr lang="ja-JP" altLang="en-US" dirty="0"/>
+              <a:t>年間の合計所得金額が</a:t>
+            </a:r>
+            <a:r>
+              <a:rPr lang="en-US" altLang="ja-JP" dirty="0"/>
+              <a:t>38</a:t>
+            </a:r>
+            <a:r>
+              <a:rPr lang="ja-JP" altLang="en-US" dirty="0"/>
+              <a:t>万円以下であること</a:t>
+            </a:r>
+            <a:r>
+              <a:rPr lang="en-US" altLang="zh-CN" dirty="0" smtClean="0"/>
+              <a:t>】(</a:t>
+            </a:r>
+            <a:r>
+              <a:rPr lang="zh-CN" altLang="en-US" dirty="0" smtClean="0"/>
+              <a:t>这点解释一下就是，那个亲属的</a:t>
+            </a:r>
+            <a:r>
+              <a:rPr lang="zh-CN" altLang="en-US" b="1" dirty="0" smtClean="0"/>
+              <a:t>年收</a:t>
+            </a:r>
+            <a:r>
+              <a:rPr lang="zh-CN" altLang="en-US" dirty="0" smtClean="0"/>
+              <a:t>没有超过</a:t>
+            </a:r>
+            <a:r>
+              <a:rPr lang="en-US" altLang="zh-CN" dirty="0" smtClean="0"/>
+              <a:t>103</a:t>
+            </a:r>
+            <a:r>
+              <a:rPr lang="zh-CN" altLang="en-US" dirty="0" smtClean="0"/>
+              <a:t>万，</a:t>
+            </a:r>
+            <a:r>
+              <a:rPr lang="en-US" altLang="zh-CN" dirty="0" smtClean="0"/>
+              <a:t>103</a:t>
+            </a:r>
+            <a:r>
+              <a:rPr lang="zh-CN" altLang="en-US" dirty="0" smtClean="0"/>
+              <a:t>万之中减掉每个人都要交的</a:t>
+            </a:r>
+            <a:r>
+              <a:rPr lang="zh-TW" altLang="en-US" dirty="0">
+                <a:solidFill>
+                  <a:schemeClr val="tx2">
+                    <a:lumMod val="60000"/>
+                    <a:lumOff val="40000"/>
+                  </a:schemeClr>
+                </a:solidFill>
+              </a:rPr>
+              <a:t>所得控除</a:t>
+            </a:r>
+            <a:r>
+              <a:rPr lang="zh-TW" altLang="en-US" dirty="0" smtClean="0">
+                <a:solidFill>
+                  <a:schemeClr val="tx2">
+                    <a:lumMod val="60000"/>
+                    <a:lumOff val="40000"/>
+                  </a:schemeClr>
+                </a:solidFill>
+              </a:rPr>
+              <a:t>額</a:t>
+            </a:r>
+            <a:r>
+              <a:rPr lang="en-US" altLang="zh-CN" dirty="0" smtClean="0"/>
+              <a:t>65</a:t>
+            </a:r>
+            <a:r>
+              <a:rPr lang="zh-CN" altLang="en-US" dirty="0" smtClean="0"/>
+              <a:t>万，就只剩</a:t>
+            </a:r>
+            <a:r>
+              <a:rPr lang="en-US" altLang="zh-CN" dirty="0" smtClean="0"/>
+              <a:t>38</a:t>
+            </a:r>
+            <a:r>
+              <a:rPr lang="zh-CN" altLang="en-US" dirty="0"/>
+              <a:t>万</a:t>
+            </a:r>
+            <a:r>
+              <a:rPr lang="zh-CN" altLang="en-US" dirty="0" smtClean="0"/>
+              <a:t>了</a:t>
+            </a:r>
+            <a:r>
+              <a:rPr lang="en-US" altLang="zh-CN" dirty="0" smtClean="0"/>
+              <a:t>)</a:t>
+            </a:r>
+          </a:p>
+          <a:p>
+            <a:pPr marL="800100" lvl="1" indent="-342900">
+              <a:buFont typeface="Arial" panose="020B0604020202020204" pitchFamily="34" charset="0"/>
+              <a:buChar char="•"/>
+            </a:pPr>
+            <a:r>
+              <a:rPr lang="zh-CN" altLang="en-US" dirty="0" smtClean="0"/>
+              <a:t>要看我有几个抚养人</a:t>
+            </a:r>
+            <a:r>
+              <a:rPr lang="en-US" altLang="zh-CN" dirty="0" smtClean="0"/>
+              <a:t>(</a:t>
+            </a:r>
+            <a:r>
+              <a:rPr lang="zh-CN" altLang="en-US" dirty="0" smtClean="0"/>
+              <a:t>法律上并没有明确的限制</a:t>
+            </a:r>
+            <a:r>
+              <a:rPr lang="en-US" altLang="zh-CN" dirty="0" smtClean="0"/>
+              <a:t>)</a:t>
+            </a:r>
+            <a:r>
+              <a:rPr lang="zh-CN" altLang="en-US" dirty="0" smtClean="0"/>
+              <a:t>，每年往国内送金送了多少</a:t>
+            </a:r>
+            <a:r>
+              <a:rPr lang="en-US" altLang="zh-CN" dirty="0" smtClean="0"/>
+              <a:t>(</a:t>
+            </a:r>
+            <a:r>
+              <a:rPr lang="zh-CN" altLang="en-US" dirty="0" smtClean="0"/>
+              <a:t>一个人能免多少见下表，我的情况应该是一个人能免</a:t>
+            </a:r>
+            <a:r>
+              <a:rPr lang="en-US" altLang="zh-CN" dirty="0" smtClean="0"/>
+              <a:t>38</a:t>
+            </a:r>
+            <a:r>
+              <a:rPr lang="zh-CN" altLang="en-US" dirty="0" smtClean="0"/>
+              <a:t>万</a:t>
+            </a:r>
+            <a:r>
+              <a:rPr lang="en-US" altLang="zh-CN" dirty="0" smtClean="0"/>
+              <a:t>)</a:t>
+            </a:r>
+          </a:p>
+          <a:p>
+            <a:pPr marL="800100" lvl="1" indent="-342900">
+              <a:buFont typeface="Arial" panose="020B0604020202020204" pitchFamily="34" charset="0"/>
+              <a:buChar char="•"/>
+            </a:pPr>
+            <a:r>
+              <a:rPr lang="zh-CN" altLang="en-US" dirty="0" smtClean="0"/>
+              <a:t>所以计算应该是</a:t>
+            </a:r>
+            <a:r>
+              <a:rPr lang="en-US" altLang="zh-CN" dirty="0" smtClean="0"/>
+              <a:t>:</a:t>
+            </a:r>
+            <a:r>
+              <a:rPr lang="zh-TW" altLang="en-US" dirty="0">
+                <a:solidFill>
+                  <a:schemeClr val="tx2">
+                    <a:lumMod val="60000"/>
+                    <a:lumOff val="40000"/>
+                  </a:schemeClr>
+                </a:solidFill>
+              </a:rPr>
+              <a:t>所得控除</a:t>
+            </a:r>
+            <a:r>
+              <a:rPr lang="zh-TW" altLang="en-US" dirty="0" smtClean="0">
+                <a:solidFill>
+                  <a:schemeClr val="tx2">
+                    <a:lumMod val="60000"/>
+                    <a:lumOff val="40000"/>
+                  </a:schemeClr>
+                </a:solidFill>
+              </a:rPr>
+              <a:t>額 </a:t>
+            </a:r>
+            <a:r>
+              <a:rPr lang="en-US" altLang="zh-TW" dirty="0" smtClean="0"/>
+              <a:t>= </a:t>
+            </a:r>
+            <a:r>
+              <a:rPr lang="zh-CN" altLang="en-US" dirty="0" smtClean="0"/>
+              <a:t>抚养人数 </a:t>
+            </a:r>
+            <a:r>
+              <a:rPr lang="en-US" altLang="zh-CN" dirty="0" smtClean="0"/>
+              <a:t>x 38</a:t>
+            </a:r>
+            <a:r>
+              <a:rPr lang="zh-CN" altLang="en-US" dirty="0" smtClean="0"/>
+              <a:t>万</a:t>
+            </a:r>
+            <a:endParaRPr lang="en-US" altLang="zh-CN" dirty="0" smtClean="0"/>
+          </a:p>
+        </p:txBody>
+      </p:sp>
+      <p:pic>
+        <p:nvPicPr>
+          <p:cNvPr id="1026" name="Picture 2" descr="æåãéé¡ã®ã¤ã¡ã¼ã¸ï¼å³è§£ï¼"/>
+          <p:cNvPicPr>
+            <a:picLocks noChangeAspect="1" noChangeArrowheads="1"/>
+          </p:cNvPicPr>
+          <p:nvPr/>
+        </p:nvPicPr>
+        <p:blipFill>
+          <a:blip r:embed="rId2">
+            <a:extLst>
+              <a:ext uri="{28A0092B-C50C-407E-A947-70E740481C1C}">
+                <a14:useLocalDpi xmlns:a14="http://schemas.microsoft.com/office/drawing/2010/main" val="0"/>
+              </a:ext>
+            </a:extLst>
+          </a:blip>
+          <a:srcRect/>
+          <a:stretch>
+            <a:fillRect/>
+          </a:stretch>
+        </p:blipFill>
+        <p:spPr bwMode="auto">
+          <a:xfrm>
+            <a:off x="6858000" y="323528"/>
+            <a:ext cx="5715000" cy="3228975"/>
+          </a:xfrm>
+          <a:prstGeom prst="rect">
+            <a:avLst/>
+          </a:prstGeom>
+          <a:noFill/>
+          <a:extLst>
+            <a:ext uri="{909E8E84-426E-40DD-AFC4-6F175D3DCCD1}">
+              <a14:hiddenFill xmlns:a14="http://schemas.microsoft.com/office/drawing/2010/main">
+                <a:solidFill>
+                  <a:srgbClr val="FFFFFF"/>
+                </a:solidFill>
+              </a14:hiddenFill>
+            </a:ext>
+          </a:extLst>
+        </p:spPr>
+      </p:pic>
+      <p:sp>
+        <p:nvSpPr>
+          <p:cNvPr id="3" name="テキスト ボックス 2"/>
+          <p:cNvSpPr txBox="1"/>
+          <p:nvPr/>
+        </p:nvSpPr>
+        <p:spPr>
+          <a:xfrm>
+            <a:off x="6925072" y="-602695"/>
+            <a:ext cx="5616624" cy="923330"/>
+          </a:xfrm>
+          <a:prstGeom prst="rect">
+            <a:avLst/>
+          </a:prstGeom>
+          <a:noFill/>
+        </p:spPr>
+        <p:txBody>
+          <a:bodyPr wrap="square" rtlCol="0">
+            <a:spAutoFit/>
+          </a:bodyPr>
+          <a:lstStyle/>
+          <a:p>
+            <a:r>
+              <a:rPr lang="ja-JP" altLang="en-US" dirty="0" smtClean="0"/>
+              <a:t>「その他の手当」</a:t>
+            </a:r>
+            <a:r>
+              <a:rPr lang="en-US" altLang="ja-JP" dirty="0" smtClean="0"/>
+              <a:t>include: </a:t>
+            </a:r>
+            <a:r>
+              <a:rPr lang="ja-JP" altLang="en-US" dirty="0" smtClean="0"/>
+              <a:t>資格手当（特定な資格を持っているから貰える給料）、住宅関連手当、出張手当（</a:t>
+            </a:r>
+            <a:r>
+              <a:rPr lang="ja-JP" altLang="en-US" dirty="0" smtClean="0">
+                <a:solidFill>
+                  <a:srgbClr val="FF0000"/>
+                </a:solidFill>
+              </a:rPr>
+              <a:t>非課税</a:t>
+            </a:r>
+            <a:r>
+              <a:rPr lang="ja-JP" altLang="en-US" dirty="0" smtClean="0"/>
+              <a:t>）</a:t>
+            </a:r>
             <a:endParaRPr kumimoji="1" lang="ja-JP" altLang="en-US" dirty="0"/>
+          </a:p>
+        </p:txBody>
+      </p:sp>
+      <p:sp>
+        <p:nvSpPr>
+          <p:cNvPr id="5" name="テキスト ボックス 4"/>
+          <p:cNvSpPr txBox="1"/>
+          <p:nvPr/>
+        </p:nvSpPr>
+        <p:spPr>
+          <a:xfrm>
+            <a:off x="6858000" y="3552503"/>
+            <a:ext cx="5616624" cy="646331"/>
+          </a:xfrm>
+          <a:prstGeom prst="rect">
+            <a:avLst/>
+          </a:prstGeom>
+          <a:noFill/>
+        </p:spPr>
+        <p:txBody>
+          <a:bodyPr wrap="square" rtlCol="0">
+            <a:spAutoFit/>
+          </a:bodyPr>
+          <a:lstStyle/>
+          <a:p>
+            <a:r>
+              <a:rPr lang="ja-JP" altLang="en-US" dirty="0" smtClean="0"/>
+              <a:t>「健康保険など」</a:t>
+            </a:r>
+            <a:r>
+              <a:rPr lang="en-US" altLang="ja-JP" dirty="0" smtClean="0"/>
+              <a:t>also include: </a:t>
+            </a:r>
+            <a:r>
+              <a:rPr lang="ja-JP" altLang="en-US" dirty="0" smtClean="0"/>
+              <a:t>介護保険（ないなら０円）、雇用保険（</a:t>
+            </a:r>
+            <a:r>
+              <a:rPr lang="zh-CN" altLang="en-US" dirty="0" smtClean="0"/>
+              <a:t>扣</a:t>
+            </a:r>
+            <a:r>
+              <a:rPr lang="en-US" altLang="zh-CN" dirty="0" smtClean="0"/>
+              <a:t>%</a:t>
+            </a:r>
+            <a:r>
+              <a:rPr lang="zh-CN" altLang="en-US" dirty="0" smtClean="0"/>
+              <a:t>多少根据从事产业不同而不同</a:t>
+            </a:r>
+            <a:r>
+              <a:rPr lang="ja-JP" altLang="en-US" dirty="0" smtClean="0"/>
+              <a:t>）</a:t>
+            </a:r>
+            <a:endParaRPr kumimoji="1" lang="ja-JP" altLang="en-US" dirty="0"/>
+          </a:p>
+        </p:txBody>
+      </p:sp>
+      <p:sp>
+        <p:nvSpPr>
+          <p:cNvPr id="6" name="テキスト ボックス 5"/>
+          <p:cNvSpPr txBox="1"/>
+          <p:nvPr/>
+        </p:nvSpPr>
+        <p:spPr>
+          <a:xfrm>
+            <a:off x="6845531" y="4365268"/>
+            <a:ext cx="5616624" cy="2031325"/>
+          </a:xfrm>
+          <a:prstGeom prst="rect">
+            <a:avLst/>
+          </a:prstGeom>
+          <a:noFill/>
+        </p:spPr>
+        <p:txBody>
+          <a:bodyPr wrap="square" rtlCol="0">
+            <a:spAutoFit/>
+          </a:bodyPr>
+          <a:lstStyle/>
+          <a:p>
+            <a:r>
+              <a:rPr lang="ja-JP" altLang="en-US" dirty="0" smtClean="0"/>
+              <a:t>「所得税」：</a:t>
+            </a:r>
+            <a:endParaRPr lang="en-US" altLang="ja-JP" dirty="0" smtClean="0"/>
+          </a:p>
+          <a:p>
+            <a:pPr marL="285750" indent="-285750">
+              <a:buFont typeface="Arial" panose="020B0604020202020204" pitchFamily="34" charset="0"/>
+              <a:buChar char="•"/>
+            </a:pPr>
+            <a:r>
+              <a:rPr lang="zh-CN" altLang="en-US" dirty="0"/>
+              <a:t>每个</a:t>
+            </a:r>
+            <a:r>
+              <a:rPr lang="zh-CN" altLang="en-US" dirty="0" smtClean="0"/>
+              <a:t>月的给料中，先去除保险等，再计算所得税</a:t>
+            </a:r>
+            <a:endParaRPr lang="en-US" altLang="zh-CN" dirty="0" smtClean="0"/>
+          </a:p>
+          <a:p>
+            <a:pPr marL="285750" indent="-285750">
+              <a:buFont typeface="Arial" panose="020B0604020202020204" pitchFamily="34" charset="0"/>
+              <a:buChar char="•"/>
+            </a:pPr>
+            <a:r>
+              <a:rPr lang="zh-CN" altLang="en-US" dirty="0" smtClean="0"/>
+              <a:t>每个月先大致算出一个数字，年末的</a:t>
+            </a:r>
+            <a:r>
+              <a:rPr lang="ja-JP" altLang="en-US" dirty="0" smtClean="0"/>
+              <a:t>「</a:t>
+            </a:r>
+            <a:r>
+              <a:rPr lang="ja-JP" altLang="en-US" dirty="0"/>
+              <a:t>年末調整」（あるいは確定申告</a:t>
+            </a:r>
+            <a:r>
+              <a:rPr lang="ja-JP" altLang="en-US" dirty="0" smtClean="0"/>
+              <a:t>）</a:t>
+            </a:r>
+            <a:r>
+              <a:rPr lang="zh-CN" altLang="en-US" dirty="0" smtClean="0"/>
+              <a:t>再精算</a:t>
+            </a:r>
+            <a:endParaRPr lang="en-US" altLang="zh-CN" dirty="0" smtClean="0"/>
+          </a:p>
+          <a:p>
+            <a:pPr marL="285750" indent="-285750">
+              <a:buFont typeface="Arial" panose="020B0604020202020204" pitchFamily="34" charset="0"/>
+              <a:buChar char="•"/>
+            </a:pPr>
+            <a:r>
+              <a:rPr lang="en-US" altLang="zh-CN" dirty="0" smtClean="0"/>
+              <a:t>Bonus</a:t>
+            </a:r>
+            <a:r>
+              <a:rPr lang="zh-CN" altLang="en-US" dirty="0" smtClean="0"/>
+              <a:t>的所得税计算</a:t>
+            </a:r>
+            <a:r>
+              <a:rPr lang="en-US" altLang="zh-CN" dirty="0" smtClean="0"/>
+              <a:t>%</a:t>
+            </a:r>
+            <a:r>
+              <a:rPr lang="zh-CN" altLang="en-US" dirty="0" smtClean="0"/>
+              <a:t>会比每个月的给料的</a:t>
+            </a:r>
+            <a:r>
+              <a:rPr lang="en-US" altLang="zh-CN" dirty="0" smtClean="0"/>
+              <a:t>%</a:t>
+            </a:r>
+            <a:r>
+              <a:rPr lang="zh-CN" altLang="en-US" dirty="0" smtClean="0"/>
+              <a:t>大</a:t>
+            </a:r>
+            <a:endParaRPr lang="en-US" altLang="ja-JP" dirty="0" smtClean="0"/>
+          </a:p>
+          <a:p>
+            <a:r>
+              <a:rPr lang="ja-JP" altLang="en-US" dirty="0" smtClean="0"/>
+              <a:t>「住民税」</a:t>
+            </a:r>
+            <a:r>
+              <a:rPr lang="en-US" altLang="ja-JP" dirty="0" smtClean="0"/>
+              <a:t>:</a:t>
+            </a:r>
+            <a:r>
+              <a:rPr lang="ja-JP" altLang="en-US" dirty="0" smtClean="0"/>
+              <a:t>　</a:t>
+            </a:r>
+            <a:endParaRPr lang="en-US" altLang="ja-JP" dirty="0" smtClean="0"/>
+          </a:p>
+          <a:p>
+            <a:pPr marL="285750" indent="-285750">
+              <a:buFont typeface="Arial" panose="020B0604020202020204" pitchFamily="34" charset="0"/>
+              <a:buChar char="•"/>
+            </a:pPr>
+            <a:r>
+              <a:rPr lang="en-US" altLang="ja-JP" dirty="0" smtClean="0">
+                <a:solidFill>
+                  <a:srgbClr val="FF0000"/>
+                </a:solidFill>
+              </a:rPr>
+              <a:t>bonus</a:t>
+            </a:r>
+            <a:r>
+              <a:rPr lang="ja-JP" altLang="en-US" dirty="0" smtClean="0">
+                <a:solidFill>
+                  <a:srgbClr val="FF0000"/>
+                </a:solidFill>
+              </a:rPr>
+              <a:t>から引かれない</a:t>
+            </a:r>
+            <a:r>
+              <a:rPr lang="ja-JP" altLang="en-US" dirty="0" smtClean="0"/>
+              <a:t>！！！</a:t>
+            </a:r>
+            <a:endParaRPr kumimoji="1" lang="ja-JP" altLang="en-US" dirty="0"/>
+          </a:p>
+        </p:txBody>
+      </p:sp>
+      <p:graphicFrame>
+        <p:nvGraphicFramePr>
+          <p:cNvPr id="4" name="表 3"/>
+          <p:cNvGraphicFramePr>
+            <a:graphicFrameLocks noGrp="1"/>
+          </p:cNvGraphicFramePr>
+          <p:nvPr>
+            <p:extLst>
+              <p:ext uri="{D42A27DB-BD31-4B8C-83A1-F6EECF244321}">
+                <p14:modId xmlns:p14="http://schemas.microsoft.com/office/powerpoint/2010/main" val="4104224562"/>
+              </p:ext>
+            </p:extLst>
+          </p:nvPr>
+        </p:nvGraphicFramePr>
+        <p:xfrm>
+          <a:off x="-1899592" y="-2474016"/>
+          <a:ext cx="8318500" cy="2453640"/>
+        </p:xfrm>
+        <a:graphic>
+          <a:graphicData uri="http://schemas.openxmlformats.org/drawingml/2006/table">
+            <a:tbl>
+              <a:tblPr/>
+              <a:tblGrid>
+                <a:gridCol w="5589588"/>
+                <a:gridCol w="1072728"/>
+                <a:gridCol w="1656184"/>
+              </a:tblGrid>
+              <a:tr h="0">
+                <a:tc>
+                  <a:txBody>
+                    <a:bodyPr/>
+                    <a:lstStyle/>
+                    <a:p>
+                      <a:r>
+                        <a:rPr lang="zh-TW" altLang="en-US" b="1" dirty="0">
+                          <a:effectLst/>
+                        </a:rPr>
+                        <a:t>課税所得金額（</a:t>
+                      </a:r>
+                      <a:r>
+                        <a:rPr lang="zh-TW" altLang="en-US" b="1" dirty="0">
+                          <a:solidFill>
+                            <a:srgbClr val="FF0000"/>
+                          </a:solidFill>
+                          <a:effectLst/>
+                        </a:rPr>
+                        <a:t>所得金額（</a:t>
+                      </a:r>
+                      <a:r>
+                        <a:rPr lang="en-US" altLang="zh-TW" b="1" dirty="0">
+                          <a:solidFill>
+                            <a:srgbClr val="FF0000"/>
+                          </a:solidFill>
+                          <a:effectLst/>
+                        </a:rPr>
+                        <a:t>A</a:t>
+                      </a:r>
+                      <a:r>
+                        <a:rPr lang="zh-TW" altLang="en-US" b="1" dirty="0">
+                          <a:solidFill>
+                            <a:srgbClr val="FF0000"/>
+                          </a:solidFill>
+                          <a:effectLst/>
+                        </a:rPr>
+                        <a:t>）</a:t>
+                      </a:r>
+                      <a:r>
+                        <a:rPr lang="zh-TW" altLang="en-US" b="1" dirty="0">
+                          <a:effectLst/>
+                        </a:rPr>
+                        <a:t>－ </a:t>
+                      </a:r>
+                      <a:r>
+                        <a:rPr lang="zh-TW" altLang="en-US" b="1" dirty="0">
+                          <a:solidFill>
+                            <a:schemeClr val="tx2">
+                              <a:lumMod val="60000"/>
+                              <a:lumOff val="40000"/>
+                            </a:schemeClr>
+                          </a:solidFill>
+                          <a:effectLst/>
+                        </a:rPr>
+                        <a:t>所得控除額（</a:t>
+                      </a:r>
+                      <a:r>
+                        <a:rPr lang="en-US" altLang="zh-TW" b="1" dirty="0">
+                          <a:solidFill>
+                            <a:schemeClr val="tx2">
+                              <a:lumMod val="60000"/>
+                              <a:lumOff val="40000"/>
+                            </a:schemeClr>
+                          </a:solidFill>
+                          <a:effectLst/>
+                        </a:rPr>
+                        <a:t>B</a:t>
+                      </a:r>
+                      <a:r>
+                        <a:rPr lang="zh-TW" altLang="en-US" b="1" dirty="0">
+                          <a:solidFill>
+                            <a:schemeClr val="tx2">
+                              <a:lumMod val="60000"/>
+                              <a:lumOff val="40000"/>
+                            </a:schemeClr>
+                          </a:solidFill>
+                          <a:effectLst/>
+                        </a:rPr>
+                        <a:t>）</a:t>
+                      </a:r>
+                      <a:r>
+                        <a:rPr lang="zh-TW" altLang="en-US" b="1" dirty="0">
+                          <a:effectLst/>
+                        </a:rPr>
+                        <a:t>）</a:t>
+                      </a:r>
+                    </a:p>
+                  </a:txBody>
+                  <a:tcPr marL="82550" marR="82550" marT="38100" marB="38100" anchor="ctr">
+                    <a:lnL w="6350" cap="flat" cmpd="sng" algn="ctr">
+                      <a:solidFill>
+                        <a:srgbClr val="DFE2E5"/>
+                      </a:solidFill>
+                      <a:prstDash val="solid"/>
+                      <a:round/>
+                      <a:headEnd type="none" w="med" len="med"/>
+                      <a:tailEnd type="none" w="med" len="med"/>
+                    </a:lnL>
+                    <a:lnR w="6350" cap="flat" cmpd="sng" algn="ctr">
+                      <a:solidFill>
+                        <a:srgbClr val="DFE2E5"/>
+                      </a:solidFill>
+                      <a:prstDash val="solid"/>
+                      <a:round/>
+                      <a:headEnd type="none" w="med" len="med"/>
+                      <a:tailEnd type="none" w="med" len="med"/>
+                    </a:lnR>
+                    <a:lnT w="6350" cap="flat" cmpd="sng" algn="ctr">
+                      <a:solidFill>
+                        <a:srgbClr val="DFE2E5"/>
+                      </a:solidFill>
+                      <a:prstDash val="solid"/>
+                      <a:round/>
+                      <a:headEnd type="none" w="med" len="med"/>
+                      <a:tailEnd type="none" w="med" len="med"/>
+                    </a:lnT>
+                    <a:lnB w="6350" cap="flat" cmpd="sng" algn="ctr">
+                      <a:solidFill>
+                        <a:srgbClr val="DFE2E5"/>
+                      </a:solidFill>
+                      <a:prstDash val="solid"/>
+                      <a:round/>
+                      <a:headEnd type="none" w="med" len="med"/>
+                      <a:tailEnd type="none" w="med" len="med"/>
+                    </a:lnB>
+                    <a:solidFill>
+                      <a:srgbClr val="FFFFFF"/>
+                    </a:solidFill>
+                  </a:tcPr>
+                </a:tc>
+                <a:tc>
+                  <a:txBody>
+                    <a:bodyPr/>
+                    <a:lstStyle/>
+                    <a:p>
+                      <a:r>
+                        <a:rPr lang="ja-JP" altLang="en-US" b="1">
+                          <a:effectLst/>
+                        </a:rPr>
+                        <a:t>税率</a:t>
+                      </a:r>
+                    </a:p>
+                  </a:txBody>
+                  <a:tcPr marL="82550" marR="82550" marT="38100" marB="38100" anchor="ctr">
+                    <a:lnL w="6350" cap="flat" cmpd="sng" algn="ctr">
+                      <a:solidFill>
+                        <a:srgbClr val="DFE2E5"/>
+                      </a:solidFill>
+                      <a:prstDash val="solid"/>
+                      <a:round/>
+                      <a:headEnd type="none" w="med" len="med"/>
+                      <a:tailEnd type="none" w="med" len="med"/>
+                    </a:lnL>
+                    <a:lnR w="6350" cap="flat" cmpd="sng" algn="ctr">
+                      <a:solidFill>
+                        <a:srgbClr val="DFE2E5"/>
+                      </a:solidFill>
+                      <a:prstDash val="solid"/>
+                      <a:round/>
+                      <a:headEnd type="none" w="med" len="med"/>
+                      <a:tailEnd type="none" w="med" len="med"/>
+                    </a:lnR>
+                    <a:lnT w="6350" cap="flat" cmpd="sng" algn="ctr">
+                      <a:solidFill>
+                        <a:srgbClr val="DFE2E5"/>
+                      </a:solidFill>
+                      <a:prstDash val="solid"/>
+                      <a:round/>
+                      <a:headEnd type="none" w="med" len="med"/>
+                      <a:tailEnd type="none" w="med" len="med"/>
+                    </a:lnT>
+                    <a:lnB w="6350" cap="flat" cmpd="sng" algn="ctr">
+                      <a:solidFill>
+                        <a:srgbClr val="DFE2E5"/>
+                      </a:solidFill>
+                      <a:prstDash val="solid"/>
+                      <a:round/>
+                      <a:headEnd type="none" w="med" len="med"/>
+                      <a:tailEnd type="none" w="med" len="med"/>
+                    </a:lnB>
+                    <a:solidFill>
+                      <a:srgbClr val="FFFFFF"/>
+                    </a:solidFill>
+                  </a:tcPr>
+                </a:tc>
+                <a:tc>
+                  <a:txBody>
+                    <a:bodyPr/>
+                    <a:lstStyle/>
+                    <a:p>
+                      <a:r>
+                        <a:rPr lang="ja-JP" altLang="en-US" b="1">
+                          <a:effectLst/>
+                        </a:rPr>
+                        <a:t>控除額</a:t>
+                      </a:r>
+                    </a:p>
+                  </a:txBody>
+                  <a:tcPr marL="82550" marR="82550" marT="38100" marB="38100" anchor="ctr">
+                    <a:lnL w="6350" cap="flat" cmpd="sng" algn="ctr">
+                      <a:solidFill>
+                        <a:srgbClr val="DFE2E5"/>
+                      </a:solidFill>
+                      <a:prstDash val="solid"/>
+                      <a:round/>
+                      <a:headEnd type="none" w="med" len="med"/>
+                      <a:tailEnd type="none" w="med" len="med"/>
+                    </a:lnL>
+                    <a:lnR w="6350" cap="flat" cmpd="sng" algn="ctr">
+                      <a:solidFill>
+                        <a:srgbClr val="DFE2E5"/>
+                      </a:solidFill>
+                      <a:prstDash val="solid"/>
+                      <a:round/>
+                      <a:headEnd type="none" w="med" len="med"/>
+                      <a:tailEnd type="none" w="med" len="med"/>
+                    </a:lnR>
+                    <a:lnT w="6350" cap="flat" cmpd="sng" algn="ctr">
+                      <a:solidFill>
+                        <a:srgbClr val="DFE2E5"/>
+                      </a:solidFill>
+                      <a:prstDash val="solid"/>
+                      <a:round/>
+                      <a:headEnd type="none" w="med" len="med"/>
+                      <a:tailEnd type="none" w="med" len="med"/>
+                    </a:lnT>
+                    <a:lnB w="6350" cap="flat" cmpd="sng" algn="ctr">
+                      <a:solidFill>
+                        <a:srgbClr val="DFE2E5"/>
+                      </a:solidFill>
+                      <a:prstDash val="solid"/>
+                      <a:round/>
+                      <a:headEnd type="none" w="med" len="med"/>
+                      <a:tailEnd type="none" w="med" len="med"/>
+                    </a:lnB>
+                    <a:solidFill>
+                      <a:srgbClr val="FFFFFF"/>
+                    </a:solidFill>
+                  </a:tcPr>
+                </a:tc>
+              </a:tr>
+              <a:tr h="0">
+                <a:tc>
+                  <a:txBody>
+                    <a:bodyPr/>
+                    <a:lstStyle/>
+                    <a:p>
+                      <a:r>
+                        <a:rPr lang="en-US" altLang="ja-JP" dirty="0">
+                          <a:effectLst/>
+                        </a:rPr>
+                        <a:t>195</a:t>
+                      </a:r>
+                      <a:r>
+                        <a:rPr lang="ja-JP" altLang="en-US" dirty="0">
+                          <a:effectLst/>
+                        </a:rPr>
+                        <a:t>万円以下</a:t>
+                      </a:r>
+                    </a:p>
+                  </a:txBody>
+                  <a:tcPr marL="82550" marR="82550" marT="38100" marB="38100" anchor="ctr">
+                    <a:lnL w="6350" cap="flat" cmpd="sng" algn="ctr">
+                      <a:solidFill>
+                        <a:srgbClr val="DFE2E5"/>
+                      </a:solidFill>
+                      <a:prstDash val="solid"/>
+                      <a:round/>
+                      <a:headEnd type="none" w="med" len="med"/>
+                      <a:tailEnd type="none" w="med" len="med"/>
+                    </a:lnL>
+                    <a:lnR w="6350" cap="flat" cmpd="sng" algn="ctr">
+                      <a:solidFill>
+                        <a:srgbClr val="DFE2E5"/>
+                      </a:solidFill>
+                      <a:prstDash val="solid"/>
+                      <a:round/>
+                      <a:headEnd type="none" w="med" len="med"/>
+                      <a:tailEnd type="none" w="med" len="med"/>
+                    </a:lnR>
+                    <a:lnT w="6350" cap="flat" cmpd="sng" algn="ctr">
+                      <a:solidFill>
+                        <a:srgbClr val="DFE2E5"/>
+                      </a:solidFill>
+                      <a:prstDash val="solid"/>
+                      <a:round/>
+                      <a:headEnd type="none" w="med" len="med"/>
+                      <a:tailEnd type="none" w="med" len="med"/>
+                    </a:lnT>
+                    <a:lnB w="6350" cap="flat" cmpd="sng" algn="ctr">
+                      <a:solidFill>
+                        <a:srgbClr val="DFE2E5"/>
+                      </a:solidFill>
+                      <a:prstDash val="solid"/>
+                      <a:round/>
+                      <a:headEnd type="none" w="med" len="med"/>
+                      <a:tailEnd type="none" w="med" len="med"/>
+                    </a:lnB>
+                    <a:solidFill>
+                      <a:srgbClr val="F6F8FA"/>
+                    </a:solidFill>
+                  </a:tcPr>
+                </a:tc>
+                <a:tc>
+                  <a:txBody>
+                    <a:bodyPr/>
+                    <a:lstStyle/>
+                    <a:p>
+                      <a:r>
+                        <a:rPr lang="en-US" altLang="ja-JP">
+                          <a:effectLst/>
+                        </a:rPr>
+                        <a:t>5%</a:t>
+                      </a:r>
+                    </a:p>
+                  </a:txBody>
+                  <a:tcPr marL="82550" marR="82550" marT="38100" marB="38100" anchor="ctr">
+                    <a:lnL w="6350" cap="flat" cmpd="sng" algn="ctr">
+                      <a:solidFill>
+                        <a:srgbClr val="DFE2E5"/>
+                      </a:solidFill>
+                      <a:prstDash val="solid"/>
+                      <a:round/>
+                      <a:headEnd type="none" w="med" len="med"/>
+                      <a:tailEnd type="none" w="med" len="med"/>
+                    </a:lnL>
+                    <a:lnR w="6350" cap="flat" cmpd="sng" algn="ctr">
+                      <a:solidFill>
+                        <a:srgbClr val="DFE2E5"/>
+                      </a:solidFill>
+                      <a:prstDash val="solid"/>
+                      <a:round/>
+                      <a:headEnd type="none" w="med" len="med"/>
+                      <a:tailEnd type="none" w="med" len="med"/>
+                    </a:lnR>
+                    <a:lnT w="6350" cap="flat" cmpd="sng" algn="ctr">
+                      <a:solidFill>
+                        <a:srgbClr val="DFE2E5"/>
+                      </a:solidFill>
+                      <a:prstDash val="solid"/>
+                      <a:round/>
+                      <a:headEnd type="none" w="med" len="med"/>
+                      <a:tailEnd type="none" w="med" len="med"/>
+                    </a:lnT>
+                    <a:lnB w="6350" cap="flat" cmpd="sng" algn="ctr">
+                      <a:solidFill>
+                        <a:srgbClr val="DFE2E5"/>
+                      </a:solidFill>
+                      <a:prstDash val="solid"/>
+                      <a:round/>
+                      <a:headEnd type="none" w="med" len="med"/>
+                      <a:tailEnd type="none" w="med" len="med"/>
+                    </a:lnB>
+                    <a:solidFill>
+                      <a:srgbClr val="F6F8FA"/>
+                    </a:solidFill>
+                  </a:tcPr>
+                </a:tc>
+                <a:tc>
+                  <a:txBody>
+                    <a:bodyPr/>
+                    <a:lstStyle/>
+                    <a:p>
+                      <a:r>
+                        <a:rPr lang="en-US" altLang="ja-JP">
+                          <a:effectLst/>
+                        </a:rPr>
+                        <a:t>0</a:t>
+                      </a:r>
+                      <a:r>
+                        <a:rPr lang="ja-JP" altLang="en-US">
+                          <a:effectLst/>
+                        </a:rPr>
+                        <a:t>円</a:t>
+                      </a:r>
+                    </a:p>
+                  </a:txBody>
+                  <a:tcPr marL="82550" marR="82550" marT="38100" marB="38100" anchor="ctr">
+                    <a:lnL w="6350" cap="flat" cmpd="sng" algn="ctr">
+                      <a:solidFill>
+                        <a:srgbClr val="DFE2E5"/>
+                      </a:solidFill>
+                      <a:prstDash val="solid"/>
+                      <a:round/>
+                      <a:headEnd type="none" w="med" len="med"/>
+                      <a:tailEnd type="none" w="med" len="med"/>
+                    </a:lnL>
+                    <a:lnR w="6350" cap="flat" cmpd="sng" algn="ctr">
+                      <a:solidFill>
+                        <a:srgbClr val="DFE2E5"/>
+                      </a:solidFill>
+                      <a:prstDash val="solid"/>
+                      <a:round/>
+                      <a:headEnd type="none" w="med" len="med"/>
+                      <a:tailEnd type="none" w="med" len="med"/>
+                    </a:lnR>
+                    <a:lnT w="6350" cap="flat" cmpd="sng" algn="ctr">
+                      <a:solidFill>
+                        <a:srgbClr val="DFE2E5"/>
+                      </a:solidFill>
+                      <a:prstDash val="solid"/>
+                      <a:round/>
+                      <a:headEnd type="none" w="med" len="med"/>
+                      <a:tailEnd type="none" w="med" len="med"/>
+                    </a:lnT>
+                    <a:lnB w="6350" cap="flat" cmpd="sng" algn="ctr">
+                      <a:solidFill>
+                        <a:srgbClr val="DFE2E5"/>
+                      </a:solidFill>
+                      <a:prstDash val="solid"/>
+                      <a:round/>
+                      <a:headEnd type="none" w="med" len="med"/>
+                      <a:tailEnd type="none" w="med" len="med"/>
+                    </a:lnB>
+                    <a:solidFill>
+                      <a:srgbClr val="F6F8FA"/>
+                    </a:solidFill>
+                  </a:tcPr>
+                </a:tc>
+              </a:tr>
+              <a:tr h="0">
+                <a:tc>
+                  <a:txBody>
+                    <a:bodyPr/>
+                    <a:lstStyle/>
+                    <a:p>
+                      <a:r>
+                        <a:rPr lang="en-US" altLang="ja-JP" dirty="0">
+                          <a:effectLst/>
+                        </a:rPr>
+                        <a:t>195</a:t>
+                      </a:r>
+                      <a:r>
+                        <a:rPr lang="ja-JP" altLang="en-US" dirty="0">
+                          <a:effectLst/>
+                        </a:rPr>
+                        <a:t>万円超</a:t>
+                      </a:r>
+                      <a:r>
+                        <a:rPr lang="en-US" altLang="ja-JP" dirty="0">
+                          <a:effectLst/>
+                        </a:rPr>
+                        <a:t>〜330</a:t>
+                      </a:r>
+                      <a:r>
+                        <a:rPr lang="ja-JP" altLang="en-US" dirty="0">
+                          <a:effectLst/>
+                        </a:rPr>
+                        <a:t>万円以下</a:t>
+                      </a:r>
+                    </a:p>
+                  </a:txBody>
+                  <a:tcPr marL="82550" marR="82550" marT="38100" marB="38100" anchor="ctr">
+                    <a:lnL w="6350" cap="flat" cmpd="sng" algn="ctr">
+                      <a:solidFill>
+                        <a:srgbClr val="DFE2E5"/>
+                      </a:solidFill>
+                      <a:prstDash val="solid"/>
+                      <a:round/>
+                      <a:headEnd type="none" w="med" len="med"/>
+                      <a:tailEnd type="none" w="med" len="med"/>
+                    </a:lnL>
+                    <a:lnR w="6350" cap="flat" cmpd="sng" algn="ctr">
+                      <a:solidFill>
+                        <a:srgbClr val="DFE2E5"/>
+                      </a:solidFill>
+                      <a:prstDash val="solid"/>
+                      <a:round/>
+                      <a:headEnd type="none" w="med" len="med"/>
+                      <a:tailEnd type="none" w="med" len="med"/>
+                    </a:lnR>
+                    <a:lnT w="6350" cap="flat" cmpd="sng" algn="ctr">
+                      <a:solidFill>
+                        <a:srgbClr val="DFE2E5"/>
+                      </a:solidFill>
+                      <a:prstDash val="solid"/>
+                      <a:round/>
+                      <a:headEnd type="none" w="med" len="med"/>
+                      <a:tailEnd type="none" w="med" len="med"/>
+                    </a:lnT>
+                    <a:lnB w="6350" cap="flat" cmpd="sng" algn="ctr">
+                      <a:solidFill>
+                        <a:srgbClr val="DFE2E5"/>
+                      </a:solidFill>
+                      <a:prstDash val="solid"/>
+                      <a:round/>
+                      <a:headEnd type="none" w="med" len="med"/>
+                      <a:tailEnd type="none" w="med" len="med"/>
+                    </a:lnB>
+                    <a:solidFill>
+                      <a:srgbClr val="FFFFFF"/>
+                    </a:solidFill>
+                  </a:tcPr>
+                </a:tc>
+                <a:tc>
+                  <a:txBody>
+                    <a:bodyPr/>
+                    <a:lstStyle/>
+                    <a:p>
+                      <a:r>
+                        <a:rPr lang="en-US" altLang="ja-JP">
+                          <a:effectLst/>
+                        </a:rPr>
+                        <a:t>10%</a:t>
+                      </a:r>
+                    </a:p>
+                  </a:txBody>
+                  <a:tcPr marL="82550" marR="82550" marT="38100" marB="38100" anchor="ctr">
+                    <a:lnL w="6350" cap="flat" cmpd="sng" algn="ctr">
+                      <a:solidFill>
+                        <a:srgbClr val="DFE2E5"/>
+                      </a:solidFill>
+                      <a:prstDash val="solid"/>
+                      <a:round/>
+                      <a:headEnd type="none" w="med" len="med"/>
+                      <a:tailEnd type="none" w="med" len="med"/>
+                    </a:lnL>
+                    <a:lnR w="6350" cap="flat" cmpd="sng" algn="ctr">
+                      <a:solidFill>
+                        <a:srgbClr val="DFE2E5"/>
+                      </a:solidFill>
+                      <a:prstDash val="solid"/>
+                      <a:round/>
+                      <a:headEnd type="none" w="med" len="med"/>
+                      <a:tailEnd type="none" w="med" len="med"/>
+                    </a:lnR>
+                    <a:lnT w="6350" cap="flat" cmpd="sng" algn="ctr">
+                      <a:solidFill>
+                        <a:srgbClr val="DFE2E5"/>
+                      </a:solidFill>
+                      <a:prstDash val="solid"/>
+                      <a:round/>
+                      <a:headEnd type="none" w="med" len="med"/>
+                      <a:tailEnd type="none" w="med" len="med"/>
+                    </a:lnT>
+                    <a:lnB w="6350" cap="flat" cmpd="sng" algn="ctr">
+                      <a:solidFill>
+                        <a:srgbClr val="DFE2E5"/>
+                      </a:solidFill>
+                      <a:prstDash val="solid"/>
+                      <a:round/>
+                      <a:headEnd type="none" w="med" len="med"/>
+                      <a:tailEnd type="none" w="med" len="med"/>
+                    </a:lnB>
+                    <a:solidFill>
+                      <a:srgbClr val="FFFFFF"/>
+                    </a:solidFill>
+                  </a:tcPr>
+                </a:tc>
+                <a:tc>
+                  <a:txBody>
+                    <a:bodyPr/>
+                    <a:lstStyle/>
+                    <a:p>
+                      <a:r>
+                        <a:rPr lang="en-US" altLang="ja-JP">
+                          <a:effectLst/>
+                        </a:rPr>
+                        <a:t>97,500</a:t>
+                      </a:r>
+                      <a:r>
+                        <a:rPr lang="ja-JP" altLang="en-US">
+                          <a:effectLst/>
+                        </a:rPr>
+                        <a:t>円</a:t>
+                      </a:r>
+                    </a:p>
+                  </a:txBody>
+                  <a:tcPr marL="82550" marR="82550" marT="38100" marB="38100" anchor="ctr">
+                    <a:lnL w="6350" cap="flat" cmpd="sng" algn="ctr">
+                      <a:solidFill>
+                        <a:srgbClr val="DFE2E5"/>
+                      </a:solidFill>
+                      <a:prstDash val="solid"/>
+                      <a:round/>
+                      <a:headEnd type="none" w="med" len="med"/>
+                      <a:tailEnd type="none" w="med" len="med"/>
+                    </a:lnL>
+                    <a:lnR w="6350" cap="flat" cmpd="sng" algn="ctr">
+                      <a:solidFill>
+                        <a:srgbClr val="DFE2E5"/>
+                      </a:solidFill>
+                      <a:prstDash val="solid"/>
+                      <a:round/>
+                      <a:headEnd type="none" w="med" len="med"/>
+                      <a:tailEnd type="none" w="med" len="med"/>
+                    </a:lnR>
+                    <a:lnT w="6350" cap="flat" cmpd="sng" algn="ctr">
+                      <a:solidFill>
+                        <a:srgbClr val="DFE2E5"/>
+                      </a:solidFill>
+                      <a:prstDash val="solid"/>
+                      <a:round/>
+                      <a:headEnd type="none" w="med" len="med"/>
+                      <a:tailEnd type="none" w="med" len="med"/>
+                    </a:lnT>
+                    <a:lnB w="6350" cap="flat" cmpd="sng" algn="ctr">
+                      <a:solidFill>
+                        <a:srgbClr val="DFE2E5"/>
+                      </a:solidFill>
+                      <a:prstDash val="solid"/>
+                      <a:round/>
+                      <a:headEnd type="none" w="med" len="med"/>
+                      <a:tailEnd type="none" w="med" len="med"/>
+                    </a:lnB>
+                    <a:solidFill>
+                      <a:srgbClr val="FFFFFF"/>
+                    </a:solidFill>
+                  </a:tcPr>
+                </a:tc>
+              </a:tr>
+              <a:tr h="0">
+                <a:tc>
+                  <a:txBody>
+                    <a:bodyPr/>
+                    <a:lstStyle/>
+                    <a:p>
+                      <a:r>
+                        <a:rPr lang="en-US" altLang="ja-JP" dirty="0">
+                          <a:effectLst/>
+                        </a:rPr>
+                        <a:t>330</a:t>
+                      </a:r>
+                      <a:r>
+                        <a:rPr lang="ja-JP" altLang="en-US" dirty="0">
+                          <a:effectLst/>
+                        </a:rPr>
+                        <a:t>万円超</a:t>
+                      </a:r>
+                      <a:r>
+                        <a:rPr lang="en-US" altLang="ja-JP" dirty="0">
+                          <a:effectLst/>
+                        </a:rPr>
+                        <a:t>〜695</a:t>
+                      </a:r>
+                      <a:r>
+                        <a:rPr lang="ja-JP" altLang="en-US" dirty="0">
+                          <a:effectLst/>
+                        </a:rPr>
+                        <a:t>万円以下</a:t>
+                      </a:r>
+                    </a:p>
+                  </a:txBody>
+                  <a:tcPr marL="82550" marR="82550" marT="38100" marB="38100" anchor="ctr">
+                    <a:lnL w="6350" cap="flat" cmpd="sng" algn="ctr">
+                      <a:solidFill>
+                        <a:srgbClr val="DFE2E5"/>
+                      </a:solidFill>
+                      <a:prstDash val="solid"/>
+                      <a:round/>
+                      <a:headEnd type="none" w="med" len="med"/>
+                      <a:tailEnd type="none" w="med" len="med"/>
+                    </a:lnL>
+                    <a:lnR w="6350" cap="flat" cmpd="sng" algn="ctr">
+                      <a:solidFill>
+                        <a:srgbClr val="DFE2E5"/>
+                      </a:solidFill>
+                      <a:prstDash val="solid"/>
+                      <a:round/>
+                      <a:headEnd type="none" w="med" len="med"/>
+                      <a:tailEnd type="none" w="med" len="med"/>
+                    </a:lnR>
+                    <a:lnT w="6350" cap="flat" cmpd="sng" algn="ctr">
+                      <a:solidFill>
+                        <a:srgbClr val="DFE2E5"/>
+                      </a:solidFill>
+                      <a:prstDash val="solid"/>
+                      <a:round/>
+                      <a:headEnd type="none" w="med" len="med"/>
+                      <a:tailEnd type="none" w="med" len="med"/>
+                    </a:lnT>
+                    <a:lnB w="6350" cap="flat" cmpd="sng" algn="ctr">
+                      <a:solidFill>
+                        <a:srgbClr val="DFE2E5"/>
+                      </a:solidFill>
+                      <a:prstDash val="solid"/>
+                      <a:round/>
+                      <a:headEnd type="none" w="med" len="med"/>
+                      <a:tailEnd type="none" w="med" len="med"/>
+                    </a:lnB>
+                    <a:solidFill>
+                      <a:srgbClr val="F6F8FA"/>
+                    </a:solidFill>
+                  </a:tcPr>
+                </a:tc>
+                <a:tc>
+                  <a:txBody>
+                    <a:bodyPr/>
+                    <a:lstStyle/>
+                    <a:p>
+                      <a:r>
+                        <a:rPr lang="en-US" altLang="ja-JP" dirty="0">
+                          <a:solidFill>
+                            <a:srgbClr val="FF0000"/>
+                          </a:solidFill>
+                          <a:effectLst/>
+                        </a:rPr>
+                        <a:t>20%</a:t>
+                      </a:r>
+                    </a:p>
+                  </a:txBody>
+                  <a:tcPr marL="82550" marR="82550" marT="38100" marB="38100" anchor="ctr">
+                    <a:lnL w="6350" cap="flat" cmpd="sng" algn="ctr">
+                      <a:solidFill>
+                        <a:srgbClr val="DFE2E5"/>
+                      </a:solidFill>
+                      <a:prstDash val="solid"/>
+                      <a:round/>
+                      <a:headEnd type="none" w="med" len="med"/>
+                      <a:tailEnd type="none" w="med" len="med"/>
+                    </a:lnL>
+                    <a:lnR w="6350" cap="flat" cmpd="sng" algn="ctr">
+                      <a:solidFill>
+                        <a:srgbClr val="DFE2E5"/>
+                      </a:solidFill>
+                      <a:prstDash val="solid"/>
+                      <a:round/>
+                      <a:headEnd type="none" w="med" len="med"/>
+                      <a:tailEnd type="none" w="med" len="med"/>
+                    </a:lnR>
+                    <a:lnT w="6350" cap="flat" cmpd="sng" algn="ctr">
+                      <a:solidFill>
+                        <a:srgbClr val="DFE2E5"/>
+                      </a:solidFill>
+                      <a:prstDash val="solid"/>
+                      <a:round/>
+                      <a:headEnd type="none" w="med" len="med"/>
+                      <a:tailEnd type="none" w="med" len="med"/>
+                    </a:lnT>
+                    <a:lnB w="6350" cap="flat" cmpd="sng" algn="ctr">
+                      <a:solidFill>
+                        <a:srgbClr val="DFE2E5"/>
+                      </a:solidFill>
+                      <a:prstDash val="solid"/>
+                      <a:round/>
+                      <a:headEnd type="none" w="med" len="med"/>
+                      <a:tailEnd type="none" w="med" len="med"/>
+                    </a:lnB>
+                    <a:solidFill>
+                      <a:srgbClr val="F6F8FA"/>
+                    </a:solidFill>
+                  </a:tcPr>
+                </a:tc>
+                <a:tc>
+                  <a:txBody>
+                    <a:bodyPr/>
+                    <a:lstStyle/>
+                    <a:p>
+                      <a:r>
+                        <a:rPr lang="en-US" altLang="ja-JP">
+                          <a:effectLst/>
+                        </a:rPr>
+                        <a:t>427,500</a:t>
+                      </a:r>
+                      <a:r>
+                        <a:rPr lang="ja-JP" altLang="en-US">
+                          <a:effectLst/>
+                        </a:rPr>
+                        <a:t>円</a:t>
+                      </a:r>
+                    </a:p>
+                  </a:txBody>
+                  <a:tcPr marL="82550" marR="82550" marT="38100" marB="38100" anchor="ctr">
+                    <a:lnL w="6350" cap="flat" cmpd="sng" algn="ctr">
+                      <a:solidFill>
+                        <a:srgbClr val="DFE2E5"/>
+                      </a:solidFill>
+                      <a:prstDash val="solid"/>
+                      <a:round/>
+                      <a:headEnd type="none" w="med" len="med"/>
+                      <a:tailEnd type="none" w="med" len="med"/>
+                    </a:lnL>
+                    <a:lnR w="6350" cap="flat" cmpd="sng" algn="ctr">
+                      <a:solidFill>
+                        <a:srgbClr val="DFE2E5"/>
+                      </a:solidFill>
+                      <a:prstDash val="solid"/>
+                      <a:round/>
+                      <a:headEnd type="none" w="med" len="med"/>
+                      <a:tailEnd type="none" w="med" len="med"/>
+                    </a:lnR>
+                    <a:lnT w="6350" cap="flat" cmpd="sng" algn="ctr">
+                      <a:solidFill>
+                        <a:srgbClr val="DFE2E5"/>
+                      </a:solidFill>
+                      <a:prstDash val="solid"/>
+                      <a:round/>
+                      <a:headEnd type="none" w="med" len="med"/>
+                      <a:tailEnd type="none" w="med" len="med"/>
+                    </a:lnT>
+                    <a:lnB w="6350" cap="flat" cmpd="sng" algn="ctr">
+                      <a:solidFill>
+                        <a:srgbClr val="DFE2E5"/>
+                      </a:solidFill>
+                      <a:prstDash val="solid"/>
+                      <a:round/>
+                      <a:headEnd type="none" w="med" len="med"/>
+                      <a:tailEnd type="none" w="med" len="med"/>
+                    </a:lnB>
+                    <a:solidFill>
+                      <a:srgbClr val="F6F8FA"/>
+                    </a:solidFill>
+                  </a:tcPr>
+                </a:tc>
+              </a:tr>
+              <a:tr h="0">
+                <a:tc>
+                  <a:txBody>
+                    <a:bodyPr/>
+                    <a:lstStyle/>
+                    <a:p>
+                      <a:r>
+                        <a:rPr lang="en-US" altLang="ja-JP">
+                          <a:effectLst/>
+                        </a:rPr>
+                        <a:t>695</a:t>
+                      </a:r>
+                      <a:r>
+                        <a:rPr lang="ja-JP" altLang="en-US">
+                          <a:effectLst/>
+                        </a:rPr>
+                        <a:t>万円超</a:t>
+                      </a:r>
+                      <a:r>
+                        <a:rPr lang="en-US" altLang="ja-JP">
+                          <a:effectLst/>
+                        </a:rPr>
+                        <a:t>〜900</a:t>
+                      </a:r>
+                      <a:r>
+                        <a:rPr lang="ja-JP" altLang="en-US">
+                          <a:effectLst/>
+                        </a:rPr>
+                        <a:t>万円以下</a:t>
+                      </a:r>
+                    </a:p>
+                  </a:txBody>
+                  <a:tcPr marL="82550" marR="82550" marT="38100" marB="38100" anchor="ctr">
+                    <a:lnL w="6350" cap="flat" cmpd="sng" algn="ctr">
+                      <a:solidFill>
+                        <a:srgbClr val="DFE2E5"/>
+                      </a:solidFill>
+                      <a:prstDash val="solid"/>
+                      <a:round/>
+                      <a:headEnd type="none" w="med" len="med"/>
+                      <a:tailEnd type="none" w="med" len="med"/>
+                    </a:lnL>
+                    <a:lnR w="6350" cap="flat" cmpd="sng" algn="ctr">
+                      <a:solidFill>
+                        <a:srgbClr val="DFE2E5"/>
+                      </a:solidFill>
+                      <a:prstDash val="solid"/>
+                      <a:round/>
+                      <a:headEnd type="none" w="med" len="med"/>
+                      <a:tailEnd type="none" w="med" len="med"/>
+                    </a:lnR>
+                    <a:lnT w="6350" cap="flat" cmpd="sng" algn="ctr">
+                      <a:solidFill>
+                        <a:srgbClr val="DFE2E5"/>
+                      </a:solidFill>
+                      <a:prstDash val="solid"/>
+                      <a:round/>
+                      <a:headEnd type="none" w="med" len="med"/>
+                      <a:tailEnd type="none" w="med" len="med"/>
+                    </a:lnT>
+                    <a:lnB w="6350" cap="flat" cmpd="sng" algn="ctr">
+                      <a:solidFill>
+                        <a:srgbClr val="DFE2E5"/>
+                      </a:solidFill>
+                      <a:prstDash val="solid"/>
+                      <a:round/>
+                      <a:headEnd type="none" w="med" len="med"/>
+                      <a:tailEnd type="none" w="med" len="med"/>
+                    </a:lnB>
+                    <a:solidFill>
+                      <a:srgbClr val="FFFFFF"/>
+                    </a:solidFill>
+                  </a:tcPr>
+                </a:tc>
+                <a:tc>
+                  <a:txBody>
+                    <a:bodyPr/>
+                    <a:lstStyle/>
+                    <a:p>
+                      <a:r>
+                        <a:rPr lang="en-US" altLang="ja-JP">
+                          <a:solidFill>
+                            <a:srgbClr val="FF0000"/>
+                          </a:solidFill>
+                          <a:effectLst/>
+                        </a:rPr>
+                        <a:t>23%</a:t>
+                      </a:r>
+                    </a:p>
+                  </a:txBody>
+                  <a:tcPr marL="82550" marR="82550" marT="38100" marB="38100" anchor="ctr">
+                    <a:lnL w="6350" cap="flat" cmpd="sng" algn="ctr">
+                      <a:solidFill>
+                        <a:srgbClr val="DFE2E5"/>
+                      </a:solidFill>
+                      <a:prstDash val="solid"/>
+                      <a:round/>
+                      <a:headEnd type="none" w="med" len="med"/>
+                      <a:tailEnd type="none" w="med" len="med"/>
+                    </a:lnL>
+                    <a:lnR w="6350" cap="flat" cmpd="sng" algn="ctr">
+                      <a:solidFill>
+                        <a:srgbClr val="DFE2E5"/>
+                      </a:solidFill>
+                      <a:prstDash val="solid"/>
+                      <a:round/>
+                      <a:headEnd type="none" w="med" len="med"/>
+                      <a:tailEnd type="none" w="med" len="med"/>
+                    </a:lnR>
+                    <a:lnT w="6350" cap="flat" cmpd="sng" algn="ctr">
+                      <a:solidFill>
+                        <a:srgbClr val="DFE2E5"/>
+                      </a:solidFill>
+                      <a:prstDash val="solid"/>
+                      <a:round/>
+                      <a:headEnd type="none" w="med" len="med"/>
+                      <a:tailEnd type="none" w="med" len="med"/>
+                    </a:lnT>
+                    <a:lnB w="6350" cap="flat" cmpd="sng" algn="ctr">
+                      <a:solidFill>
+                        <a:srgbClr val="DFE2E5"/>
+                      </a:solidFill>
+                      <a:prstDash val="solid"/>
+                      <a:round/>
+                      <a:headEnd type="none" w="med" len="med"/>
+                      <a:tailEnd type="none" w="med" len="med"/>
+                    </a:lnB>
+                    <a:solidFill>
+                      <a:srgbClr val="FFFFFF"/>
+                    </a:solidFill>
+                  </a:tcPr>
+                </a:tc>
+                <a:tc>
+                  <a:txBody>
+                    <a:bodyPr/>
+                    <a:lstStyle/>
+                    <a:p>
+                      <a:r>
+                        <a:rPr lang="en-US" altLang="ja-JP">
+                          <a:effectLst/>
+                        </a:rPr>
+                        <a:t>636,000</a:t>
+                      </a:r>
+                      <a:r>
+                        <a:rPr lang="ja-JP" altLang="en-US">
+                          <a:effectLst/>
+                        </a:rPr>
+                        <a:t>円</a:t>
+                      </a:r>
+                    </a:p>
+                  </a:txBody>
+                  <a:tcPr marL="82550" marR="82550" marT="38100" marB="38100" anchor="ctr">
+                    <a:lnL w="6350" cap="flat" cmpd="sng" algn="ctr">
+                      <a:solidFill>
+                        <a:srgbClr val="DFE2E5"/>
+                      </a:solidFill>
+                      <a:prstDash val="solid"/>
+                      <a:round/>
+                      <a:headEnd type="none" w="med" len="med"/>
+                      <a:tailEnd type="none" w="med" len="med"/>
+                    </a:lnL>
+                    <a:lnR w="6350" cap="flat" cmpd="sng" algn="ctr">
+                      <a:solidFill>
+                        <a:srgbClr val="DFE2E5"/>
+                      </a:solidFill>
+                      <a:prstDash val="solid"/>
+                      <a:round/>
+                      <a:headEnd type="none" w="med" len="med"/>
+                      <a:tailEnd type="none" w="med" len="med"/>
+                    </a:lnR>
+                    <a:lnT w="6350" cap="flat" cmpd="sng" algn="ctr">
+                      <a:solidFill>
+                        <a:srgbClr val="DFE2E5"/>
+                      </a:solidFill>
+                      <a:prstDash val="solid"/>
+                      <a:round/>
+                      <a:headEnd type="none" w="med" len="med"/>
+                      <a:tailEnd type="none" w="med" len="med"/>
+                    </a:lnT>
+                    <a:lnB w="6350" cap="flat" cmpd="sng" algn="ctr">
+                      <a:solidFill>
+                        <a:srgbClr val="DFE2E5"/>
+                      </a:solidFill>
+                      <a:prstDash val="solid"/>
+                      <a:round/>
+                      <a:headEnd type="none" w="med" len="med"/>
+                      <a:tailEnd type="none" w="med" len="med"/>
+                    </a:lnB>
+                    <a:solidFill>
+                      <a:srgbClr val="FFFFFF"/>
+                    </a:solidFill>
+                  </a:tcPr>
+                </a:tc>
+              </a:tr>
+              <a:tr h="0">
+                <a:tc>
+                  <a:txBody>
+                    <a:bodyPr/>
+                    <a:lstStyle/>
+                    <a:p>
+                      <a:r>
+                        <a:rPr lang="en-US" altLang="ja-JP">
+                          <a:effectLst/>
+                        </a:rPr>
+                        <a:t>900</a:t>
+                      </a:r>
+                      <a:r>
+                        <a:rPr lang="ja-JP" altLang="en-US">
+                          <a:effectLst/>
+                        </a:rPr>
+                        <a:t>万円超</a:t>
+                      </a:r>
+                      <a:r>
+                        <a:rPr lang="en-US" altLang="ja-JP">
+                          <a:effectLst/>
+                        </a:rPr>
+                        <a:t>〜1,800</a:t>
+                      </a:r>
+                      <a:r>
+                        <a:rPr lang="ja-JP" altLang="en-US">
+                          <a:effectLst/>
+                        </a:rPr>
+                        <a:t>万円以下</a:t>
+                      </a:r>
+                    </a:p>
+                  </a:txBody>
+                  <a:tcPr marL="82550" marR="82550" marT="38100" marB="38100" anchor="ctr">
+                    <a:lnL w="6350" cap="flat" cmpd="sng" algn="ctr">
+                      <a:solidFill>
+                        <a:srgbClr val="DFE2E5"/>
+                      </a:solidFill>
+                      <a:prstDash val="solid"/>
+                      <a:round/>
+                      <a:headEnd type="none" w="med" len="med"/>
+                      <a:tailEnd type="none" w="med" len="med"/>
+                    </a:lnL>
+                    <a:lnR w="6350" cap="flat" cmpd="sng" algn="ctr">
+                      <a:solidFill>
+                        <a:srgbClr val="DFE2E5"/>
+                      </a:solidFill>
+                      <a:prstDash val="solid"/>
+                      <a:round/>
+                      <a:headEnd type="none" w="med" len="med"/>
+                      <a:tailEnd type="none" w="med" len="med"/>
+                    </a:lnR>
+                    <a:lnT w="6350" cap="flat" cmpd="sng" algn="ctr">
+                      <a:solidFill>
+                        <a:srgbClr val="DFE2E5"/>
+                      </a:solidFill>
+                      <a:prstDash val="solid"/>
+                      <a:round/>
+                      <a:headEnd type="none" w="med" len="med"/>
+                      <a:tailEnd type="none" w="med" len="med"/>
+                    </a:lnT>
+                    <a:lnB w="6350" cap="flat" cmpd="sng" algn="ctr">
+                      <a:solidFill>
+                        <a:srgbClr val="DFE2E5"/>
+                      </a:solidFill>
+                      <a:prstDash val="solid"/>
+                      <a:round/>
+                      <a:headEnd type="none" w="med" len="med"/>
+                      <a:tailEnd type="none" w="med" len="med"/>
+                    </a:lnB>
+                    <a:solidFill>
+                      <a:srgbClr val="F6F8FA"/>
+                    </a:solidFill>
+                  </a:tcPr>
+                </a:tc>
+                <a:tc>
+                  <a:txBody>
+                    <a:bodyPr/>
+                    <a:lstStyle/>
+                    <a:p>
+                      <a:r>
+                        <a:rPr lang="en-US" altLang="ja-JP" dirty="0">
+                          <a:solidFill>
+                            <a:srgbClr val="FF0000"/>
+                          </a:solidFill>
+                          <a:effectLst/>
+                        </a:rPr>
+                        <a:t>33%</a:t>
+                      </a:r>
+                    </a:p>
+                  </a:txBody>
+                  <a:tcPr marL="82550" marR="82550" marT="38100" marB="38100" anchor="ctr">
+                    <a:lnL w="6350" cap="flat" cmpd="sng" algn="ctr">
+                      <a:solidFill>
+                        <a:srgbClr val="DFE2E5"/>
+                      </a:solidFill>
+                      <a:prstDash val="solid"/>
+                      <a:round/>
+                      <a:headEnd type="none" w="med" len="med"/>
+                      <a:tailEnd type="none" w="med" len="med"/>
+                    </a:lnL>
+                    <a:lnR w="6350" cap="flat" cmpd="sng" algn="ctr">
+                      <a:solidFill>
+                        <a:srgbClr val="DFE2E5"/>
+                      </a:solidFill>
+                      <a:prstDash val="solid"/>
+                      <a:round/>
+                      <a:headEnd type="none" w="med" len="med"/>
+                      <a:tailEnd type="none" w="med" len="med"/>
+                    </a:lnR>
+                    <a:lnT w="6350" cap="flat" cmpd="sng" algn="ctr">
+                      <a:solidFill>
+                        <a:srgbClr val="DFE2E5"/>
+                      </a:solidFill>
+                      <a:prstDash val="solid"/>
+                      <a:round/>
+                      <a:headEnd type="none" w="med" len="med"/>
+                      <a:tailEnd type="none" w="med" len="med"/>
+                    </a:lnT>
+                    <a:lnB w="6350" cap="flat" cmpd="sng" algn="ctr">
+                      <a:solidFill>
+                        <a:srgbClr val="DFE2E5"/>
+                      </a:solidFill>
+                      <a:prstDash val="solid"/>
+                      <a:round/>
+                      <a:headEnd type="none" w="med" len="med"/>
+                      <a:tailEnd type="none" w="med" len="med"/>
+                    </a:lnB>
+                    <a:solidFill>
+                      <a:srgbClr val="F6F8FA"/>
+                    </a:solidFill>
+                  </a:tcPr>
+                </a:tc>
+                <a:tc>
+                  <a:txBody>
+                    <a:bodyPr/>
+                    <a:lstStyle/>
+                    <a:p>
+                      <a:r>
+                        <a:rPr lang="en-US" altLang="ja-JP">
+                          <a:effectLst/>
+                        </a:rPr>
+                        <a:t>1,536,000</a:t>
+                      </a:r>
+                      <a:r>
+                        <a:rPr lang="ja-JP" altLang="en-US">
+                          <a:effectLst/>
+                        </a:rPr>
+                        <a:t>円</a:t>
+                      </a:r>
+                    </a:p>
+                  </a:txBody>
+                  <a:tcPr marL="82550" marR="82550" marT="38100" marB="38100" anchor="ctr">
+                    <a:lnL w="6350" cap="flat" cmpd="sng" algn="ctr">
+                      <a:solidFill>
+                        <a:srgbClr val="DFE2E5"/>
+                      </a:solidFill>
+                      <a:prstDash val="solid"/>
+                      <a:round/>
+                      <a:headEnd type="none" w="med" len="med"/>
+                      <a:tailEnd type="none" w="med" len="med"/>
+                    </a:lnL>
+                    <a:lnR w="6350" cap="flat" cmpd="sng" algn="ctr">
+                      <a:solidFill>
+                        <a:srgbClr val="DFE2E5"/>
+                      </a:solidFill>
+                      <a:prstDash val="solid"/>
+                      <a:round/>
+                      <a:headEnd type="none" w="med" len="med"/>
+                      <a:tailEnd type="none" w="med" len="med"/>
+                    </a:lnR>
+                    <a:lnT w="6350" cap="flat" cmpd="sng" algn="ctr">
+                      <a:solidFill>
+                        <a:srgbClr val="DFE2E5"/>
+                      </a:solidFill>
+                      <a:prstDash val="solid"/>
+                      <a:round/>
+                      <a:headEnd type="none" w="med" len="med"/>
+                      <a:tailEnd type="none" w="med" len="med"/>
+                    </a:lnT>
+                    <a:lnB w="6350" cap="flat" cmpd="sng" algn="ctr">
+                      <a:solidFill>
+                        <a:srgbClr val="DFE2E5"/>
+                      </a:solidFill>
+                      <a:prstDash val="solid"/>
+                      <a:round/>
+                      <a:headEnd type="none" w="med" len="med"/>
+                      <a:tailEnd type="none" w="med" len="med"/>
+                    </a:lnB>
+                    <a:solidFill>
+                      <a:srgbClr val="F6F8FA"/>
+                    </a:solidFill>
+                  </a:tcPr>
+                </a:tc>
+              </a:tr>
+              <a:tr h="0">
+                <a:tc>
+                  <a:txBody>
+                    <a:bodyPr/>
+                    <a:lstStyle/>
+                    <a:p>
+                      <a:r>
+                        <a:rPr lang="en-US" altLang="ja-JP" dirty="0">
+                          <a:effectLst/>
+                        </a:rPr>
+                        <a:t>1,800</a:t>
+                      </a:r>
+                      <a:r>
+                        <a:rPr lang="ja-JP" altLang="en-US" dirty="0">
+                          <a:effectLst/>
+                        </a:rPr>
+                        <a:t>万円超</a:t>
+                      </a:r>
+                      <a:r>
+                        <a:rPr lang="en-US" altLang="ja-JP" dirty="0">
+                          <a:effectLst/>
+                        </a:rPr>
+                        <a:t>〜</a:t>
+                      </a:r>
+                    </a:p>
+                  </a:txBody>
+                  <a:tcPr marL="82550" marR="82550" marT="38100" marB="38100" anchor="ctr">
+                    <a:lnL w="6350" cap="flat" cmpd="sng" algn="ctr">
+                      <a:solidFill>
+                        <a:srgbClr val="DFE2E5"/>
+                      </a:solidFill>
+                      <a:prstDash val="solid"/>
+                      <a:round/>
+                      <a:headEnd type="none" w="med" len="med"/>
+                      <a:tailEnd type="none" w="med" len="med"/>
+                    </a:lnL>
+                    <a:lnR w="6350" cap="flat" cmpd="sng" algn="ctr">
+                      <a:solidFill>
+                        <a:srgbClr val="DFE2E5"/>
+                      </a:solidFill>
+                      <a:prstDash val="solid"/>
+                      <a:round/>
+                      <a:headEnd type="none" w="med" len="med"/>
+                      <a:tailEnd type="none" w="med" len="med"/>
+                    </a:lnR>
+                    <a:lnT w="6350" cap="flat" cmpd="sng" algn="ctr">
+                      <a:solidFill>
+                        <a:srgbClr val="DFE2E5"/>
+                      </a:solidFill>
+                      <a:prstDash val="solid"/>
+                      <a:round/>
+                      <a:headEnd type="none" w="med" len="med"/>
+                      <a:tailEnd type="none" w="med" len="med"/>
+                    </a:lnT>
+                    <a:lnB w="6350" cap="flat" cmpd="sng" algn="ctr">
+                      <a:solidFill>
+                        <a:srgbClr val="DFE2E5"/>
+                      </a:solidFill>
+                      <a:prstDash val="solid"/>
+                      <a:round/>
+                      <a:headEnd type="none" w="med" len="med"/>
+                      <a:tailEnd type="none" w="med" len="med"/>
+                    </a:lnB>
+                    <a:solidFill>
+                      <a:srgbClr val="FFFFFF"/>
+                    </a:solidFill>
+                  </a:tcPr>
+                </a:tc>
+                <a:tc>
+                  <a:txBody>
+                    <a:bodyPr/>
+                    <a:lstStyle/>
+                    <a:p>
+                      <a:r>
+                        <a:rPr lang="en-US" altLang="ja-JP">
+                          <a:effectLst/>
+                        </a:rPr>
+                        <a:t>40%</a:t>
+                      </a:r>
+                    </a:p>
+                  </a:txBody>
+                  <a:tcPr marL="82550" marR="82550" marT="38100" marB="38100" anchor="ctr">
+                    <a:lnL w="6350" cap="flat" cmpd="sng" algn="ctr">
+                      <a:solidFill>
+                        <a:srgbClr val="DFE2E5"/>
+                      </a:solidFill>
+                      <a:prstDash val="solid"/>
+                      <a:round/>
+                      <a:headEnd type="none" w="med" len="med"/>
+                      <a:tailEnd type="none" w="med" len="med"/>
+                    </a:lnL>
+                    <a:lnR w="6350" cap="flat" cmpd="sng" algn="ctr">
+                      <a:solidFill>
+                        <a:srgbClr val="DFE2E5"/>
+                      </a:solidFill>
+                      <a:prstDash val="solid"/>
+                      <a:round/>
+                      <a:headEnd type="none" w="med" len="med"/>
+                      <a:tailEnd type="none" w="med" len="med"/>
+                    </a:lnR>
+                    <a:lnT w="6350" cap="flat" cmpd="sng" algn="ctr">
+                      <a:solidFill>
+                        <a:srgbClr val="DFE2E5"/>
+                      </a:solidFill>
+                      <a:prstDash val="solid"/>
+                      <a:round/>
+                      <a:headEnd type="none" w="med" len="med"/>
+                      <a:tailEnd type="none" w="med" len="med"/>
+                    </a:lnT>
+                    <a:lnB w="6350" cap="flat" cmpd="sng" algn="ctr">
+                      <a:solidFill>
+                        <a:srgbClr val="DFE2E5"/>
+                      </a:solidFill>
+                      <a:prstDash val="solid"/>
+                      <a:round/>
+                      <a:headEnd type="none" w="med" len="med"/>
+                      <a:tailEnd type="none" w="med" len="med"/>
+                    </a:lnB>
+                    <a:solidFill>
+                      <a:srgbClr val="FFFFFF"/>
+                    </a:solidFill>
+                  </a:tcPr>
+                </a:tc>
+                <a:tc>
+                  <a:txBody>
+                    <a:bodyPr/>
+                    <a:lstStyle/>
+                    <a:p>
+                      <a:r>
+                        <a:rPr lang="en-US" altLang="ja-JP" dirty="0">
+                          <a:effectLst/>
+                        </a:rPr>
+                        <a:t>2,796,000</a:t>
+                      </a:r>
+                      <a:r>
+                        <a:rPr lang="ja-JP" altLang="en-US" dirty="0">
+                          <a:effectLst/>
+                        </a:rPr>
+                        <a:t>円</a:t>
+                      </a:r>
+                    </a:p>
+                  </a:txBody>
+                  <a:tcPr marL="82550" marR="82550" marT="38100" marB="38100" anchor="ctr">
+                    <a:lnL w="6350" cap="flat" cmpd="sng" algn="ctr">
+                      <a:solidFill>
+                        <a:srgbClr val="DFE2E5"/>
+                      </a:solidFill>
+                      <a:prstDash val="solid"/>
+                      <a:round/>
+                      <a:headEnd type="none" w="med" len="med"/>
+                      <a:tailEnd type="none" w="med" len="med"/>
+                    </a:lnL>
+                    <a:lnR w="6350" cap="flat" cmpd="sng" algn="ctr">
+                      <a:solidFill>
+                        <a:srgbClr val="DFE2E5"/>
+                      </a:solidFill>
+                      <a:prstDash val="solid"/>
+                      <a:round/>
+                      <a:headEnd type="none" w="med" len="med"/>
+                      <a:tailEnd type="none" w="med" len="med"/>
+                    </a:lnR>
+                    <a:lnT w="6350" cap="flat" cmpd="sng" algn="ctr">
+                      <a:solidFill>
+                        <a:srgbClr val="DFE2E5"/>
+                      </a:solidFill>
+                      <a:prstDash val="solid"/>
+                      <a:round/>
+                      <a:headEnd type="none" w="med" len="med"/>
+                      <a:tailEnd type="none" w="med" len="med"/>
+                    </a:lnT>
+                    <a:lnB w="6350" cap="flat" cmpd="sng" algn="ctr">
+                      <a:solidFill>
+                        <a:srgbClr val="DFE2E5"/>
+                      </a:solidFill>
+                      <a:prstDash val="solid"/>
+                      <a:round/>
+                      <a:headEnd type="none" w="med" len="med"/>
+                      <a:tailEnd type="none" w="med" len="med"/>
+                    </a:lnB>
+                    <a:solidFill>
+                      <a:srgbClr val="FFFFFF"/>
+                    </a:solidFill>
+                  </a:tcPr>
+                </a:tc>
+              </a:tr>
+            </a:tbl>
+          </a:graphicData>
+        </a:graphic>
+      </p:graphicFrame>
+      <p:sp>
+        <p:nvSpPr>
+          <p:cNvPr id="8" name="テキスト ボックス 7"/>
+          <p:cNvSpPr txBox="1"/>
+          <p:nvPr/>
+        </p:nvSpPr>
+        <p:spPr>
+          <a:xfrm>
+            <a:off x="1196752" y="-1620688"/>
+            <a:ext cx="2364183" cy="646331"/>
+          </a:xfrm>
+          <a:prstGeom prst="rect">
+            <a:avLst/>
+          </a:prstGeom>
+        </p:spPr>
+        <p:style>
+          <a:lnRef idx="2">
+            <a:schemeClr val="accent2"/>
+          </a:lnRef>
+          <a:fillRef idx="1">
+            <a:schemeClr val="lt1"/>
+          </a:fillRef>
+          <a:effectRef idx="0">
+            <a:schemeClr val="accent2"/>
+          </a:effectRef>
+          <a:fontRef idx="minor">
+            <a:schemeClr val="dk1"/>
+          </a:fontRef>
+        </p:style>
+        <p:txBody>
+          <a:bodyPr wrap="square" rtlCol="0">
+            <a:spAutoFit/>
+          </a:bodyPr>
+          <a:lstStyle/>
+          <a:p>
+            <a:r>
+              <a:rPr kumimoji="1" lang="zh-CN" altLang="en-US" dirty="0" smtClean="0"/>
+              <a:t>税率作为参考，具体多少需要查一下</a:t>
+            </a:r>
+            <a:endParaRPr kumimoji="1" lang="ja-JP" altLang="en-US" dirty="0"/>
+          </a:p>
+        </p:txBody>
+      </p:sp>
+      <p:sp>
+        <p:nvSpPr>
+          <p:cNvPr id="9" name="正方形/長方形 8"/>
+          <p:cNvSpPr/>
+          <p:nvPr/>
+        </p:nvSpPr>
+        <p:spPr>
+          <a:xfrm>
+            <a:off x="-3915816" y="-1518"/>
+            <a:ext cx="3913500" cy="3754874"/>
+          </a:xfrm>
+          <a:prstGeom prst="rect">
+            <a:avLst/>
+          </a:prstGeom>
+        </p:spPr>
+        <p:txBody>
+          <a:bodyPr wrap="square">
+            <a:spAutoFit/>
+          </a:bodyPr>
+          <a:lstStyle/>
+          <a:p>
+            <a:r>
+              <a:rPr lang="ja-JP" altLang="en-US" sz="1400" b="1" dirty="0">
+                <a:solidFill>
+                  <a:srgbClr val="FF0000"/>
+                </a:solidFill>
+              </a:rPr>
+              <a:t>所得金額（</a:t>
+            </a:r>
+            <a:r>
+              <a:rPr lang="en-US" altLang="ja-JP" sz="1400" b="1" dirty="0">
+                <a:solidFill>
+                  <a:srgbClr val="FF0000"/>
+                </a:solidFill>
+              </a:rPr>
+              <a:t>A</a:t>
+            </a:r>
+            <a:r>
+              <a:rPr lang="ja-JP" altLang="en-US" sz="1400" b="1" dirty="0">
+                <a:solidFill>
+                  <a:srgbClr val="FF0000"/>
+                </a:solidFill>
+              </a:rPr>
+              <a:t>）</a:t>
+            </a:r>
+          </a:p>
+          <a:p>
+            <a:r>
+              <a:rPr lang="ja-JP" altLang="en-US" sz="1400" dirty="0"/>
+              <a:t>所得税法では、その性格によって所得を次の</a:t>
+            </a:r>
+            <a:r>
+              <a:rPr lang="en-US" altLang="ja-JP" sz="1400" dirty="0"/>
+              <a:t>10</a:t>
+            </a:r>
+            <a:r>
+              <a:rPr lang="ja-JP" altLang="en-US" sz="1400" dirty="0"/>
+              <a:t>種類に区分している。</a:t>
+            </a:r>
+          </a:p>
+          <a:p>
+            <a:pPr marL="285750" indent="-285750">
+              <a:buFont typeface="Arial" panose="020B0604020202020204" pitchFamily="34" charset="0"/>
+              <a:buChar char="•"/>
+            </a:pPr>
+            <a:r>
+              <a:rPr lang="ja-JP" altLang="en-US" sz="1400" dirty="0"/>
+              <a:t>利子所得（公債、社債、預貯金などの利子）</a:t>
+            </a:r>
+          </a:p>
+          <a:p>
+            <a:pPr marL="285750" indent="-285750">
+              <a:buFont typeface="Arial" panose="020B0604020202020204" pitchFamily="34" charset="0"/>
+              <a:buChar char="•"/>
+            </a:pPr>
+            <a:r>
+              <a:rPr lang="ja-JP" altLang="en-US" sz="1400" dirty="0"/>
+              <a:t>配当所得（株式や出資の配当など）</a:t>
+            </a:r>
+          </a:p>
+          <a:p>
+            <a:pPr marL="285750" indent="-285750">
+              <a:buFont typeface="Arial" panose="020B0604020202020204" pitchFamily="34" charset="0"/>
+              <a:buChar char="•"/>
+            </a:pPr>
+            <a:r>
+              <a:rPr lang="ja-JP" altLang="en-US" sz="1400" dirty="0"/>
+              <a:t>不動産所得（地代、家賃、権利金など）</a:t>
+            </a:r>
+          </a:p>
+          <a:p>
+            <a:pPr marL="285750" indent="-285750">
+              <a:buFont typeface="Arial" panose="020B0604020202020204" pitchFamily="34" charset="0"/>
+              <a:buChar char="•"/>
+            </a:pPr>
+            <a:r>
+              <a:rPr lang="ja-JP" altLang="en-US" sz="1400" dirty="0"/>
+              <a:t>事業所得（事業をしている場合に生じる所得）</a:t>
+            </a:r>
+          </a:p>
+          <a:p>
+            <a:pPr marL="285750" indent="-285750">
+              <a:buFont typeface="Arial" panose="020B0604020202020204" pitchFamily="34" charset="0"/>
+              <a:buChar char="•"/>
+            </a:pPr>
+            <a:r>
+              <a:rPr lang="ja-JP" altLang="en-US" sz="1400" b="1" dirty="0"/>
+              <a:t>給与所得</a:t>
+            </a:r>
+            <a:r>
+              <a:rPr lang="ja-JP" altLang="en-US" sz="1400" dirty="0"/>
+              <a:t>（勤務先から受ける給料、賞与などの所得）</a:t>
+            </a:r>
+          </a:p>
+          <a:p>
+            <a:pPr marL="285750" indent="-285750">
+              <a:buFont typeface="Arial" panose="020B0604020202020204" pitchFamily="34" charset="0"/>
+              <a:buChar char="•"/>
+            </a:pPr>
+            <a:r>
+              <a:rPr lang="ja-JP" altLang="en-US" sz="1400" dirty="0"/>
+              <a:t>退職所得（退職金、一時恩給など）</a:t>
+            </a:r>
+          </a:p>
+          <a:p>
+            <a:pPr marL="285750" indent="-285750">
+              <a:buFont typeface="Arial" panose="020B0604020202020204" pitchFamily="34" charset="0"/>
+              <a:buChar char="•"/>
+            </a:pPr>
+            <a:r>
+              <a:rPr lang="ja-JP" altLang="en-US" sz="1400" dirty="0"/>
+              <a:t>山林所得（山林を売った場合に生じる所得）</a:t>
+            </a:r>
+          </a:p>
+          <a:p>
+            <a:pPr marL="285750" indent="-285750">
+              <a:buFont typeface="Arial" panose="020B0604020202020204" pitchFamily="34" charset="0"/>
+              <a:buChar char="•"/>
+            </a:pPr>
+            <a:r>
+              <a:rPr lang="ja-JP" altLang="en-US" sz="1400" dirty="0"/>
+              <a:t>譲渡所得（土地などの財産を売った場合に生じる所得）</a:t>
+            </a:r>
+          </a:p>
+          <a:p>
+            <a:pPr marL="285750" indent="-285750">
+              <a:buFont typeface="Arial" panose="020B0604020202020204" pitchFamily="34" charset="0"/>
+              <a:buChar char="•"/>
+            </a:pPr>
+            <a:r>
+              <a:rPr lang="ja-JP" altLang="en-US" sz="1400" dirty="0"/>
+              <a:t>一時所得（クイズに当たった場合などに生じる所得）</a:t>
+            </a:r>
+          </a:p>
+          <a:p>
+            <a:pPr marL="285750" indent="-285750">
+              <a:buFont typeface="Arial" panose="020B0604020202020204" pitchFamily="34" charset="0"/>
+              <a:buChar char="•"/>
+            </a:pPr>
+            <a:r>
+              <a:rPr lang="ja-JP" altLang="en-US" sz="1400" dirty="0"/>
+              <a:t>雑所得（公的年金等、原稿料など他の所得にあてはまらない所得）</a:t>
+            </a:r>
+          </a:p>
+        </p:txBody>
+      </p:sp>
+      <p:sp>
+        <p:nvSpPr>
+          <p:cNvPr id="10" name="正方形/長方形 9"/>
+          <p:cNvSpPr/>
+          <p:nvPr/>
+        </p:nvSpPr>
+        <p:spPr>
+          <a:xfrm>
+            <a:off x="-4275856" y="3753356"/>
+            <a:ext cx="4273540" cy="3754874"/>
+          </a:xfrm>
+          <a:prstGeom prst="rect">
+            <a:avLst/>
+          </a:prstGeom>
+        </p:spPr>
+        <p:txBody>
+          <a:bodyPr wrap="square">
+            <a:spAutoFit/>
+          </a:bodyPr>
+          <a:lstStyle/>
+          <a:p>
+            <a:r>
+              <a:rPr lang="ja-JP" altLang="en-US" sz="1400" b="1" dirty="0">
+                <a:solidFill>
+                  <a:schemeClr val="tx2">
+                    <a:lumMod val="60000"/>
+                    <a:lumOff val="40000"/>
+                  </a:schemeClr>
+                </a:solidFill>
+              </a:rPr>
+              <a:t>所得控除額（</a:t>
+            </a:r>
+            <a:r>
+              <a:rPr lang="en-US" altLang="ja-JP" sz="1400" b="1" dirty="0">
+                <a:solidFill>
+                  <a:schemeClr val="tx2">
+                    <a:lumMod val="60000"/>
+                    <a:lumOff val="40000"/>
+                  </a:schemeClr>
+                </a:solidFill>
+              </a:rPr>
+              <a:t>B</a:t>
+            </a:r>
+            <a:r>
+              <a:rPr lang="ja-JP" altLang="en-US" sz="1400" b="1" dirty="0">
+                <a:solidFill>
+                  <a:schemeClr val="tx2">
+                    <a:lumMod val="60000"/>
+                    <a:lumOff val="40000"/>
+                  </a:schemeClr>
+                </a:solidFill>
+              </a:rPr>
+              <a:t>）</a:t>
+            </a:r>
+          </a:p>
+          <a:p>
+            <a:r>
+              <a:rPr lang="ja-JP" altLang="en-US" sz="1400" dirty="0"/>
+              <a:t>所得控除の種類は次のとおり。</a:t>
+            </a:r>
+          </a:p>
+          <a:p>
+            <a:pPr marL="285750" indent="-285750">
+              <a:buFont typeface="Arial" panose="020B0604020202020204" pitchFamily="34" charset="0"/>
+              <a:buChar char="•"/>
+            </a:pPr>
+            <a:r>
+              <a:rPr lang="ja-JP" altLang="en-US" sz="1400" dirty="0"/>
+              <a:t>雑損控除</a:t>
+            </a:r>
+          </a:p>
+          <a:p>
+            <a:pPr marL="285750" indent="-285750">
+              <a:buFont typeface="Arial" panose="020B0604020202020204" pitchFamily="34" charset="0"/>
+              <a:buChar char="•"/>
+            </a:pPr>
+            <a:r>
+              <a:rPr lang="ja-JP" altLang="en-US" sz="1400" dirty="0"/>
+              <a:t>医療費控除</a:t>
+            </a:r>
+          </a:p>
+          <a:p>
+            <a:pPr marL="285750" indent="-285750">
+              <a:buFont typeface="Arial" panose="020B0604020202020204" pitchFamily="34" charset="0"/>
+              <a:buChar char="•"/>
+            </a:pPr>
+            <a:r>
+              <a:rPr lang="ja-JP" altLang="en-US" sz="1400" dirty="0"/>
+              <a:t>社会保険料控除</a:t>
+            </a:r>
+          </a:p>
+          <a:p>
+            <a:pPr marL="285750" indent="-285750">
+              <a:buFont typeface="Arial" panose="020B0604020202020204" pitchFamily="34" charset="0"/>
+              <a:buChar char="•"/>
+            </a:pPr>
+            <a:r>
+              <a:rPr lang="ja-JP" altLang="en-US" sz="1400" dirty="0"/>
+              <a:t>小規模企業共済等掛金控除</a:t>
+            </a:r>
+          </a:p>
+          <a:p>
+            <a:pPr marL="285750" indent="-285750">
+              <a:buFont typeface="Arial" panose="020B0604020202020204" pitchFamily="34" charset="0"/>
+              <a:buChar char="•"/>
+            </a:pPr>
+            <a:r>
+              <a:rPr lang="ja-JP" altLang="en-US" sz="1400" dirty="0"/>
+              <a:t>生命保険料控除</a:t>
+            </a:r>
+          </a:p>
+          <a:p>
+            <a:pPr marL="285750" indent="-285750">
+              <a:buFont typeface="Arial" panose="020B0604020202020204" pitchFamily="34" charset="0"/>
+              <a:buChar char="•"/>
+            </a:pPr>
+            <a:r>
+              <a:rPr lang="ja-JP" altLang="en-US" sz="1400" dirty="0"/>
+              <a:t>地震保険料控除</a:t>
+            </a:r>
+          </a:p>
+          <a:p>
+            <a:pPr marL="285750" indent="-285750">
+              <a:buFont typeface="Arial" panose="020B0604020202020204" pitchFamily="34" charset="0"/>
+              <a:buChar char="•"/>
+            </a:pPr>
+            <a:r>
+              <a:rPr lang="ja-JP" altLang="en-US" sz="1400" dirty="0"/>
+              <a:t>寄附金控除</a:t>
+            </a:r>
+          </a:p>
+          <a:p>
+            <a:pPr marL="285750" indent="-285750">
+              <a:buFont typeface="Arial" panose="020B0604020202020204" pitchFamily="34" charset="0"/>
+              <a:buChar char="•"/>
+            </a:pPr>
+            <a:r>
+              <a:rPr lang="ja-JP" altLang="en-US" sz="1400" dirty="0"/>
+              <a:t>障害者控除</a:t>
+            </a:r>
+          </a:p>
+          <a:p>
+            <a:pPr marL="285750" indent="-285750">
+              <a:buFont typeface="Arial" panose="020B0604020202020204" pitchFamily="34" charset="0"/>
+              <a:buChar char="•"/>
+            </a:pPr>
+            <a:r>
+              <a:rPr lang="ja-JP" altLang="en-US" sz="1400" dirty="0"/>
+              <a:t>寡婦</a:t>
+            </a:r>
+            <a:r>
+              <a:rPr lang="en-US" altLang="ja-JP" sz="1400" dirty="0"/>
+              <a:t>(</a:t>
+            </a:r>
+            <a:r>
+              <a:rPr lang="ja-JP" altLang="en-US" sz="1400" dirty="0"/>
+              <a:t>寡夫</a:t>
+            </a:r>
+            <a:r>
+              <a:rPr lang="en-US" altLang="ja-JP" sz="1400" dirty="0"/>
+              <a:t>)</a:t>
+            </a:r>
+            <a:r>
+              <a:rPr lang="ja-JP" altLang="en-US" sz="1400" dirty="0"/>
+              <a:t>控除</a:t>
+            </a:r>
+            <a:r>
+              <a:rPr lang="en-US" altLang="ja-JP" sz="1400" dirty="0"/>
+              <a:t>(</a:t>
+            </a:r>
+            <a:r>
+              <a:rPr lang="ja-JP" altLang="en-US" sz="1400" dirty="0"/>
+              <a:t>この控除は女性の場合と男性の場合とで要件に差があります。</a:t>
+            </a:r>
+            <a:r>
+              <a:rPr lang="en-US" altLang="ja-JP" sz="1400" dirty="0"/>
+              <a:t>)</a:t>
+            </a:r>
+          </a:p>
+          <a:p>
+            <a:pPr marL="285750" indent="-285750">
+              <a:buFont typeface="Arial" panose="020B0604020202020204" pitchFamily="34" charset="0"/>
+              <a:buChar char="•"/>
+            </a:pPr>
+            <a:r>
+              <a:rPr lang="ja-JP" altLang="en-US" sz="1400" dirty="0"/>
+              <a:t>勤労学生控除</a:t>
+            </a:r>
+          </a:p>
+          <a:p>
+            <a:pPr marL="285750" indent="-285750">
+              <a:buFont typeface="Arial" panose="020B0604020202020204" pitchFamily="34" charset="0"/>
+              <a:buChar char="•"/>
+            </a:pPr>
+            <a:r>
+              <a:rPr lang="ja-JP" altLang="en-US" sz="1400" dirty="0"/>
+              <a:t>配偶者控除</a:t>
+            </a:r>
+          </a:p>
+          <a:p>
+            <a:pPr marL="285750" indent="-285750">
+              <a:buFont typeface="Arial" panose="020B0604020202020204" pitchFamily="34" charset="0"/>
+              <a:buChar char="•"/>
+            </a:pPr>
+            <a:r>
+              <a:rPr lang="ja-JP" altLang="en-US" sz="1400" dirty="0"/>
+              <a:t>配偶者特別控除</a:t>
+            </a:r>
+          </a:p>
+          <a:p>
+            <a:pPr marL="285750" indent="-285750">
+              <a:buFont typeface="Arial" panose="020B0604020202020204" pitchFamily="34" charset="0"/>
+              <a:buChar char="•"/>
+            </a:pPr>
+            <a:r>
+              <a:rPr lang="ja-JP" altLang="en-US" sz="1400" b="1" u="sng" dirty="0"/>
+              <a:t>扶養控除</a:t>
+            </a:r>
+          </a:p>
+          <a:p>
+            <a:pPr marL="285750" indent="-285750">
+              <a:buFont typeface="Arial" panose="020B0604020202020204" pitchFamily="34" charset="0"/>
+              <a:buChar char="•"/>
+            </a:pPr>
+            <a:r>
+              <a:rPr lang="ja-JP" altLang="en-US" sz="1400" dirty="0"/>
+              <a:t>基礎控除</a:t>
+            </a:r>
+          </a:p>
+        </p:txBody>
+      </p:sp>
+      <p:sp>
+        <p:nvSpPr>
+          <p:cNvPr id="12" name="正方形/長方形 11"/>
+          <p:cNvSpPr/>
+          <p:nvPr/>
+        </p:nvSpPr>
+        <p:spPr>
+          <a:xfrm>
+            <a:off x="-4203848" y="7508230"/>
+            <a:ext cx="4264632" cy="3108543"/>
+          </a:xfrm>
+          <a:prstGeom prst="rect">
+            <a:avLst/>
+          </a:prstGeom>
+        </p:spPr>
+        <p:txBody>
+          <a:bodyPr wrap="square">
+            <a:spAutoFit/>
+          </a:bodyPr>
+          <a:lstStyle/>
+          <a:p>
+            <a:r>
+              <a:rPr lang="ja-JP" altLang="en-US" sz="1400" b="1" dirty="0">
+                <a:solidFill>
+                  <a:schemeClr val="accent6">
+                    <a:lumMod val="75000"/>
+                  </a:schemeClr>
+                </a:solidFill>
+              </a:rPr>
+              <a:t>税額控除額（</a:t>
+            </a:r>
+            <a:r>
+              <a:rPr lang="en-US" altLang="ja-JP" sz="1400" b="1" dirty="0">
+                <a:solidFill>
+                  <a:schemeClr val="accent6">
+                    <a:lumMod val="75000"/>
+                  </a:schemeClr>
+                </a:solidFill>
+              </a:rPr>
+              <a:t>C</a:t>
+            </a:r>
+            <a:r>
+              <a:rPr lang="ja-JP" altLang="en-US" sz="1400" b="1" dirty="0">
+                <a:solidFill>
+                  <a:schemeClr val="accent6">
+                    <a:lumMod val="75000"/>
+                  </a:schemeClr>
+                </a:solidFill>
+              </a:rPr>
+              <a:t>）</a:t>
+            </a:r>
+          </a:p>
+          <a:p>
+            <a:pPr marL="285750" indent="-285750">
+              <a:buFont typeface="Arial" panose="020B0604020202020204" pitchFamily="34" charset="0"/>
+              <a:buChar char="•"/>
+            </a:pPr>
+            <a:r>
+              <a:rPr lang="ja-JP" altLang="en-US" sz="1400" dirty="0"/>
+              <a:t>配当控除</a:t>
+            </a:r>
+          </a:p>
+          <a:p>
+            <a:pPr marL="285750" indent="-285750">
+              <a:buFont typeface="Arial" panose="020B0604020202020204" pitchFamily="34" charset="0"/>
+              <a:buChar char="•"/>
+            </a:pPr>
+            <a:r>
+              <a:rPr lang="ja-JP" altLang="en-US" sz="1400" dirty="0"/>
+              <a:t>外国税額控除</a:t>
+            </a:r>
+          </a:p>
+          <a:p>
+            <a:pPr marL="285750" indent="-285750">
+              <a:buFont typeface="Arial" panose="020B0604020202020204" pitchFamily="34" charset="0"/>
+              <a:buChar char="•"/>
+            </a:pPr>
+            <a:r>
+              <a:rPr lang="ja-JP" altLang="en-US" sz="1400" dirty="0"/>
+              <a:t>政党等寄附金特別控除</a:t>
+            </a:r>
+          </a:p>
+          <a:p>
+            <a:pPr marL="285750" indent="-285750">
+              <a:buFont typeface="Arial" panose="020B0604020202020204" pitchFamily="34" charset="0"/>
+              <a:buChar char="•"/>
+            </a:pPr>
+            <a:r>
+              <a:rPr lang="ja-JP" altLang="en-US" sz="1400" dirty="0"/>
+              <a:t>認定</a:t>
+            </a:r>
+            <a:r>
+              <a:rPr lang="en-US" altLang="ja-JP" sz="1400" dirty="0"/>
+              <a:t>NPO</a:t>
+            </a:r>
+            <a:r>
+              <a:rPr lang="ja-JP" altLang="en-US" sz="1400" dirty="0"/>
+              <a:t>法人等寄附金特別控除</a:t>
+            </a:r>
+          </a:p>
+          <a:p>
+            <a:pPr marL="285750" indent="-285750">
+              <a:buFont typeface="Arial" panose="020B0604020202020204" pitchFamily="34" charset="0"/>
+              <a:buChar char="•"/>
+            </a:pPr>
+            <a:r>
+              <a:rPr lang="ja-JP" altLang="en-US" sz="1400" dirty="0"/>
+              <a:t>公益社団法人等寄附金特別控除</a:t>
+            </a:r>
+          </a:p>
+          <a:p>
+            <a:pPr marL="285750" indent="-285750">
+              <a:buFont typeface="Arial" panose="020B0604020202020204" pitchFamily="34" charset="0"/>
+              <a:buChar char="•"/>
+            </a:pPr>
+            <a:r>
+              <a:rPr lang="ja-JP" altLang="en-US" sz="1400" dirty="0"/>
+              <a:t>特定震災指定寄附金特別控除</a:t>
+            </a:r>
+          </a:p>
+          <a:p>
+            <a:pPr marL="285750" indent="-285750">
+              <a:buFont typeface="Arial" panose="020B0604020202020204" pitchFamily="34" charset="0"/>
+              <a:buChar char="•"/>
+            </a:pPr>
+            <a:r>
+              <a:rPr lang="ja-JP" altLang="en-US" sz="1400" dirty="0"/>
+              <a:t>（特定増改築等）住宅借入金等特別控除</a:t>
+            </a:r>
+          </a:p>
+          <a:p>
+            <a:pPr marL="285750" indent="-285750">
+              <a:buFont typeface="Arial" panose="020B0604020202020204" pitchFamily="34" charset="0"/>
+              <a:buChar char="•"/>
+            </a:pPr>
+            <a:r>
+              <a:rPr lang="ja-JP" altLang="en-US" sz="1400" dirty="0"/>
+              <a:t>住宅耐震改修特別控除</a:t>
+            </a:r>
+          </a:p>
+          <a:p>
+            <a:pPr marL="285750" indent="-285750">
+              <a:buFont typeface="Arial" panose="020B0604020202020204" pitchFamily="34" charset="0"/>
+              <a:buChar char="•"/>
+            </a:pPr>
+            <a:r>
+              <a:rPr lang="ja-JP" altLang="en-US" sz="1400" dirty="0"/>
+              <a:t>住宅特定改修特別税額控除</a:t>
+            </a:r>
+          </a:p>
+          <a:p>
+            <a:pPr marL="285750" indent="-285750">
+              <a:buFont typeface="Arial" panose="020B0604020202020204" pitchFamily="34" charset="0"/>
+              <a:buChar char="•"/>
+            </a:pPr>
+            <a:r>
+              <a:rPr lang="ja-JP" altLang="en-US" sz="1400" dirty="0"/>
+              <a:t>認定長期優良住宅新築等特別税額控除</a:t>
+            </a:r>
+          </a:p>
+          <a:p>
+            <a:pPr marL="285750" indent="-285750">
+              <a:buFont typeface="Arial" panose="020B0604020202020204" pitchFamily="34" charset="0"/>
+              <a:buChar char="•"/>
+            </a:pPr>
+            <a:r>
+              <a:rPr lang="ja-JP" altLang="en-US" sz="1400" dirty="0"/>
+              <a:t>電子証明書等特別控除</a:t>
+            </a:r>
+          </a:p>
+          <a:p>
+            <a:pPr marL="285750" indent="-285750">
+              <a:buFont typeface="Arial" panose="020B0604020202020204" pitchFamily="34" charset="0"/>
+              <a:buChar char="•"/>
+            </a:pPr>
+            <a:r>
+              <a:rPr lang="ja-JP" altLang="en-US" sz="1400" dirty="0"/>
+              <a:t>復興産業集積区域に係る税制上の特例措置</a:t>
+            </a:r>
+          </a:p>
+          <a:p>
+            <a:pPr marL="285750" indent="-285750">
+              <a:buFont typeface="Arial" panose="020B0604020202020204" pitchFamily="34" charset="0"/>
+              <a:buChar char="•"/>
+            </a:pPr>
+            <a:r>
+              <a:rPr lang="ja-JP" altLang="en-US" sz="1400" dirty="0"/>
+              <a:t>避難解除区域に係る税制上の特例措置</a:t>
+            </a:r>
+          </a:p>
+        </p:txBody>
+      </p:sp>
+      <p:graphicFrame>
+        <p:nvGraphicFramePr>
+          <p:cNvPr id="13" name="表 12"/>
+          <p:cNvGraphicFramePr>
+            <a:graphicFrameLocks noGrp="1"/>
+          </p:cNvGraphicFramePr>
+          <p:nvPr>
+            <p:extLst>
+              <p:ext uri="{D42A27DB-BD31-4B8C-83A1-F6EECF244321}">
+                <p14:modId xmlns:p14="http://schemas.microsoft.com/office/powerpoint/2010/main" val="2425059460"/>
+              </p:ext>
+            </p:extLst>
+          </p:nvPr>
+        </p:nvGraphicFramePr>
+        <p:xfrm>
+          <a:off x="317498" y="10476656"/>
+          <a:ext cx="6172200" cy="1437405"/>
+        </p:xfrm>
+        <a:graphic>
+          <a:graphicData uri="http://schemas.openxmlformats.org/drawingml/2006/table">
+            <a:tbl>
+              <a:tblPr/>
+              <a:tblGrid>
+                <a:gridCol w="2057400"/>
+                <a:gridCol w="2057400"/>
+                <a:gridCol w="2057400"/>
+              </a:tblGrid>
+              <a:tr h="287481">
+                <a:tc gridSpan="2">
+                  <a:txBody>
+                    <a:bodyPr/>
+                    <a:lstStyle/>
+                    <a:p>
+                      <a:pPr algn="l" fontAlgn="t"/>
+                      <a:r>
+                        <a:rPr lang="ja-JP" altLang="en-US" sz="1400" b="0" dirty="0">
+                          <a:solidFill>
+                            <a:srgbClr val="333333"/>
+                          </a:solidFill>
+                          <a:effectLst/>
+                        </a:rPr>
+                        <a:t>区分</a:t>
+                      </a:r>
+                    </a:p>
+                  </a:txBody>
+                  <a:tcPr marL="71870" marR="71870" marT="35935" marB="35935">
+                    <a:lnL w="6350" cap="flat" cmpd="sng" algn="ctr">
+                      <a:solidFill>
+                        <a:srgbClr val="DDDDDD"/>
+                      </a:solidFill>
+                      <a:prstDash val="solid"/>
+                      <a:round/>
+                      <a:headEnd type="none" w="med" len="med"/>
+                      <a:tailEnd type="none" w="med" len="med"/>
+                    </a:lnL>
+                    <a:lnR w="6350" cap="flat" cmpd="sng" algn="ctr">
+                      <a:solidFill>
+                        <a:srgbClr val="DDDDDD"/>
+                      </a:solidFill>
+                      <a:prstDash val="solid"/>
+                      <a:round/>
+                      <a:headEnd type="none" w="med" len="med"/>
+                      <a:tailEnd type="none" w="med" len="med"/>
+                    </a:lnR>
+                    <a:lnT w="6350" cap="flat" cmpd="sng" algn="ctr">
+                      <a:solidFill>
+                        <a:srgbClr val="DDDDDD"/>
+                      </a:solidFill>
+                      <a:prstDash val="solid"/>
+                      <a:round/>
+                      <a:headEnd type="none" w="med" len="med"/>
+                      <a:tailEnd type="none" w="med" len="med"/>
+                    </a:lnT>
+                    <a:lnB w="6350" cap="flat" cmpd="sng" algn="ctr">
+                      <a:solidFill>
+                        <a:srgbClr val="DDDDDD"/>
+                      </a:solidFill>
+                      <a:prstDash val="solid"/>
+                      <a:round/>
+                      <a:headEnd type="none" w="med" len="med"/>
+                      <a:tailEnd type="none" w="med" len="med"/>
+                    </a:lnB>
+                    <a:solidFill>
+                      <a:srgbClr val="F5F5F5"/>
+                    </a:solidFill>
+                  </a:tcPr>
+                </a:tc>
+                <a:tc hMerge="1">
+                  <a:txBody>
+                    <a:bodyPr/>
+                    <a:lstStyle/>
+                    <a:p>
+                      <a:endParaRPr kumimoji="1" lang="ja-JP" altLang="en-US"/>
+                    </a:p>
+                  </a:txBody>
+                  <a:tcPr/>
+                </a:tc>
+                <a:tc>
+                  <a:txBody>
+                    <a:bodyPr/>
+                    <a:lstStyle/>
+                    <a:p>
+                      <a:pPr algn="l" fontAlgn="t"/>
+                      <a:r>
+                        <a:rPr lang="ja-JP" altLang="en-US" sz="1400" b="0">
+                          <a:solidFill>
+                            <a:srgbClr val="333333"/>
+                          </a:solidFill>
+                          <a:effectLst/>
+                        </a:rPr>
+                        <a:t>控除額</a:t>
+                      </a:r>
+                    </a:p>
+                  </a:txBody>
+                  <a:tcPr marL="71870" marR="71870" marT="35935" marB="35935">
+                    <a:lnL w="6350" cap="flat" cmpd="sng" algn="ctr">
+                      <a:solidFill>
+                        <a:srgbClr val="DDDDDD"/>
+                      </a:solidFill>
+                      <a:prstDash val="solid"/>
+                      <a:round/>
+                      <a:headEnd type="none" w="med" len="med"/>
+                      <a:tailEnd type="none" w="med" len="med"/>
+                    </a:lnL>
+                    <a:lnR w="6350" cap="flat" cmpd="sng" algn="ctr">
+                      <a:solidFill>
+                        <a:srgbClr val="DDDDDD"/>
+                      </a:solidFill>
+                      <a:prstDash val="solid"/>
+                      <a:round/>
+                      <a:headEnd type="none" w="med" len="med"/>
+                      <a:tailEnd type="none" w="med" len="med"/>
+                    </a:lnR>
+                    <a:lnT w="6350" cap="flat" cmpd="sng" algn="ctr">
+                      <a:solidFill>
+                        <a:srgbClr val="DDDDDD"/>
+                      </a:solidFill>
+                      <a:prstDash val="solid"/>
+                      <a:round/>
+                      <a:headEnd type="none" w="med" len="med"/>
+                      <a:tailEnd type="none" w="med" len="med"/>
+                    </a:lnT>
+                    <a:lnB w="6350" cap="flat" cmpd="sng" algn="ctr">
+                      <a:solidFill>
+                        <a:srgbClr val="EEEEEE"/>
+                      </a:solidFill>
+                      <a:prstDash val="solid"/>
+                      <a:round/>
+                      <a:headEnd type="none" w="med" len="med"/>
+                      <a:tailEnd type="none" w="med" len="med"/>
+                    </a:lnB>
+                    <a:solidFill>
+                      <a:srgbClr val="F5F5F5"/>
+                    </a:solidFill>
+                  </a:tcPr>
+                </a:tc>
+              </a:tr>
+              <a:tr h="287481">
+                <a:tc gridSpan="2">
+                  <a:txBody>
+                    <a:bodyPr/>
+                    <a:lstStyle/>
+                    <a:p>
+                      <a:pPr algn="l" fontAlgn="t"/>
+                      <a:r>
+                        <a:rPr lang="ja-JP" altLang="en-US" sz="1400" b="0">
+                          <a:solidFill>
+                            <a:srgbClr val="333333"/>
+                          </a:solidFill>
+                          <a:effectLst/>
+                        </a:rPr>
+                        <a:t>一般の控除対象扶養親族（</a:t>
+                      </a:r>
+                      <a:r>
+                        <a:rPr lang="en-US" altLang="ja-JP" sz="1400" b="0">
+                          <a:solidFill>
+                            <a:srgbClr val="333333"/>
+                          </a:solidFill>
+                          <a:effectLst/>
+                        </a:rPr>
+                        <a:t>※1</a:t>
+                      </a:r>
+                      <a:r>
+                        <a:rPr lang="ja-JP" altLang="en-US" sz="1400" b="0">
+                          <a:solidFill>
+                            <a:srgbClr val="333333"/>
+                          </a:solidFill>
+                          <a:effectLst/>
+                        </a:rPr>
+                        <a:t>）</a:t>
+                      </a:r>
+                    </a:p>
+                  </a:txBody>
+                  <a:tcPr marL="71870" marR="71870" marT="35935" marB="35935">
+                    <a:lnL w="6350" cap="flat" cmpd="sng" algn="ctr">
+                      <a:solidFill>
+                        <a:srgbClr val="DDDDDD"/>
+                      </a:solidFill>
+                      <a:prstDash val="solid"/>
+                      <a:round/>
+                      <a:headEnd type="none" w="med" len="med"/>
+                      <a:tailEnd type="none" w="med" len="med"/>
+                    </a:lnL>
+                    <a:lnR w="6350" cap="flat" cmpd="sng" algn="ctr">
+                      <a:solidFill>
+                        <a:srgbClr val="DDDDDD"/>
+                      </a:solidFill>
+                      <a:prstDash val="solid"/>
+                      <a:round/>
+                      <a:headEnd type="none" w="med" len="med"/>
+                      <a:tailEnd type="none" w="med" len="med"/>
+                    </a:lnR>
+                    <a:lnT w="6350" cap="flat" cmpd="sng" algn="ctr">
+                      <a:solidFill>
+                        <a:srgbClr val="DDDDDD"/>
+                      </a:solidFill>
+                      <a:prstDash val="solid"/>
+                      <a:round/>
+                      <a:headEnd type="none" w="med" len="med"/>
+                      <a:tailEnd type="none" w="med" len="med"/>
+                    </a:lnT>
+                    <a:lnB w="6350" cap="flat" cmpd="sng" algn="ctr">
+                      <a:solidFill>
+                        <a:srgbClr val="DDDDDD"/>
+                      </a:solidFill>
+                      <a:prstDash val="solid"/>
+                      <a:round/>
+                      <a:headEnd type="none" w="med" len="med"/>
+                      <a:tailEnd type="none" w="med" len="med"/>
+                    </a:lnB>
+                    <a:solidFill>
+                      <a:srgbClr val="F5F5F5"/>
+                    </a:solidFill>
+                  </a:tcPr>
+                </a:tc>
+                <a:tc hMerge="1">
+                  <a:txBody>
+                    <a:bodyPr/>
+                    <a:lstStyle/>
+                    <a:p>
+                      <a:endParaRPr kumimoji="1" lang="ja-JP" altLang="en-US"/>
+                    </a:p>
+                  </a:txBody>
+                  <a:tcPr/>
+                </a:tc>
+                <a:tc>
+                  <a:txBody>
+                    <a:bodyPr/>
+                    <a:lstStyle/>
+                    <a:p>
+                      <a:pPr algn="l" fontAlgn="t"/>
+                      <a:r>
+                        <a:rPr lang="en-US" altLang="ja-JP" sz="1400" b="0" dirty="0">
+                          <a:solidFill>
+                            <a:srgbClr val="FF0000"/>
+                          </a:solidFill>
+                          <a:effectLst/>
+                        </a:rPr>
+                        <a:t>38</a:t>
+                      </a:r>
+                      <a:r>
+                        <a:rPr lang="ja-JP" altLang="en-US" sz="1400" b="0" dirty="0">
+                          <a:solidFill>
+                            <a:srgbClr val="FF0000"/>
+                          </a:solidFill>
+                          <a:effectLst/>
+                        </a:rPr>
+                        <a:t>万円</a:t>
+                      </a:r>
+                    </a:p>
+                  </a:txBody>
+                  <a:tcPr marL="71870" marR="71870" marT="35935" marB="35935">
+                    <a:lnL w="6350" cap="flat" cmpd="sng" algn="ctr">
+                      <a:solidFill>
+                        <a:srgbClr val="DDDDDD"/>
+                      </a:solidFill>
+                      <a:prstDash val="solid"/>
+                      <a:round/>
+                      <a:headEnd type="none" w="med" len="med"/>
+                      <a:tailEnd type="none" w="med" len="med"/>
+                    </a:lnL>
+                    <a:lnR w="6350" cap="flat" cmpd="sng" algn="ctr">
+                      <a:solidFill>
+                        <a:srgbClr val="EEEEEE"/>
+                      </a:solidFill>
+                      <a:prstDash val="solid"/>
+                      <a:round/>
+                      <a:headEnd type="none" w="med" len="med"/>
+                      <a:tailEnd type="none" w="med" len="med"/>
+                    </a:lnR>
+                    <a:lnT w="6350" cap="flat" cmpd="sng" algn="ctr">
+                      <a:solidFill>
+                        <a:srgbClr val="EEEEEE"/>
+                      </a:solidFill>
+                      <a:prstDash val="solid"/>
+                      <a:round/>
+                      <a:headEnd type="none" w="med" len="med"/>
+                      <a:tailEnd type="none" w="med" len="med"/>
+                    </a:lnT>
+                    <a:lnB w="6350" cap="flat" cmpd="sng" algn="ctr">
+                      <a:solidFill>
+                        <a:srgbClr val="EEEEEE"/>
+                      </a:solidFill>
+                      <a:prstDash val="solid"/>
+                      <a:round/>
+                      <a:headEnd type="none" w="med" len="med"/>
+                      <a:tailEnd type="none" w="med" len="med"/>
+                    </a:lnB>
+                    <a:solidFill>
+                      <a:srgbClr val="FFFFFF"/>
+                    </a:solidFill>
+                  </a:tcPr>
+                </a:tc>
+              </a:tr>
+              <a:tr h="287481">
+                <a:tc gridSpan="2">
+                  <a:txBody>
+                    <a:bodyPr/>
+                    <a:lstStyle/>
+                    <a:p>
+                      <a:pPr algn="l" fontAlgn="t"/>
+                      <a:r>
+                        <a:rPr lang="zh-TW" altLang="en-US" sz="1400" b="0">
+                          <a:solidFill>
+                            <a:srgbClr val="333333"/>
+                          </a:solidFill>
+                          <a:effectLst/>
+                        </a:rPr>
+                        <a:t>特定扶養親族（</a:t>
+                      </a:r>
+                      <a:r>
+                        <a:rPr lang="en-US" altLang="zh-TW" sz="1400" b="0">
+                          <a:solidFill>
+                            <a:srgbClr val="333333"/>
+                          </a:solidFill>
+                          <a:effectLst/>
+                        </a:rPr>
+                        <a:t>※2</a:t>
+                      </a:r>
+                      <a:r>
+                        <a:rPr lang="zh-TW" altLang="en-US" sz="1400" b="0">
+                          <a:solidFill>
+                            <a:srgbClr val="333333"/>
+                          </a:solidFill>
+                          <a:effectLst/>
+                        </a:rPr>
+                        <a:t>）</a:t>
+                      </a:r>
+                    </a:p>
+                  </a:txBody>
+                  <a:tcPr marL="71870" marR="71870" marT="35935" marB="35935">
+                    <a:lnL w="6350" cap="flat" cmpd="sng" algn="ctr">
+                      <a:solidFill>
+                        <a:srgbClr val="DDDDDD"/>
+                      </a:solidFill>
+                      <a:prstDash val="solid"/>
+                      <a:round/>
+                      <a:headEnd type="none" w="med" len="med"/>
+                      <a:tailEnd type="none" w="med" len="med"/>
+                    </a:lnL>
+                    <a:lnR w="6350" cap="flat" cmpd="sng" algn="ctr">
+                      <a:solidFill>
+                        <a:srgbClr val="DDDDDD"/>
+                      </a:solidFill>
+                      <a:prstDash val="solid"/>
+                      <a:round/>
+                      <a:headEnd type="none" w="med" len="med"/>
+                      <a:tailEnd type="none" w="med" len="med"/>
+                    </a:lnR>
+                    <a:lnT w="6350" cap="flat" cmpd="sng" algn="ctr">
+                      <a:solidFill>
+                        <a:srgbClr val="DDDDDD"/>
+                      </a:solidFill>
+                      <a:prstDash val="solid"/>
+                      <a:round/>
+                      <a:headEnd type="none" w="med" len="med"/>
+                      <a:tailEnd type="none" w="med" len="med"/>
+                    </a:lnT>
+                    <a:lnB w="6350" cap="flat" cmpd="sng" algn="ctr">
+                      <a:solidFill>
+                        <a:srgbClr val="DDDDDD"/>
+                      </a:solidFill>
+                      <a:prstDash val="solid"/>
+                      <a:round/>
+                      <a:headEnd type="none" w="med" len="med"/>
+                      <a:tailEnd type="none" w="med" len="med"/>
+                    </a:lnB>
+                    <a:solidFill>
+                      <a:srgbClr val="F5F5F5"/>
+                    </a:solidFill>
+                  </a:tcPr>
+                </a:tc>
+                <a:tc hMerge="1">
+                  <a:txBody>
+                    <a:bodyPr/>
+                    <a:lstStyle/>
+                    <a:p>
+                      <a:endParaRPr kumimoji="1" lang="ja-JP" altLang="en-US"/>
+                    </a:p>
+                  </a:txBody>
+                  <a:tcPr/>
+                </a:tc>
+                <a:tc>
+                  <a:txBody>
+                    <a:bodyPr/>
+                    <a:lstStyle/>
+                    <a:p>
+                      <a:pPr algn="l" fontAlgn="t"/>
+                      <a:r>
+                        <a:rPr lang="en-US" altLang="ja-JP" sz="1400" b="0" dirty="0">
+                          <a:effectLst/>
+                        </a:rPr>
+                        <a:t>63</a:t>
+                      </a:r>
+                      <a:r>
+                        <a:rPr lang="ja-JP" altLang="en-US" sz="1400" b="0" dirty="0">
+                          <a:effectLst/>
+                        </a:rPr>
+                        <a:t>万円</a:t>
+                      </a:r>
+                    </a:p>
+                  </a:txBody>
+                  <a:tcPr marL="71870" marR="71870" marT="35935" marB="35935">
+                    <a:lnL w="6350" cap="flat" cmpd="sng" algn="ctr">
+                      <a:solidFill>
+                        <a:srgbClr val="DDDDDD"/>
+                      </a:solidFill>
+                      <a:prstDash val="solid"/>
+                      <a:round/>
+                      <a:headEnd type="none" w="med" len="med"/>
+                      <a:tailEnd type="none" w="med" len="med"/>
+                    </a:lnL>
+                    <a:lnR w="6350" cap="flat" cmpd="sng" algn="ctr">
+                      <a:solidFill>
+                        <a:srgbClr val="EEEEEE"/>
+                      </a:solidFill>
+                      <a:prstDash val="solid"/>
+                      <a:round/>
+                      <a:headEnd type="none" w="med" len="med"/>
+                      <a:tailEnd type="none" w="med" len="med"/>
+                    </a:lnR>
+                    <a:lnT w="6350" cap="flat" cmpd="sng" algn="ctr">
+                      <a:solidFill>
+                        <a:srgbClr val="EEEEEE"/>
+                      </a:solidFill>
+                      <a:prstDash val="solid"/>
+                      <a:round/>
+                      <a:headEnd type="none" w="med" len="med"/>
+                      <a:tailEnd type="none" w="med" len="med"/>
+                    </a:lnT>
+                    <a:lnB w="6350" cap="flat" cmpd="sng" algn="ctr">
+                      <a:solidFill>
+                        <a:srgbClr val="EEEEEE"/>
+                      </a:solidFill>
+                      <a:prstDash val="solid"/>
+                      <a:round/>
+                      <a:headEnd type="none" w="med" len="med"/>
+                      <a:tailEnd type="none" w="med" len="med"/>
+                    </a:lnB>
+                    <a:solidFill>
+                      <a:srgbClr val="FFFFFF"/>
+                    </a:solidFill>
+                  </a:tcPr>
+                </a:tc>
+              </a:tr>
+              <a:tr h="287481">
+                <a:tc rowSpan="2">
+                  <a:txBody>
+                    <a:bodyPr/>
+                    <a:lstStyle/>
+                    <a:p>
+                      <a:pPr algn="l" fontAlgn="t"/>
+                      <a:r>
+                        <a:rPr lang="zh-TW" altLang="en-US" sz="1400" b="0">
+                          <a:solidFill>
+                            <a:srgbClr val="333333"/>
+                          </a:solidFill>
+                          <a:effectLst/>
+                        </a:rPr>
+                        <a:t>老人扶養親族（</a:t>
+                      </a:r>
+                      <a:r>
+                        <a:rPr lang="en-US" altLang="zh-TW" sz="1400" b="0">
+                          <a:solidFill>
+                            <a:srgbClr val="333333"/>
+                          </a:solidFill>
+                          <a:effectLst/>
+                        </a:rPr>
+                        <a:t>※3</a:t>
+                      </a:r>
+                      <a:r>
+                        <a:rPr lang="zh-TW" altLang="en-US" sz="1400" b="0">
+                          <a:solidFill>
+                            <a:srgbClr val="333333"/>
+                          </a:solidFill>
+                          <a:effectLst/>
+                        </a:rPr>
+                        <a:t>）</a:t>
+                      </a:r>
+                    </a:p>
+                  </a:txBody>
+                  <a:tcPr marL="71870" marR="71870" marT="35935" marB="35935">
+                    <a:lnL w="6350" cap="flat" cmpd="sng" algn="ctr">
+                      <a:solidFill>
+                        <a:srgbClr val="DDDDDD"/>
+                      </a:solidFill>
+                      <a:prstDash val="solid"/>
+                      <a:round/>
+                      <a:headEnd type="none" w="med" len="med"/>
+                      <a:tailEnd type="none" w="med" len="med"/>
+                    </a:lnL>
+                    <a:lnR w="6350" cap="flat" cmpd="sng" algn="ctr">
+                      <a:solidFill>
+                        <a:srgbClr val="DDDDDD"/>
+                      </a:solidFill>
+                      <a:prstDash val="solid"/>
+                      <a:round/>
+                      <a:headEnd type="none" w="med" len="med"/>
+                      <a:tailEnd type="none" w="med" len="med"/>
+                    </a:lnR>
+                    <a:lnT w="6350" cap="flat" cmpd="sng" algn="ctr">
+                      <a:solidFill>
+                        <a:srgbClr val="DDDDDD"/>
+                      </a:solidFill>
+                      <a:prstDash val="solid"/>
+                      <a:round/>
+                      <a:headEnd type="none" w="med" len="med"/>
+                      <a:tailEnd type="none" w="med" len="med"/>
+                    </a:lnT>
+                    <a:lnB w="6350" cap="flat" cmpd="sng" algn="ctr">
+                      <a:solidFill>
+                        <a:srgbClr val="DDDDDD"/>
+                      </a:solidFill>
+                      <a:prstDash val="solid"/>
+                      <a:round/>
+                      <a:headEnd type="none" w="med" len="med"/>
+                      <a:tailEnd type="none" w="med" len="med"/>
+                    </a:lnB>
+                    <a:solidFill>
+                      <a:srgbClr val="F5F5F5"/>
+                    </a:solidFill>
+                  </a:tcPr>
+                </a:tc>
+                <a:tc>
+                  <a:txBody>
+                    <a:bodyPr/>
+                    <a:lstStyle/>
+                    <a:p>
+                      <a:pPr algn="l" fontAlgn="t"/>
+                      <a:r>
+                        <a:rPr lang="ja-JP" altLang="en-US" sz="1400" b="0" dirty="0">
+                          <a:solidFill>
+                            <a:srgbClr val="333333"/>
+                          </a:solidFill>
+                          <a:effectLst/>
+                        </a:rPr>
+                        <a:t>同居老親等以外の者</a:t>
+                      </a:r>
+                    </a:p>
+                  </a:txBody>
+                  <a:tcPr marL="71870" marR="71870" marT="35935" marB="35935">
+                    <a:lnL w="6350" cap="flat" cmpd="sng" algn="ctr">
+                      <a:solidFill>
+                        <a:srgbClr val="DDDDDD"/>
+                      </a:solidFill>
+                      <a:prstDash val="solid"/>
+                      <a:round/>
+                      <a:headEnd type="none" w="med" len="med"/>
+                      <a:tailEnd type="none" w="med" len="med"/>
+                    </a:lnL>
+                    <a:lnR w="6350" cap="flat" cmpd="sng" algn="ctr">
+                      <a:solidFill>
+                        <a:srgbClr val="DDDDDD"/>
+                      </a:solidFill>
+                      <a:prstDash val="solid"/>
+                      <a:round/>
+                      <a:headEnd type="none" w="med" len="med"/>
+                      <a:tailEnd type="none" w="med" len="med"/>
+                    </a:lnR>
+                    <a:lnT w="6350" cap="flat" cmpd="sng" algn="ctr">
+                      <a:solidFill>
+                        <a:srgbClr val="DDDDDD"/>
+                      </a:solidFill>
+                      <a:prstDash val="solid"/>
+                      <a:round/>
+                      <a:headEnd type="none" w="med" len="med"/>
+                      <a:tailEnd type="none" w="med" len="med"/>
+                    </a:lnT>
+                    <a:lnB w="6350" cap="flat" cmpd="sng" algn="ctr">
+                      <a:solidFill>
+                        <a:srgbClr val="DDDDDD"/>
+                      </a:solidFill>
+                      <a:prstDash val="solid"/>
+                      <a:round/>
+                      <a:headEnd type="none" w="med" len="med"/>
+                      <a:tailEnd type="none" w="med" len="med"/>
+                    </a:lnB>
+                    <a:solidFill>
+                      <a:srgbClr val="F5F5F5"/>
+                    </a:solidFill>
+                  </a:tcPr>
+                </a:tc>
+                <a:tc>
+                  <a:txBody>
+                    <a:bodyPr/>
+                    <a:lstStyle/>
+                    <a:p>
+                      <a:pPr algn="l" fontAlgn="t"/>
+                      <a:r>
+                        <a:rPr lang="en-US" altLang="ja-JP" sz="1400" b="0">
+                          <a:effectLst/>
+                        </a:rPr>
+                        <a:t>48</a:t>
+                      </a:r>
+                      <a:r>
+                        <a:rPr lang="ja-JP" altLang="en-US" sz="1400" b="0">
+                          <a:effectLst/>
+                        </a:rPr>
+                        <a:t>万円</a:t>
+                      </a:r>
+                    </a:p>
+                  </a:txBody>
+                  <a:tcPr marL="71870" marR="71870" marT="35935" marB="35935">
+                    <a:lnL w="6350" cap="flat" cmpd="sng" algn="ctr">
+                      <a:solidFill>
+                        <a:srgbClr val="DDDDDD"/>
+                      </a:solidFill>
+                      <a:prstDash val="solid"/>
+                      <a:round/>
+                      <a:headEnd type="none" w="med" len="med"/>
+                      <a:tailEnd type="none" w="med" len="med"/>
+                    </a:lnL>
+                    <a:lnR w="6350" cap="flat" cmpd="sng" algn="ctr">
+                      <a:solidFill>
+                        <a:srgbClr val="EEEEEE"/>
+                      </a:solidFill>
+                      <a:prstDash val="solid"/>
+                      <a:round/>
+                      <a:headEnd type="none" w="med" len="med"/>
+                      <a:tailEnd type="none" w="med" len="med"/>
+                    </a:lnR>
+                    <a:lnT w="6350" cap="flat" cmpd="sng" algn="ctr">
+                      <a:solidFill>
+                        <a:srgbClr val="EEEEEE"/>
+                      </a:solidFill>
+                      <a:prstDash val="solid"/>
+                      <a:round/>
+                      <a:headEnd type="none" w="med" len="med"/>
+                      <a:tailEnd type="none" w="med" len="med"/>
+                    </a:lnT>
+                    <a:lnB w="6350" cap="flat" cmpd="sng" algn="ctr">
+                      <a:solidFill>
+                        <a:srgbClr val="EEEEEE"/>
+                      </a:solidFill>
+                      <a:prstDash val="solid"/>
+                      <a:round/>
+                      <a:headEnd type="none" w="med" len="med"/>
+                      <a:tailEnd type="none" w="med" len="med"/>
+                    </a:lnB>
+                    <a:solidFill>
+                      <a:srgbClr val="FFFFFF"/>
+                    </a:solidFill>
+                  </a:tcPr>
+                </a:tc>
+              </a:tr>
+              <a:tr h="287481">
+                <a:tc vMerge="1">
+                  <a:txBody>
+                    <a:bodyPr/>
+                    <a:lstStyle/>
+                    <a:p>
+                      <a:endParaRPr kumimoji="1" lang="ja-JP" altLang="en-US"/>
+                    </a:p>
+                  </a:txBody>
+                  <a:tcPr/>
+                </a:tc>
+                <a:tc>
+                  <a:txBody>
+                    <a:bodyPr/>
+                    <a:lstStyle/>
+                    <a:p>
+                      <a:pPr algn="l" fontAlgn="t"/>
+                      <a:r>
+                        <a:rPr lang="zh-TW" altLang="en-US" sz="1400" b="0">
+                          <a:solidFill>
+                            <a:srgbClr val="333333"/>
+                          </a:solidFill>
+                          <a:effectLst/>
+                        </a:rPr>
+                        <a:t>同居老親等（</a:t>
+                      </a:r>
+                      <a:r>
+                        <a:rPr lang="en-US" altLang="zh-TW" sz="1400" b="0">
+                          <a:solidFill>
+                            <a:srgbClr val="333333"/>
+                          </a:solidFill>
+                          <a:effectLst/>
+                        </a:rPr>
+                        <a:t>※4</a:t>
+                      </a:r>
+                      <a:r>
+                        <a:rPr lang="zh-TW" altLang="en-US" sz="1400" b="0">
+                          <a:solidFill>
+                            <a:srgbClr val="333333"/>
+                          </a:solidFill>
+                          <a:effectLst/>
+                        </a:rPr>
+                        <a:t>）</a:t>
+                      </a:r>
+                    </a:p>
+                  </a:txBody>
+                  <a:tcPr marL="71870" marR="71870" marT="35935" marB="35935">
+                    <a:lnL w="6350" cap="flat" cmpd="sng" algn="ctr">
+                      <a:solidFill>
+                        <a:srgbClr val="DDDDDD"/>
+                      </a:solidFill>
+                      <a:prstDash val="solid"/>
+                      <a:round/>
+                      <a:headEnd type="none" w="med" len="med"/>
+                      <a:tailEnd type="none" w="med" len="med"/>
+                    </a:lnL>
+                    <a:lnR w="6350" cap="flat" cmpd="sng" algn="ctr">
+                      <a:solidFill>
+                        <a:srgbClr val="DDDDDD"/>
+                      </a:solidFill>
+                      <a:prstDash val="solid"/>
+                      <a:round/>
+                      <a:headEnd type="none" w="med" len="med"/>
+                      <a:tailEnd type="none" w="med" len="med"/>
+                    </a:lnR>
+                    <a:lnT w="6350" cap="flat" cmpd="sng" algn="ctr">
+                      <a:solidFill>
+                        <a:srgbClr val="DDDDDD"/>
+                      </a:solidFill>
+                      <a:prstDash val="solid"/>
+                      <a:round/>
+                      <a:headEnd type="none" w="med" len="med"/>
+                      <a:tailEnd type="none" w="med" len="med"/>
+                    </a:lnT>
+                    <a:lnB w="6350" cap="flat" cmpd="sng" algn="ctr">
+                      <a:solidFill>
+                        <a:srgbClr val="DDDDDD"/>
+                      </a:solidFill>
+                      <a:prstDash val="solid"/>
+                      <a:round/>
+                      <a:headEnd type="none" w="med" len="med"/>
+                      <a:tailEnd type="none" w="med" len="med"/>
+                    </a:lnB>
+                    <a:solidFill>
+                      <a:srgbClr val="F5F5F5"/>
+                    </a:solidFill>
+                  </a:tcPr>
+                </a:tc>
+                <a:tc>
+                  <a:txBody>
+                    <a:bodyPr/>
+                    <a:lstStyle/>
+                    <a:p>
+                      <a:pPr algn="l" fontAlgn="t"/>
+                      <a:r>
+                        <a:rPr lang="en-US" altLang="ja-JP" sz="1400" b="0" dirty="0">
+                          <a:effectLst/>
+                        </a:rPr>
+                        <a:t>58</a:t>
+                      </a:r>
+                      <a:r>
+                        <a:rPr lang="ja-JP" altLang="en-US" sz="1400" b="0" dirty="0">
+                          <a:effectLst/>
+                        </a:rPr>
+                        <a:t>万円</a:t>
+                      </a:r>
+                    </a:p>
+                  </a:txBody>
+                  <a:tcPr marL="71870" marR="71870" marT="35935" marB="35935">
+                    <a:lnL w="6350" cap="flat" cmpd="sng" algn="ctr">
+                      <a:solidFill>
+                        <a:srgbClr val="DDDDDD"/>
+                      </a:solidFill>
+                      <a:prstDash val="solid"/>
+                      <a:round/>
+                      <a:headEnd type="none" w="med" len="med"/>
+                      <a:tailEnd type="none" w="med" len="med"/>
+                    </a:lnL>
+                    <a:lnR w="6350" cap="flat" cmpd="sng" algn="ctr">
+                      <a:solidFill>
+                        <a:srgbClr val="EEEEEE"/>
+                      </a:solidFill>
+                      <a:prstDash val="solid"/>
+                      <a:round/>
+                      <a:headEnd type="none" w="med" len="med"/>
+                      <a:tailEnd type="none" w="med" len="med"/>
+                    </a:lnR>
+                    <a:lnT w="6350" cap="flat" cmpd="sng" algn="ctr">
+                      <a:solidFill>
+                        <a:srgbClr val="EEEEEE"/>
+                      </a:solidFill>
+                      <a:prstDash val="solid"/>
+                      <a:round/>
+                      <a:headEnd type="none" w="med" len="med"/>
+                      <a:tailEnd type="none" w="med" len="med"/>
+                    </a:lnT>
+                    <a:lnB w="6350" cap="flat" cmpd="sng" algn="ctr">
+                      <a:solidFill>
+                        <a:srgbClr val="DDDDDD"/>
+                      </a:solidFill>
+                      <a:prstDash val="solid"/>
+                      <a:round/>
+                      <a:headEnd type="none" w="med" len="med"/>
+                      <a:tailEnd type="none" w="med" len="med"/>
+                    </a:lnB>
+                    <a:solidFill>
+                      <a:srgbClr val="FFFFFF"/>
+                    </a:solidFill>
+                  </a:tcPr>
+                </a:tc>
+              </a:tr>
+            </a:tbl>
+          </a:graphicData>
+        </a:graphic>
+      </p:graphicFrame>
+      <p:sp>
+        <p:nvSpPr>
+          <p:cNvPr id="14" name="Rectangle 4"/>
+          <p:cNvSpPr>
+            <a:spLocks noChangeArrowheads="1"/>
+          </p:cNvSpPr>
+          <p:nvPr/>
+        </p:nvSpPr>
+        <p:spPr bwMode="auto">
+          <a:xfrm>
+            <a:off x="448690" y="10127830"/>
+            <a:ext cx="6316153" cy="338554"/>
+          </a:xfrm>
+          <a:prstGeom prst="rect">
+            <a:avLst/>
+          </a:prstGeom>
+          <a:noFill/>
+          <a:ln>
+            <a:noFill/>
+          </a:ln>
+          <a:effectLst/>
+          <a:extLst>
+            <a:ext uri="{909E8E84-426E-40DD-AFC4-6F175D3DCCD1}">
+              <a14:hiddenFill xmlns:a14="http://schemas.microsoft.com/office/drawing/2010/main">
+                <a:solidFill>
+                  <a:schemeClr val="accent1"/>
+                </a:solidFill>
+              </a14:hiddenFill>
+            </a:ext>
+            <a:ext uri="{91240B29-F687-4F45-9708-019B960494DF}">
+              <a14:hiddenLine xmlns:a14="http://schemas.microsoft.com/office/drawing/2010/main" w="9525">
+                <a:solidFill>
+                  <a:schemeClr val="tx1"/>
+                </a:solidFill>
+                <a:miter lim="800000"/>
+                <a:headEnd/>
+                <a:tailEnd/>
+              </a14:hiddenLine>
+            </a:ext>
+            <a:ext uri="{AF507438-7753-43E0-B8FC-AC1667EBCBE1}">
+              <a14:hiddenEffects xmlns:a14="http://schemas.microsoft.com/office/drawing/2010/main">
+                <a:effectLst>
+                  <a:outerShdw dist="35921" dir="2700000" algn="ctr" rotWithShape="0">
+                    <a:schemeClr val="bg2"/>
+                  </a:outerShdw>
+                </a:effectLst>
+              </a14:hiddenEffects>
+            </a:ext>
+          </a:extLst>
+        </p:spPr>
+        <p:txBody>
+          <a:bodyPr vert="horz" wrap="none" lIns="91440" tIns="45720" rIns="91440" bIns="45720" numCol="1" anchor="ctr" anchorCtr="0" compatLnSpc="1">
+            <a:prstTxWarp prst="textNoShape">
+              <a:avLst/>
+            </a:prstTxWarp>
+            <a:spAutoFit/>
+          </a:bodyPr>
+          <a:lstStyle>
+            <a:lvl1pPr fontAlgn="base">
+              <a:spcBef>
+                <a:spcPct val="0"/>
+              </a:spcBef>
+              <a:spcAft>
+                <a:spcPct val="0"/>
+              </a:spcAft>
+              <a:defRPr kumimoji="1">
+                <a:solidFill>
+                  <a:schemeClr val="tx1"/>
+                </a:solidFill>
+                <a:latin typeface="Arial" pitchFamily="34" charset="0"/>
+                <a:ea typeface="ＭＳ Ｐゴシック" pitchFamily="50" charset="-128"/>
+                <a:cs typeface="ＭＳ Ｐゴシック" pitchFamily="50" charset="-128"/>
+              </a:defRPr>
+            </a:lvl1pPr>
+            <a:lvl2pPr fontAlgn="base">
+              <a:spcBef>
+                <a:spcPct val="0"/>
+              </a:spcBef>
+              <a:spcAft>
+                <a:spcPct val="0"/>
+              </a:spcAft>
+              <a:defRPr kumimoji="1">
+                <a:solidFill>
+                  <a:schemeClr val="tx1"/>
+                </a:solidFill>
+                <a:latin typeface="Arial" pitchFamily="34" charset="0"/>
+                <a:ea typeface="ＭＳ Ｐゴシック" pitchFamily="50" charset="-128"/>
+                <a:cs typeface="ＭＳ Ｐゴシック" pitchFamily="50" charset="-128"/>
+              </a:defRPr>
+            </a:lvl2pPr>
+            <a:lvl3pPr fontAlgn="base">
+              <a:spcBef>
+                <a:spcPct val="0"/>
+              </a:spcBef>
+              <a:spcAft>
+                <a:spcPct val="0"/>
+              </a:spcAft>
+              <a:defRPr kumimoji="1">
+                <a:solidFill>
+                  <a:schemeClr val="tx1"/>
+                </a:solidFill>
+                <a:latin typeface="Arial" pitchFamily="34" charset="0"/>
+                <a:ea typeface="ＭＳ Ｐゴシック" pitchFamily="50" charset="-128"/>
+                <a:cs typeface="ＭＳ Ｐゴシック" pitchFamily="50" charset="-128"/>
+              </a:defRPr>
+            </a:lvl3pPr>
+            <a:lvl4pPr fontAlgn="base">
+              <a:spcBef>
+                <a:spcPct val="0"/>
+              </a:spcBef>
+              <a:spcAft>
+                <a:spcPct val="0"/>
+              </a:spcAft>
+              <a:defRPr kumimoji="1">
+                <a:solidFill>
+                  <a:schemeClr val="tx1"/>
+                </a:solidFill>
+                <a:latin typeface="Arial" pitchFamily="34" charset="0"/>
+                <a:ea typeface="ＭＳ Ｐゴシック" pitchFamily="50" charset="-128"/>
+                <a:cs typeface="ＭＳ Ｐゴシック" pitchFamily="50" charset="-128"/>
+              </a:defRPr>
+            </a:lvl4pPr>
+            <a:lvl5pPr fontAlgn="base">
+              <a:spcBef>
+                <a:spcPct val="0"/>
+              </a:spcBef>
+              <a:spcAft>
+                <a:spcPct val="0"/>
+              </a:spcAft>
+              <a:defRPr kumimoji="1">
+                <a:solidFill>
+                  <a:schemeClr val="tx1"/>
+                </a:solidFill>
+                <a:latin typeface="Arial" pitchFamily="34" charset="0"/>
+                <a:ea typeface="ＭＳ Ｐゴシック" pitchFamily="50" charset="-128"/>
+                <a:cs typeface="ＭＳ Ｐゴシック" pitchFamily="50" charset="-128"/>
+              </a:defRPr>
+            </a:lvl5pPr>
+            <a:lvl6pPr fontAlgn="base">
+              <a:spcBef>
+                <a:spcPct val="0"/>
+              </a:spcBef>
+              <a:spcAft>
+                <a:spcPct val="0"/>
+              </a:spcAft>
+              <a:defRPr kumimoji="1">
+                <a:solidFill>
+                  <a:schemeClr val="tx1"/>
+                </a:solidFill>
+                <a:latin typeface="Arial" pitchFamily="34" charset="0"/>
+                <a:ea typeface="ＭＳ Ｐゴシック" pitchFamily="50" charset="-128"/>
+                <a:cs typeface="ＭＳ Ｐゴシック" pitchFamily="50" charset="-128"/>
+              </a:defRPr>
+            </a:lvl6pPr>
+            <a:lvl7pPr fontAlgn="base">
+              <a:spcBef>
+                <a:spcPct val="0"/>
+              </a:spcBef>
+              <a:spcAft>
+                <a:spcPct val="0"/>
+              </a:spcAft>
+              <a:defRPr kumimoji="1">
+                <a:solidFill>
+                  <a:schemeClr val="tx1"/>
+                </a:solidFill>
+                <a:latin typeface="Arial" pitchFamily="34" charset="0"/>
+                <a:ea typeface="ＭＳ Ｐゴシック" pitchFamily="50" charset="-128"/>
+                <a:cs typeface="ＭＳ Ｐゴシック" pitchFamily="50" charset="-128"/>
+              </a:defRPr>
+            </a:lvl7pPr>
+            <a:lvl8pPr fontAlgn="base">
+              <a:spcBef>
+                <a:spcPct val="0"/>
+              </a:spcBef>
+              <a:spcAft>
+                <a:spcPct val="0"/>
+              </a:spcAft>
+              <a:defRPr kumimoji="1">
+                <a:solidFill>
+                  <a:schemeClr val="tx1"/>
+                </a:solidFill>
+                <a:latin typeface="Arial" pitchFamily="34" charset="0"/>
+                <a:ea typeface="ＭＳ Ｐゴシック" pitchFamily="50" charset="-128"/>
+                <a:cs typeface="ＭＳ Ｐゴシック" pitchFamily="50" charset="-128"/>
+              </a:defRPr>
+            </a:lvl8pPr>
+            <a:lvl9pPr fontAlgn="base">
+              <a:spcBef>
+                <a:spcPct val="0"/>
+              </a:spcBef>
+              <a:spcAft>
+                <a:spcPct val="0"/>
+              </a:spcAft>
+              <a:defRPr kumimoji="1">
+                <a:solidFill>
+                  <a:schemeClr val="tx1"/>
+                </a:solidFill>
+                <a:latin typeface="Arial" pitchFamily="34" charset="0"/>
+                <a:ea typeface="ＭＳ Ｐゴシック" pitchFamily="50" charset="-128"/>
+                <a:cs typeface="ＭＳ Ｐゴシック" pitchFamily="50" charset="-128"/>
+              </a:defRPr>
+            </a:lvl9pPr>
+          </a:lstStyle>
+          <a:p>
+            <a:pPr marL="0" marR="0" lvl="0" indent="0" algn="l" defTabSz="914400" rtl="0" eaLnBrk="1" fontAlgn="base" latinLnBrk="0" hangingPunct="1">
+              <a:lnSpc>
+                <a:spcPct val="100000"/>
+              </a:lnSpc>
+              <a:spcBef>
+                <a:spcPct val="0"/>
+              </a:spcBef>
+              <a:spcAft>
+                <a:spcPct val="0"/>
+              </a:spcAft>
+              <a:buClrTx/>
+              <a:buSzTx/>
+              <a:buFontTx/>
+              <a:buNone/>
+              <a:tabLst/>
+            </a:pPr>
+            <a:r>
+              <a:rPr kumimoji="1" lang="ja-JP" altLang="ja-JP" sz="1600" b="0" i="0" u="none" strike="noStrike" cap="none" normalizeH="0" baseline="0" dirty="0" smtClean="0">
+                <a:ln>
+                  <a:noFill/>
+                </a:ln>
+                <a:solidFill>
+                  <a:srgbClr val="222222"/>
+                </a:solidFill>
+                <a:effectLst/>
+                <a:latin typeface="Arial" pitchFamily="34" charset="0"/>
+                <a:ea typeface="ＭＳ Ｐゴシック" pitchFamily="50" charset="-128"/>
+                <a:cs typeface="Arial" pitchFamily="34" charset="0"/>
+              </a:rPr>
+              <a:t>控除額は、扶養親族の年齢、同居の有無等により次の表のとおりです。</a:t>
+            </a:r>
+            <a:endParaRPr kumimoji="1" lang="ja-JP" altLang="ja-JP" sz="4000" b="0" i="0" u="none" strike="noStrike" cap="none" normalizeH="0" baseline="0" dirty="0" smtClean="0">
+              <a:ln>
+                <a:noFill/>
+              </a:ln>
+              <a:solidFill>
+                <a:schemeClr val="tx1"/>
+              </a:solidFill>
+              <a:effectLst/>
+              <a:latin typeface="Arial" pitchFamily="34" charset="0"/>
+              <a:ea typeface="ＭＳ Ｐゴシック" pitchFamily="50" charset="-128"/>
+              <a:cs typeface="ＭＳ Ｐゴシック" pitchFamily="50" charset="-128"/>
+            </a:endParaRPr>
           </a:p>
         </p:txBody>
       </p:sp>

--- a/[BeAMathematician].pptx
+++ b/[BeAMathematician].pptx
@@ -290,7 +290,7 @@
           <a:p>
             <a:fld id="{E90ED720-0104-4369-84BC-D37694168613}" type="datetimeFigureOut">
               <a:rPr kumimoji="1" lang="ja-JP" altLang="en-US" smtClean="0"/>
-              <a:t>2018/9/3</a:t>
+              <a:t>2018/10/4</a:t>
             </a:fld>
             <a:endParaRPr kumimoji="1" lang="ja-JP" altLang="en-US"/>
           </a:p>
@@ -487,7 +487,7 @@
           <a:p>
             <a:fld id="{E90ED720-0104-4369-84BC-D37694168613}" type="datetimeFigureOut">
               <a:rPr kumimoji="1" lang="ja-JP" altLang="en-US" smtClean="0"/>
-              <a:t>2018/9/3</a:t>
+              <a:t>2018/10/4</a:t>
             </a:fld>
             <a:endParaRPr kumimoji="1" lang="ja-JP" altLang="en-US"/>
           </a:p>
@@ -694,7 +694,7 @@
           <a:p>
             <a:fld id="{E90ED720-0104-4369-84BC-D37694168613}" type="datetimeFigureOut">
               <a:rPr kumimoji="1" lang="ja-JP" altLang="en-US" smtClean="0"/>
-              <a:t>2018/9/3</a:t>
+              <a:t>2018/10/4</a:t>
             </a:fld>
             <a:endParaRPr kumimoji="1" lang="ja-JP" altLang="en-US"/>
           </a:p>
@@ -891,7 +891,7 @@
           <a:p>
             <a:fld id="{E90ED720-0104-4369-84BC-D37694168613}" type="datetimeFigureOut">
               <a:rPr kumimoji="1" lang="ja-JP" altLang="en-US" smtClean="0"/>
-              <a:t>2018/9/3</a:t>
+              <a:t>2018/10/4</a:t>
             </a:fld>
             <a:endParaRPr kumimoji="1" lang="ja-JP" altLang="en-US"/>
           </a:p>
@@ -1132,7 +1132,7 @@
           <a:p>
             <a:fld id="{E90ED720-0104-4369-84BC-D37694168613}" type="datetimeFigureOut">
               <a:rPr kumimoji="1" lang="ja-JP" altLang="en-US" smtClean="0"/>
-              <a:t>2018/9/3</a:t>
+              <a:t>2018/10/4</a:t>
             </a:fld>
             <a:endParaRPr kumimoji="1" lang="ja-JP" altLang="en-US"/>
           </a:p>
@@ -1479,7 +1479,7 @@
           <a:p>
             <a:fld id="{E90ED720-0104-4369-84BC-D37694168613}" type="datetimeFigureOut">
               <a:rPr kumimoji="1" lang="ja-JP" altLang="en-US" smtClean="0"/>
-              <a:t>2018/9/3</a:t>
+              <a:t>2018/10/4</a:t>
             </a:fld>
             <a:endParaRPr kumimoji="1" lang="ja-JP" altLang="en-US"/>
           </a:p>
@@ -1960,7 +1960,7 @@
           <a:p>
             <a:fld id="{E90ED720-0104-4369-84BC-D37694168613}" type="datetimeFigureOut">
               <a:rPr kumimoji="1" lang="ja-JP" altLang="en-US" smtClean="0"/>
-              <a:t>2018/9/3</a:t>
+              <a:t>2018/10/4</a:t>
             </a:fld>
             <a:endParaRPr kumimoji="1" lang="ja-JP" altLang="en-US"/>
           </a:p>
@@ -2073,7 +2073,7 @@
           <a:p>
             <a:fld id="{E90ED720-0104-4369-84BC-D37694168613}" type="datetimeFigureOut">
               <a:rPr kumimoji="1" lang="ja-JP" altLang="en-US" smtClean="0"/>
-              <a:t>2018/9/3</a:t>
+              <a:t>2018/10/4</a:t>
             </a:fld>
             <a:endParaRPr kumimoji="1" lang="ja-JP" altLang="en-US"/>
           </a:p>
@@ -2163,7 +2163,7 @@
           <a:p>
             <a:fld id="{E90ED720-0104-4369-84BC-D37694168613}" type="datetimeFigureOut">
               <a:rPr kumimoji="1" lang="ja-JP" altLang="en-US" smtClean="0"/>
-              <a:t>2018/9/3</a:t>
+              <a:t>2018/10/4</a:t>
             </a:fld>
             <a:endParaRPr kumimoji="1" lang="ja-JP" altLang="en-US"/>
           </a:p>
@@ -2467,7 +2467,7 @@
           <a:p>
             <a:fld id="{E90ED720-0104-4369-84BC-D37694168613}" type="datetimeFigureOut">
               <a:rPr kumimoji="1" lang="ja-JP" altLang="en-US" smtClean="0"/>
-              <a:t>2018/9/3</a:t>
+              <a:t>2018/10/4</a:t>
             </a:fld>
             <a:endParaRPr kumimoji="1" lang="ja-JP" altLang="en-US"/>
           </a:p>
@@ -2715,7 +2715,7 @@
           <a:p>
             <a:fld id="{E90ED720-0104-4369-84BC-D37694168613}" type="datetimeFigureOut">
               <a:rPr kumimoji="1" lang="ja-JP" altLang="en-US" smtClean="0"/>
-              <a:t>2018/9/3</a:t>
+              <a:t>2018/10/4</a:t>
             </a:fld>
             <a:endParaRPr kumimoji="1" lang="ja-JP" altLang="en-US"/>
           </a:p>
@@ -2955,7 +2955,7 @@
           <a:p>
             <a:fld id="{E90ED720-0104-4369-84BC-D37694168613}" type="datetimeFigureOut">
               <a:rPr kumimoji="1" lang="ja-JP" altLang="en-US" smtClean="0"/>
-              <a:t>2018/9/3</a:t>
+              <a:t>2018/10/4</a:t>
             </a:fld>
             <a:endParaRPr kumimoji="1" lang="ja-JP" altLang="en-US"/>
           </a:p>
@@ -4234,11 +4234,7 @@
             </a:r>
             <a:r>
               <a:rPr kumimoji="1" lang="zh-CN" altLang="en-US" dirty="0" smtClean="0"/>
-              <a:t>有</a:t>
-            </a:r>
-            <a:r>
-              <a:rPr kumimoji="1" lang="zh-CN" altLang="en-US" dirty="0" smtClean="0"/>
-              <a:t>多少</a:t>
+              <a:t>有多少</a:t>
             </a:r>
             <a:r>
               <a:rPr kumimoji="1" lang="en-US" altLang="zh-CN" dirty="0" smtClean="0"/>
@@ -4576,15 +4572,7 @@
             </a:r>
             <a:r>
               <a:rPr lang="zh-CN" altLang="en-US" dirty="0" smtClean="0"/>
-              <a:t>，根据收入不同而不同</a:t>
-            </a:r>
-            <a:r>
-              <a:rPr lang="zh-CN" altLang="en-US" dirty="0" smtClean="0"/>
-              <a:t>，计算</a:t>
-            </a:r>
-            <a:r>
-              <a:rPr lang="zh-CN" altLang="en-US" dirty="0" smtClean="0"/>
-              <a:t>方法，税率见上表</a:t>
+              <a:t>，根据收入不同而不同，计算方法，税率见上表</a:t>
             </a:r>
             <a:endParaRPr lang="en-US" altLang="zh-CN" dirty="0" smtClean="0"/>
           </a:p>
@@ -9009,6 +8997,505 @@
               <a:ea typeface="ＭＳ Ｐゴシック" pitchFamily="50" charset="-128"/>
               <a:cs typeface="ＭＳ Ｐゴシック" pitchFamily="50" charset="-128"/>
             </a:endParaRPr>
+          </a:p>
+        </p:txBody>
+      </p:sp>
+      <p:sp>
+        <p:nvSpPr>
+          <p:cNvPr id="11" name="正方形/長方形 10"/>
+          <p:cNvSpPr/>
+          <p:nvPr/>
+        </p:nvSpPr>
+        <p:spPr>
+          <a:xfrm>
+            <a:off x="-3555776" y="12221704"/>
+            <a:ext cx="6356227" cy="1200329"/>
+          </a:xfrm>
+          <a:prstGeom prst="rect">
+            <a:avLst/>
+          </a:prstGeom>
+        </p:spPr>
+        <p:style>
+          <a:lnRef idx="2">
+            <a:schemeClr val="accent2"/>
+          </a:lnRef>
+          <a:fillRef idx="1">
+            <a:schemeClr val="lt1"/>
+          </a:fillRef>
+          <a:effectRef idx="0">
+            <a:schemeClr val="accent2"/>
+          </a:effectRef>
+          <a:fontRef idx="minor">
+            <a:schemeClr val="dk1"/>
+          </a:fontRef>
+        </p:style>
+        <p:txBody>
+          <a:bodyPr wrap="none">
+            <a:spAutoFit/>
+          </a:bodyPr>
+          <a:lstStyle/>
+          <a:p>
+            <a:r>
+              <a:rPr lang="zh-TW" altLang="en-US" dirty="0">
+                <a:solidFill>
+                  <a:schemeClr val="tx2">
+                    <a:lumMod val="60000"/>
+                    <a:lumOff val="40000"/>
+                  </a:schemeClr>
+                </a:solidFill>
+              </a:rPr>
+              <a:t>所得控除額（</a:t>
+            </a:r>
+            <a:r>
+              <a:rPr lang="en-US" altLang="zh-TW" dirty="0">
+                <a:solidFill>
+                  <a:schemeClr val="tx2">
+                    <a:lumMod val="60000"/>
+                    <a:lumOff val="40000"/>
+                  </a:schemeClr>
+                </a:solidFill>
+              </a:rPr>
+              <a:t>B</a:t>
+            </a:r>
+            <a:r>
+              <a:rPr lang="zh-TW" altLang="en-US" dirty="0" smtClean="0">
+                <a:solidFill>
+                  <a:schemeClr val="tx2">
+                    <a:lumMod val="60000"/>
+                    <a:lumOff val="40000"/>
+                  </a:schemeClr>
+                </a:solidFill>
+              </a:rPr>
+              <a:t>）</a:t>
+            </a:r>
+            <a:r>
+              <a:rPr lang="zh-CN" altLang="en-US" dirty="0" smtClean="0"/>
+              <a:t>中</a:t>
+            </a:r>
+            <a:r>
+              <a:rPr lang="ja-JP" altLang="en-US" dirty="0">
+                <a:solidFill>
+                  <a:srgbClr val="FF0000"/>
+                </a:solidFill>
+              </a:rPr>
+              <a:t>厚生年金</a:t>
+            </a:r>
+            <a:r>
+              <a:rPr lang="ja-JP" altLang="en-US" dirty="0" smtClean="0">
+                <a:solidFill>
+                  <a:srgbClr val="FF0000"/>
+                </a:solidFill>
+              </a:rPr>
+              <a:t>保険</a:t>
+            </a:r>
+            <a:r>
+              <a:rPr lang="zh-CN" altLang="en-US" dirty="0" smtClean="0"/>
+              <a:t>的计算方法：</a:t>
+            </a:r>
+            <a:endParaRPr lang="en-US" altLang="zh-CN" dirty="0" smtClean="0"/>
+          </a:p>
+          <a:p>
+            <a:pPr marL="285750" indent="-285750">
+              <a:buFont typeface="Arial" panose="020B0604020202020204" pitchFamily="34" charset="0"/>
+              <a:buChar char="•"/>
+            </a:pPr>
+            <a:r>
+              <a:rPr lang="zh-TW" altLang="en-US" dirty="0">
+                <a:solidFill>
+                  <a:srgbClr val="FF0000"/>
+                </a:solidFill>
+              </a:rPr>
+              <a:t>所得金額（</a:t>
+            </a:r>
+            <a:r>
+              <a:rPr lang="en-US" altLang="zh-TW" dirty="0">
+                <a:solidFill>
+                  <a:srgbClr val="FF0000"/>
+                </a:solidFill>
+              </a:rPr>
+              <a:t>A</a:t>
+            </a:r>
+            <a:r>
+              <a:rPr lang="zh-TW" altLang="en-US" dirty="0" smtClean="0">
+                <a:solidFill>
+                  <a:srgbClr val="FF0000"/>
+                </a:solidFill>
+              </a:rPr>
+              <a:t>） </a:t>
+            </a:r>
+            <a:r>
+              <a:rPr lang="en-US" altLang="zh-CN" dirty="0" smtClean="0"/>
+              <a:t>x 18.3% = </a:t>
+            </a:r>
+            <a:r>
+              <a:rPr lang="zh-CN" altLang="en-US" dirty="0" smtClean="0"/>
+              <a:t>总共要付的钱</a:t>
+            </a:r>
+            <a:endParaRPr lang="en-US" altLang="zh-CN" dirty="0" smtClean="0"/>
+          </a:p>
+          <a:p>
+            <a:pPr marL="285750" lvl="1" indent="-285750">
+              <a:buFont typeface="Arial" panose="020B0604020202020204" pitchFamily="34" charset="0"/>
+              <a:buChar char="•"/>
+            </a:pPr>
+            <a:r>
+              <a:rPr lang="zh-CN" altLang="en-US" dirty="0"/>
+              <a:t>总共</a:t>
+            </a:r>
+            <a:r>
+              <a:rPr lang="zh-CN" altLang="en-US" dirty="0" smtClean="0"/>
+              <a:t>要付的钱 </a:t>
+            </a:r>
+            <a:r>
+              <a:rPr lang="en-US" altLang="zh-CN" dirty="0" smtClean="0"/>
+              <a:t>= </a:t>
+            </a:r>
+            <a:r>
+              <a:rPr lang="zh-CN" altLang="en-US" dirty="0" smtClean="0"/>
+              <a:t>公司负担</a:t>
+            </a:r>
+            <a:r>
+              <a:rPr lang="en-US" altLang="zh-CN" dirty="0" smtClean="0"/>
+              <a:t>9.15% + </a:t>
+            </a:r>
+            <a:r>
+              <a:rPr lang="zh-CN" altLang="en-US" b="1" dirty="0" smtClean="0"/>
+              <a:t>个人负担</a:t>
+            </a:r>
+            <a:r>
+              <a:rPr lang="en-US" altLang="zh-CN" b="1" dirty="0" smtClean="0"/>
+              <a:t>9.15%  </a:t>
+            </a:r>
+          </a:p>
+          <a:p>
+            <a:pPr marL="285750" lvl="1" indent="-285750">
+              <a:buFont typeface="Arial" panose="020B0604020202020204" pitchFamily="34" charset="0"/>
+              <a:buChar char="•"/>
+            </a:pPr>
+            <a:r>
+              <a:rPr lang="en-US" altLang="zh-CN" dirty="0" smtClean="0"/>
+              <a:t>18.3%</a:t>
+            </a:r>
+            <a:r>
+              <a:rPr lang="zh-CN" altLang="en-US" dirty="0" smtClean="0"/>
+              <a:t>根据工作地会有不同，但似乎总是公司个人对半负担</a:t>
+            </a:r>
+            <a:endParaRPr lang="en-US" altLang="zh-CN" dirty="0" smtClean="0"/>
+          </a:p>
+        </p:txBody>
+      </p:sp>
+      <p:sp>
+        <p:nvSpPr>
+          <p:cNvPr id="16" name="正方形/長方形 15"/>
+          <p:cNvSpPr/>
+          <p:nvPr/>
+        </p:nvSpPr>
+        <p:spPr>
+          <a:xfrm>
+            <a:off x="-3562424" y="13573000"/>
+            <a:ext cx="9860392" cy="1477328"/>
+          </a:xfrm>
+          <a:prstGeom prst="rect">
+            <a:avLst/>
+          </a:prstGeom>
+        </p:spPr>
+        <p:style>
+          <a:lnRef idx="2">
+            <a:schemeClr val="accent2"/>
+          </a:lnRef>
+          <a:fillRef idx="1">
+            <a:schemeClr val="lt1"/>
+          </a:fillRef>
+          <a:effectRef idx="0">
+            <a:schemeClr val="accent2"/>
+          </a:effectRef>
+          <a:fontRef idx="minor">
+            <a:schemeClr val="dk1"/>
+          </a:fontRef>
+        </p:style>
+        <p:txBody>
+          <a:bodyPr wrap="none">
+            <a:spAutoFit/>
+          </a:bodyPr>
+          <a:lstStyle/>
+          <a:p>
+            <a:r>
+              <a:rPr lang="zh-TW" altLang="en-US" dirty="0">
+                <a:solidFill>
+                  <a:schemeClr val="tx2">
+                    <a:lumMod val="60000"/>
+                    <a:lumOff val="40000"/>
+                  </a:schemeClr>
+                </a:solidFill>
+              </a:rPr>
+              <a:t>所得控除額（</a:t>
+            </a:r>
+            <a:r>
+              <a:rPr lang="en-US" altLang="zh-TW" dirty="0">
+                <a:solidFill>
+                  <a:schemeClr val="tx2">
+                    <a:lumMod val="60000"/>
+                    <a:lumOff val="40000"/>
+                  </a:schemeClr>
+                </a:solidFill>
+              </a:rPr>
+              <a:t>B</a:t>
+            </a:r>
+            <a:r>
+              <a:rPr lang="zh-TW" altLang="en-US" dirty="0" smtClean="0">
+                <a:solidFill>
+                  <a:schemeClr val="tx2">
+                    <a:lumMod val="60000"/>
+                    <a:lumOff val="40000"/>
+                  </a:schemeClr>
+                </a:solidFill>
+              </a:rPr>
+              <a:t>）</a:t>
+            </a:r>
+            <a:r>
+              <a:rPr lang="zh-CN" altLang="en-US" dirty="0" smtClean="0"/>
+              <a:t>中</a:t>
+            </a:r>
+            <a:r>
+              <a:rPr lang="ja-JP" altLang="en-US" dirty="0">
+                <a:solidFill>
+                  <a:srgbClr val="FF0000"/>
+                </a:solidFill>
+              </a:rPr>
+              <a:t>健康保険</a:t>
+            </a:r>
+            <a:r>
+              <a:rPr lang="zh-CN" altLang="en-US" dirty="0" smtClean="0"/>
+              <a:t>的计算方法：</a:t>
+            </a:r>
+            <a:endParaRPr lang="en-US" altLang="zh-CN" dirty="0" smtClean="0"/>
+          </a:p>
+          <a:p>
+            <a:pPr marL="285750" indent="-285750">
+              <a:buFont typeface="Arial" panose="020B0604020202020204" pitchFamily="34" charset="0"/>
+              <a:buChar char="•"/>
+            </a:pPr>
+            <a:r>
+              <a:rPr lang="zh-TW" altLang="en-US" dirty="0">
+                <a:solidFill>
+                  <a:srgbClr val="FF0000"/>
+                </a:solidFill>
+              </a:rPr>
+              <a:t>所得金額（</a:t>
+            </a:r>
+            <a:r>
+              <a:rPr lang="en-US" altLang="zh-TW" dirty="0">
+                <a:solidFill>
+                  <a:srgbClr val="FF0000"/>
+                </a:solidFill>
+              </a:rPr>
+              <a:t>A</a:t>
+            </a:r>
+            <a:r>
+              <a:rPr lang="zh-TW" altLang="en-US" dirty="0" smtClean="0">
+                <a:solidFill>
+                  <a:srgbClr val="FF0000"/>
+                </a:solidFill>
+              </a:rPr>
+              <a:t>） </a:t>
+            </a:r>
+            <a:r>
+              <a:rPr lang="en-US" altLang="zh-CN" dirty="0" smtClean="0"/>
+              <a:t>x ( 9.9% (</a:t>
+            </a:r>
+            <a:r>
+              <a:rPr lang="ja-JP" altLang="en-US" b="1" dirty="0" smtClean="0"/>
+              <a:t>健康保険</a:t>
+            </a:r>
+            <a:r>
+              <a:rPr lang="en-US" altLang="zh-CN" dirty="0" smtClean="0"/>
+              <a:t>) + </a:t>
+            </a:r>
+            <a:r>
+              <a:rPr lang="en-US" altLang="ja-JP" dirty="0" smtClean="0"/>
+              <a:t>1.57% or 0% (</a:t>
+            </a:r>
+            <a:r>
+              <a:rPr lang="ja-JP" altLang="en-US" b="1" dirty="0"/>
+              <a:t>介護</a:t>
+            </a:r>
+            <a:r>
+              <a:rPr lang="ja-JP" altLang="en-US" b="1" dirty="0" smtClean="0"/>
+              <a:t>保険</a:t>
+            </a:r>
+            <a:r>
+              <a:rPr lang="en-US" altLang="ja-JP" dirty="0" smtClean="0"/>
+              <a:t>) + 0.29%(</a:t>
+            </a:r>
+            <a:r>
+              <a:rPr lang="ja-JP" altLang="en-US" b="1" dirty="0"/>
+              <a:t>子供子育て</a:t>
+            </a:r>
+            <a:r>
+              <a:rPr lang="en-US" altLang="ja-JP" dirty="0" smtClean="0"/>
+              <a:t>) = </a:t>
+            </a:r>
+            <a:r>
+              <a:rPr lang="zh-CN" altLang="en-US" dirty="0" smtClean="0"/>
+              <a:t>总共要付的钱</a:t>
+            </a:r>
+            <a:endParaRPr lang="en-US" altLang="zh-CN" dirty="0" smtClean="0"/>
+          </a:p>
+          <a:p>
+            <a:pPr marL="285750" indent="-285750">
+              <a:buFont typeface="Arial" panose="020B0604020202020204" pitchFamily="34" charset="0"/>
+              <a:buChar char="•"/>
+            </a:pPr>
+            <a:r>
+              <a:rPr lang="zh-CN" altLang="en-US" dirty="0" smtClean="0"/>
+              <a:t>粗略是</a:t>
+            </a:r>
+            <a:r>
+              <a:rPr lang="en-US" altLang="zh-CN" dirty="0" smtClean="0"/>
+              <a:t>	</a:t>
+            </a:r>
+            <a:r>
+              <a:rPr lang="zh-TW" altLang="en-US" dirty="0" smtClean="0">
+                <a:solidFill>
+                  <a:srgbClr val="FF0000"/>
+                </a:solidFill>
+              </a:rPr>
+              <a:t>所得</a:t>
+            </a:r>
+            <a:r>
+              <a:rPr lang="zh-TW" altLang="en-US" dirty="0">
+                <a:solidFill>
+                  <a:srgbClr val="FF0000"/>
+                </a:solidFill>
+              </a:rPr>
+              <a:t>金額（</a:t>
+            </a:r>
+            <a:r>
+              <a:rPr lang="en-US" altLang="zh-TW" dirty="0">
+                <a:solidFill>
+                  <a:srgbClr val="FF0000"/>
+                </a:solidFill>
+              </a:rPr>
+              <a:t>A</a:t>
+            </a:r>
+            <a:r>
+              <a:rPr lang="zh-TW" altLang="en-US" dirty="0" smtClean="0">
+                <a:solidFill>
+                  <a:srgbClr val="FF0000"/>
+                </a:solidFill>
+              </a:rPr>
+              <a:t>）</a:t>
+            </a:r>
+            <a:r>
+              <a:rPr lang="zh-TW" altLang="en-US" dirty="0" smtClean="0">
+                <a:solidFill>
+                  <a:schemeClr val="tx1"/>
+                </a:solidFill>
+              </a:rPr>
+              <a:t> </a:t>
+            </a:r>
+            <a:r>
+              <a:rPr lang="en-US" altLang="zh-CN" dirty="0" smtClean="0">
+                <a:solidFill>
+                  <a:schemeClr val="tx1"/>
+                </a:solidFill>
+              </a:rPr>
+              <a:t>x 10.19%</a:t>
+            </a:r>
+          </a:p>
+          <a:p>
+            <a:pPr marL="285750" indent="-285750">
+              <a:buFont typeface="Arial" panose="020B0604020202020204" pitchFamily="34" charset="0"/>
+              <a:buChar char="•"/>
+            </a:pPr>
+            <a:r>
+              <a:rPr lang="zh-CN" altLang="en-US" dirty="0" smtClean="0"/>
+              <a:t>其中 </a:t>
+            </a:r>
+            <a:r>
+              <a:rPr lang="zh-CN" altLang="en-US" b="1" dirty="0" smtClean="0"/>
+              <a:t>个人负担</a:t>
+            </a:r>
+            <a:r>
+              <a:rPr lang="zh-CN" altLang="en-US" dirty="0" smtClean="0"/>
+              <a:t>粗略是</a:t>
+            </a:r>
+            <a:r>
+              <a:rPr lang="zh-TW" altLang="en-US" dirty="0">
+                <a:solidFill>
+                  <a:srgbClr val="FF0000"/>
+                </a:solidFill>
+              </a:rPr>
+              <a:t>所得金額（</a:t>
+            </a:r>
+            <a:r>
+              <a:rPr lang="en-US" altLang="zh-TW" dirty="0">
+                <a:solidFill>
+                  <a:srgbClr val="FF0000"/>
+                </a:solidFill>
+              </a:rPr>
+              <a:t>A</a:t>
+            </a:r>
+            <a:r>
+              <a:rPr lang="zh-TW" altLang="en-US" dirty="0">
+                <a:solidFill>
+                  <a:srgbClr val="FF0000"/>
+                </a:solidFill>
+              </a:rPr>
+              <a:t>）</a:t>
+            </a:r>
+            <a:r>
+              <a:rPr lang="zh-TW" altLang="en-US" dirty="0">
+                <a:solidFill>
+                  <a:schemeClr val="tx1"/>
+                </a:solidFill>
+              </a:rPr>
+              <a:t> </a:t>
+            </a:r>
+            <a:r>
+              <a:rPr lang="en-US" altLang="zh-CN" dirty="0">
+                <a:solidFill>
+                  <a:schemeClr val="tx1"/>
+                </a:solidFill>
+              </a:rPr>
+              <a:t>x </a:t>
+            </a:r>
+            <a:r>
+              <a:rPr lang="en-US" altLang="zh-CN" dirty="0" smtClean="0">
+                <a:solidFill>
+                  <a:schemeClr val="tx1"/>
+                </a:solidFill>
+              </a:rPr>
+              <a:t>4.95%</a:t>
+            </a:r>
+            <a:endParaRPr lang="en-US" altLang="zh-CN" dirty="0" smtClean="0"/>
+          </a:p>
+          <a:p>
+            <a:pPr marL="285750" indent="-285750">
+              <a:buFont typeface="Arial" panose="020B0604020202020204" pitchFamily="34" charset="0"/>
+              <a:buChar char="•"/>
+            </a:pPr>
+            <a:r>
+              <a:rPr lang="zh-CN" altLang="en-US" dirty="0" smtClean="0"/>
+              <a:t>根据年龄</a:t>
+            </a:r>
+            <a:r>
+              <a:rPr lang="en-US" altLang="zh-CN" dirty="0" smtClean="0"/>
+              <a:t>/</a:t>
+            </a:r>
+            <a:r>
+              <a:rPr lang="zh-CN" altLang="en-US" dirty="0" smtClean="0"/>
+              <a:t>工作地</a:t>
+            </a:r>
+            <a:r>
+              <a:rPr lang="en-US" altLang="zh-CN" dirty="0" smtClean="0"/>
+              <a:t>?/</a:t>
+            </a:r>
+            <a:r>
+              <a:rPr lang="zh-CN" altLang="en-US" dirty="0" smtClean="0"/>
+              <a:t>有没小孩等的不同，百分比会变</a:t>
+            </a:r>
+            <a:endParaRPr lang="en-US" altLang="zh-CN" dirty="0" smtClean="0"/>
           </a:p>
         </p:txBody>
       </p:sp>
